--- a/learning_team_presentation_style_reference.pptx
+++ b/learning_team_presentation_style_reference.pptx
@@ -2,8 +2,11 @@
 <file path=ppt/presentation.xml><?xml version="1.0" encoding="utf-8"?>
 <p:presentation xmlns:a="http://schemas.openxmlformats.org/drawingml/2006/main" xmlns:r="http://schemas.openxmlformats.org/officeDocument/2006/relationships" xmlns:p="http://schemas.openxmlformats.org/presentationml/2006/main" saveSubsetFonts="1" autoCompressPictures="0">
   <p:sldMasterIdLst>
-    <p:sldMasterId id="2147483648" r:id="rId1"/>
+    <p:sldMasterId id="2147483971" r:id="rId1"/>
   </p:sldMasterIdLst>
+  <p:notesMasterIdLst>
+    <p:notesMasterId r:id="rId16"/>
+  </p:notesMasterIdLst>
   <p:sldIdLst>
     <p:sldId id="256" r:id="rId2"/>
     <p:sldId id="257" r:id="rId3"/>
@@ -11,8 +14,16 @@
     <p:sldId id="259" r:id="rId5"/>
     <p:sldId id="260" r:id="rId6"/>
     <p:sldId id="261" r:id="rId7"/>
+    <p:sldId id="262" r:id="rId8"/>
+    <p:sldId id="263" r:id="rId9"/>
+    <p:sldId id="264" r:id="rId10"/>
+    <p:sldId id="265" r:id="rId11"/>
+    <p:sldId id="266" r:id="rId12"/>
+    <p:sldId id="267" r:id="rId13"/>
+    <p:sldId id="268" r:id="rId14"/>
+    <p:sldId id="269" r:id="rId15"/>
   </p:sldIdLst>
-  <p:sldSz cx="9144000" cy="6858000" type="screen4x3"/>
+  <p:sldSz cx="12192000" cy="6858000"/>
   <p:notesSz cx="6858000" cy="9144000"/>
   <p:defaultTextStyle>
     <a:defPPr>
@@ -112,12 +123,12 @@
   <p:extLst>
     <p:ext uri="{EFAFB233-063F-42B5-8137-9DF3F51BA10A}">
       <p15:sldGuideLst xmlns:p15="http://schemas.microsoft.com/office/powerpoint/2012/main">
-        <p15:guide id="1" orient="horz" pos="2160">
+        <p15:guide id="1" orient="horz" pos="2160" userDrawn="1">
           <p15:clr>
             <a:srgbClr val="A4A3A4"/>
           </p15:clr>
         </p15:guide>
-        <p15:guide id="2" pos="2880">
+        <p15:guide id="2" pos="3840" userDrawn="1">
           <p15:clr>
             <a:srgbClr val="A4A3A4"/>
           </p15:clr>
@@ -128,8 +139,446 @@
 </p:presentation>
 </file>
 
+<file path=ppt/notesMasters/notesMaster1.xml><?xml version="1.0" encoding="utf-8"?>
+<p:notesMaster xmlns:a="http://schemas.openxmlformats.org/drawingml/2006/main" xmlns:r="http://schemas.openxmlformats.org/officeDocument/2006/relationships" xmlns:p="http://schemas.openxmlformats.org/presentationml/2006/main">
+  <p:cSld>
+    <p:bg>
+      <p:bgRef idx="1001">
+        <a:schemeClr val="bg1"/>
+      </p:bgRef>
+    </p:bg>
+    <p:spTree>
+      <p:nvGrpSpPr>
+        <p:cNvPr id="1" name=""/>
+        <p:cNvGrpSpPr/>
+        <p:nvPr/>
+      </p:nvGrpSpPr>
+      <p:grpSpPr>
+        <a:xfrm>
+          <a:off x="0" y="0"/>
+          <a:ext cx="0" cy="0"/>
+          <a:chOff x="0" y="0"/>
+          <a:chExt cx="0" cy="0"/>
+        </a:xfrm>
+      </p:grpSpPr>
+      <p:sp>
+        <p:nvSpPr>
+          <p:cNvPr id="2" name="Header Placeholder 1"/>
+          <p:cNvSpPr>
+            <a:spLocks noGrp="1"/>
+          </p:cNvSpPr>
+          <p:nvPr>
+            <p:ph type="hdr" sz="quarter"/>
+          </p:nvPr>
+        </p:nvSpPr>
+        <p:spPr>
+          <a:xfrm>
+            <a:off x="0" y="0"/>
+            <a:ext cx="2971800" cy="458788"/>
+          </a:xfrm>
+          <a:prstGeom prst="rect">
+            <a:avLst/>
+          </a:prstGeom>
+        </p:spPr>
+        <p:txBody>
+          <a:bodyPr vert="horz" lIns="91440" tIns="45720" rIns="91440" bIns="45720" rtlCol="0"/>
+          <a:lstStyle>
+            <a:lvl1pPr algn="l">
+              <a:defRPr sz="1200"/>
+            </a:lvl1pPr>
+          </a:lstStyle>
+          <a:p>
+            <a:endParaRPr lang="en-US"/>
+          </a:p>
+        </p:txBody>
+      </p:sp>
+      <p:sp>
+        <p:nvSpPr>
+          <p:cNvPr id="3" name="Date Placeholder 2"/>
+          <p:cNvSpPr>
+            <a:spLocks noGrp="1"/>
+          </p:cNvSpPr>
+          <p:nvPr>
+            <p:ph type="dt" idx="1"/>
+          </p:nvPr>
+        </p:nvSpPr>
+        <p:spPr>
+          <a:xfrm>
+            <a:off x="3884613" y="0"/>
+            <a:ext cx="2971800" cy="458788"/>
+          </a:xfrm>
+          <a:prstGeom prst="rect">
+            <a:avLst/>
+          </a:prstGeom>
+        </p:spPr>
+        <p:txBody>
+          <a:bodyPr vert="horz" lIns="91440" tIns="45720" rIns="91440" bIns="45720" rtlCol="0"/>
+          <a:lstStyle>
+            <a:lvl1pPr algn="r">
+              <a:defRPr sz="1200"/>
+            </a:lvl1pPr>
+          </a:lstStyle>
+          <a:p>
+            <a:fld id="{0F9C1CCF-B725-44A7-AA57-5E433BD85C9F}" type="datetimeFigureOut">
+              <a:rPr lang="en-US" smtClean="0"/>
+              <a:t>10/16/2018</a:t>
+            </a:fld>
+            <a:endParaRPr lang="en-US"/>
+          </a:p>
+        </p:txBody>
+      </p:sp>
+      <p:sp>
+        <p:nvSpPr>
+          <p:cNvPr id="4" name="Slide Image Placeholder 3"/>
+          <p:cNvSpPr>
+            <a:spLocks noGrp="1" noRot="1" noChangeAspect="1"/>
+          </p:cNvSpPr>
+          <p:nvPr>
+            <p:ph type="sldImg" idx="2"/>
+          </p:nvPr>
+        </p:nvSpPr>
+        <p:spPr>
+          <a:xfrm>
+            <a:off x="685800" y="1143000"/>
+            <a:ext cx="5486400" cy="3086100"/>
+          </a:xfrm>
+          <a:prstGeom prst="rect">
+            <a:avLst/>
+          </a:prstGeom>
+          <a:noFill/>
+          <a:ln w="12700">
+            <a:solidFill>
+              <a:prstClr val="black"/>
+            </a:solidFill>
+          </a:ln>
+        </p:spPr>
+        <p:txBody>
+          <a:bodyPr vert="horz" lIns="91440" tIns="45720" rIns="91440" bIns="45720" rtlCol="0" anchor="ctr"/>
+          <a:lstStyle/>
+          <a:p>
+            <a:endParaRPr lang="en-US"/>
+          </a:p>
+        </p:txBody>
+      </p:sp>
+      <p:sp>
+        <p:nvSpPr>
+          <p:cNvPr id="5" name="Notes Placeholder 4"/>
+          <p:cNvSpPr>
+            <a:spLocks noGrp="1"/>
+          </p:cNvSpPr>
+          <p:nvPr>
+            <p:ph type="body" sz="quarter" idx="3"/>
+          </p:nvPr>
+        </p:nvSpPr>
+        <p:spPr>
+          <a:xfrm>
+            <a:off x="685800" y="4400550"/>
+            <a:ext cx="5486400" cy="3600450"/>
+          </a:xfrm>
+          <a:prstGeom prst="rect">
+            <a:avLst/>
+          </a:prstGeom>
+        </p:spPr>
+        <p:txBody>
+          <a:bodyPr vert="horz" lIns="91440" tIns="45720" rIns="91440" bIns="45720" rtlCol="0"/>
+          <a:lstStyle/>
+          <a:p>
+            <a:pPr lvl="0"/>
+            <a:r>
+              <a:rPr lang="en-US"/>
+              <a:t>Click to edit Master text styles</a:t>
+            </a:r>
+          </a:p>
+          <a:p>
+            <a:pPr lvl="1"/>
+            <a:r>
+              <a:rPr lang="en-US"/>
+              <a:t>Second level</a:t>
+            </a:r>
+          </a:p>
+          <a:p>
+            <a:pPr lvl="2"/>
+            <a:r>
+              <a:rPr lang="en-US"/>
+              <a:t>Third level</a:t>
+            </a:r>
+          </a:p>
+          <a:p>
+            <a:pPr lvl="3"/>
+            <a:r>
+              <a:rPr lang="en-US"/>
+              <a:t>Fourth level</a:t>
+            </a:r>
+          </a:p>
+          <a:p>
+            <a:pPr lvl="4"/>
+            <a:r>
+              <a:rPr lang="en-US"/>
+              <a:t>Fifth level</a:t>
+            </a:r>
+          </a:p>
+        </p:txBody>
+      </p:sp>
+      <p:sp>
+        <p:nvSpPr>
+          <p:cNvPr id="6" name="Footer Placeholder 5"/>
+          <p:cNvSpPr>
+            <a:spLocks noGrp="1"/>
+          </p:cNvSpPr>
+          <p:nvPr>
+            <p:ph type="ftr" sz="quarter" idx="4"/>
+          </p:nvPr>
+        </p:nvSpPr>
+        <p:spPr>
+          <a:xfrm>
+            <a:off x="0" y="8685213"/>
+            <a:ext cx="2971800" cy="458787"/>
+          </a:xfrm>
+          <a:prstGeom prst="rect">
+            <a:avLst/>
+          </a:prstGeom>
+        </p:spPr>
+        <p:txBody>
+          <a:bodyPr vert="horz" lIns="91440" tIns="45720" rIns="91440" bIns="45720" rtlCol="0" anchor="b"/>
+          <a:lstStyle>
+            <a:lvl1pPr algn="l">
+              <a:defRPr sz="1200"/>
+            </a:lvl1pPr>
+          </a:lstStyle>
+          <a:p>
+            <a:endParaRPr lang="en-US"/>
+          </a:p>
+        </p:txBody>
+      </p:sp>
+      <p:sp>
+        <p:nvSpPr>
+          <p:cNvPr id="7" name="Slide Number Placeholder 6"/>
+          <p:cNvSpPr>
+            <a:spLocks noGrp="1"/>
+          </p:cNvSpPr>
+          <p:nvPr>
+            <p:ph type="sldNum" sz="quarter" idx="5"/>
+          </p:nvPr>
+        </p:nvSpPr>
+        <p:spPr>
+          <a:xfrm>
+            <a:off x="3884613" y="8685213"/>
+            <a:ext cx="2971800" cy="458787"/>
+          </a:xfrm>
+          <a:prstGeom prst="rect">
+            <a:avLst/>
+          </a:prstGeom>
+        </p:spPr>
+        <p:txBody>
+          <a:bodyPr vert="horz" lIns="91440" tIns="45720" rIns="91440" bIns="45720" rtlCol="0" anchor="b"/>
+          <a:lstStyle>
+            <a:lvl1pPr algn="r">
+              <a:defRPr sz="1200"/>
+            </a:lvl1pPr>
+          </a:lstStyle>
+          <a:p>
+            <a:fld id="{18BDFEC3-8487-43E8-A154-7C12CBC1FFF2}" type="slidenum">
+              <a:rPr lang="en-US" smtClean="0"/>
+              <a:t>‹#›</a:t>
+            </a:fld>
+            <a:endParaRPr lang="en-US"/>
+          </a:p>
+        </p:txBody>
+      </p:sp>
+    </p:spTree>
+    <p:extLst>
+      <p:ext uri="{BB962C8B-B14F-4D97-AF65-F5344CB8AC3E}">
+        <p14:creationId xmlns:p14="http://schemas.microsoft.com/office/powerpoint/2010/main" val="3782709779"/>
+      </p:ext>
+    </p:extLst>
+  </p:cSld>
+  <p:clrMap bg1="lt1" tx1="dk1" bg2="lt2" tx2="dk2" accent1="accent1" accent2="accent2" accent3="accent3" accent4="accent4" accent5="accent5" accent6="accent6" hlink="hlink" folHlink="folHlink"/>
+  <p:notesStyle>
+    <a:lvl1pPr marL="0" algn="l" defTabSz="914400" rtl="0" eaLnBrk="1" latinLnBrk="0" hangingPunct="1">
+      <a:defRPr sz="1200" kern="1200">
+        <a:solidFill>
+          <a:schemeClr val="tx1"/>
+        </a:solidFill>
+        <a:latin typeface="+mn-lt"/>
+        <a:ea typeface="+mn-ea"/>
+        <a:cs typeface="+mn-cs"/>
+      </a:defRPr>
+    </a:lvl1pPr>
+    <a:lvl2pPr marL="457200" algn="l" defTabSz="914400" rtl="0" eaLnBrk="1" latinLnBrk="0" hangingPunct="1">
+      <a:defRPr sz="1200" kern="1200">
+        <a:solidFill>
+          <a:schemeClr val="tx1"/>
+        </a:solidFill>
+        <a:latin typeface="+mn-lt"/>
+        <a:ea typeface="+mn-ea"/>
+        <a:cs typeface="+mn-cs"/>
+      </a:defRPr>
+    </a:lvl2pPr>
+    <a:lvl3pPr marL="914400" algn="l" defTabSz="914400" rtl="0" eaLnBrk="1" latinLnBrk="0" hangingPunct="1">
+      <a:defRPr sz="1200" kern="1200">
+        <a:solidFill>
+          <a:schemeClr val="tx1"/>
+        </a:solidFill>
+        <a:latin typeface="+mn-lt"/>
+        <a:ea typeface="+mn-ea"/>
+        <a:cs typeface="+mn-cs"/>
+      </a:defRPr>
+    </a:lvl3pPr>
+    <a:lvl4pPr marL="1371600" algn="l" defTabSz="914400" rtl="0" eaLnBrk="1" latinLnBrk="0" hangingPunct="1">
+      <a:defRPr sz="1200" kern="1200">
+        <a:solidFill>
+          <a:schemeClr val="tx1"/>
+        </a:solidFill>
+        <a:latin typeface="+mn-lt"/>
+        <a:ea typeface="+mn-ea"/>
+        <a:cs typeface="+mn-cs"/>
+      </a:defRPr>
+    </a:lvl4pPr>
+    <a:lvl5pPr marL="1828800" algn="l" defTabSz="914400" rtl="0" eaLnBrk="1" latinLnBrk="0" hangingPunct="1">
+      <a:defRPr sz="1200" kern="1200">
+        <a:solidFill>
+          <a:schemeClr val="tx1"/>
+        </a:solidFill>
+        <a:latin typeface="+mn-lt"/>
+        <a:ea typeface="+mn-ea"/>
+        <a:cs typeface="+mn-cs"/>
+      </a:defRPr>
+    </a:lvl5pPr>
+    <a:lvl6pPr marL="2286000" algn="l" defTabSz="914400" rtl="0" eaLnBrk="1" latinLnBrk="0" hangingPunct="1">
+      <a:defRPr sz="1200" kern="1200">
+        <a:solidFill>
+          <a:schemeClr val="tx1"/>
+        </a:solidFill>
+        <a:latin typeface="+mn-lt"/>
+        <a:ea typeface="+mn-ea"/>
+        <a:cs typeface="+mn-cs"/>
+      </a:defRPr>
+    </a:lvl6pPr>
+    <a:lvl7pPr marL="2743200" algn="l" defTabSz="914400" rtl="0" eaLnBrk="1" latinLnBrk="0" hangingPunct="1">
+      <a:defRPr sz="1200" kern="1200">
+        <a:solidFill>
+          <a:schemeClr val="tx1"/>
+        </a:solidFill>
+        <a:latin typeface="+mn-lt"/>
+        <a:ea typeface="+mn-ea"/>
+        <a:cs typeface="+mn-cs"/>
+      </a:defRPr>
+    </a:lvl7pPr>
+    <a:lvl8pPr marL="3200400" algn="l" defTabSz="914400" rtl="0" eaLnBrk="1" latinLnBrk="0" hangingPunct="1">
+      <a:defRPr sz="1200" kern="1200">
+        <a:solidFill>
+          <a:schemeClr val="tx1"/>
+        </a:solidFill>
+        <a:latin typeface="+mn-lt"/>
+        <a:ea typeface="+mn-ea"/>
+        <a:cs typeface="+mn-cs"/>
+      </a:defRPr>
+    </a:lvl8pPr>
+    <a:lvl9pPr marL="3657600" algn="l" defTabSz="914400" rtl="0" eaLnBrk="1" latinLnBrk="0" hangingPunct="1">
+      <a:defRPr sz="1200" kern="1200">
+        <a:solidFill>
+          <a:schemeClr val="tx1"/>
+        </a:solidFill>
+        <a:latin typeface="+mn-lt"/>
+        <a:ea typeface="+mn-ea"/>
+        <a:cs typeface="+mn-cs"/>
+      </a:defRPr>
+    </a:lvl9pPr>
+  </p:notesStyle>
+</p:notesMaster>
+</file>
+
+<file path=ppt/notesSlides/notesSlide1.xml><?xml version="1.0" encoding="utf-8"?>
+<p:notes xmlns:a="http://schemas.openxmlformats.org/drawingml/2006/main" xmlns:r="http://schemas.openxmlformats.org/officeDocument/2006/relationships" xmlns:p="http://schemas.openxmlformats.org/presentationml/2006/main">
+  <p:cSld>
+    <p:spTree>
+      <p:nvGrpSpPr>
+        <p:cNvPr id="1" name=""/>
+        <p:cNvGrpSpPr/>
+        <p:nvPr/>
+      </p:nvGrpSpPr>
+      <p:grpSpPr>
+        <a:xfrm>
+          <a:off x="0" y="0"/>
+          <a:ext cx="0" cy="0"/>
+          <a:chOff x="0" y="0"/>
+          <a:chExt cx="0" cy="0"/>
+        </a:xfrm>
+      </p:grpSpPr>
+      <p:sp>
+        <p:nvSpPr>
+          <p:cNvPr id="2" name="Slide Image Placeholder 1"/>
+          <p:cNvSpPr>
+            <a:spLocks noGrp="1" noRot="1" noChangeAspect="1"/>
+          </p:cNvSpPr>
+          <p:nvPr>
+            <p:ph type="sldImg"/>
+          </p:nvPr>
+        </p:nvSpPr>
+        <p:spPr>
+          <a:xfrm>
+            <a:off x="685800" y="1143000"/>
+            <a:ext cx="5486400" cy="3086100"/>
+          </a:xfrm>
+        </p:spPr>
+      </p:sp>
+      <p:sp>
+        <p:nvSpPr>
+          <p:cNvPr id="3" name="Notes Placeholder 2"/>
+          <p:cNvSpPr>
+            <a:spLocks noGrp="1"/>
+          </p:cNvSpPr>
+          <p:nvPr>
+            <p:ph type="body" idx="1"/>
+          </p:nvPr>
+        </p:nvSpPr>
+        <p:spPr/>
+        <p:txBody>
+          <a:bodyPr/>
+          <a:lstStyle/>
+          <a:p>
+            <a:pPr marL="0" lvl="0" indent="0">
+              <a:buNone/>
+            </a:pPr>
+            <a:r>
+              <a:t>A note</a:t>
+            </a:r>
+          </a:p>
+        </p:txBody>
+      </p:sp>
+      <p:sp>
+        <p:nvSpPr>
+          <p:cNvPr id="4" name="Slide Number Placeholder 3"/>
+          <p:cNvSpPr>
+            <a:spLocks noGrp="1"/>
+          </p:cNvSpPr>
+          <p:nvPr>
+            <p:ph type="sldNum" sz="quarter" idx="10"/>
+          </p:nvPr>
+        </p:nvSpPr>
+        <p:spPr/>
+        <p:txBody>
+          <a:bodyPr/>
+          <a:lstStyle/>
+          <a:p>
+            <a:fld id="{18BDFEC3-8487-43E8-A154-7C12CBC1FFF2}" type="slidenum">
+              <a:rPr lang="en-US"/>
+              <a:t>7</a:t>
+            </a:fld>
+            <a:endParaRPr lang="en-US"/>
+          </a:p>
+        </p:txBody>
+      </p:sp>
+    </p:spTree>
+  </p:cSld>
+  <p:clrMapOvr>
+    <a:masterClrMapping/>
+  </p:clrMapOvr>
+</p:notes>
+</file>
+
 <file path=ppt/slideLayouts/slideLayout1.xml><?xml version="1.0" encoding="utf-8"?>
-<p:sldLayout xmlns:a="http://schemas.openxmlformats.org/drawingml/2006/main" xmlns:r="http://schemas.openxmlformats.org/officeDocument/2006/relationships" xmlns:p="http://schemas.openxmlformats.org/presentationml/2006/main" type="title" preserve="1">
+<p:sldLayout xmlns:a="http://schemas.openxmlformats.org/drawingml/2006/main" xmlns:r="http://schemas.openxmlformats.org/officeDocument/2006/relationships" xmlns:p="http://schemas.openxmlformats.org/presentationml/2006/main" showMasterSp="0" type="title" preserve="1">
   <p:cSld name="Title Slide">
     <p:spTree>
       <p:nvGrpSpPr>
@@ -147,28 +596,73 @@
       </p:grpSpPr>
       <p:sp>
         <p:nvSpPr>
-          <p:cNvPr id="2" name="Title 1"/>
-          <p:cNvSpPr>
-            <a:spLocks noGrp="1"/>
-          </p:cNvSpPr>
-          <p:nvPr>
-            <p:ph type="ctrTitle"/>
-          </p:nvPr>
+          <p:cNvPr id="7" name="Rectangle 6"/>
+          <p:cNvSpPr/>
+          <p:nvPr/>
         </p:nvSpPr>
         <p:spPr>
           <a:xfrm>
-            <a:off x="685800" y="2130425"/>
-            <a:ext cx="7772400" cy="1470025"/>
+            <a:off x="0" y="-1"/>
+            <a:ext cx="12192000" cy="4572001"/>
+          </a:xfrm>
+          <a:prstGeom prst="rect">
+            <a:avLst/>
+          </a:prstGeom>
+          <a:solidFill>
+            <a:schemeClr val="accent2"/>
+          </a:solidFill>
+          <a:ln>
+            <a:noFill/>
+          </a:ln>
+        </p:spPr>
+        <p:style>
+          <a:lnRef idx="2">
+            <a:schemeClr val="accent1">
+              <a:shade val="50000"/>
+            </a:schemeClr>
+          </a:lnRef>
+          <a:fillRef idx="1">
+            <a:schemeClr val="accent1"/>
+          </a:fillRef>
+          <a:effectRef idx="0">
+            <a:schemeClr val="accent1"/>
+          </a:effectRef>
+          <a:fontRef idx="minor">
+            <a:schemeClr val="lt1"/>
+          </a:fontRef>
+        </p:style>
+      </p:sp>
+      <p:sp>
+        <p:nvSpPr>
+          <p:cNvPr id="2" name="Title 1"/>
+          <p:cNvSpPr>
+            <a:spLocks noGrp="1"/>
+          </p:cNvSpPr>
+          <p:nvPr>
+            <p:ph type="ctrTitle"/>
+          </p:nvPr>
+        </p:nvSpPr>
+        <p:spPr>
+          <a:xfrm>
+            <a:off x="457200" y="4960137"/>
+            <a:ext cx="7772400" cy="1463040"/>
           </a:xfrm>
         </p:spPr>
         <p:txBody>
-          <a:bodyPr/>
-          <a:lstStyle/>
+          <a:bodyPr anchor="ctr">
+            <a:normAutofit/>
+          </a:bodyPr>
+          <a:lstStyle>
+            <a:lvl1pPr algn="r">
+              <a:defRPr sz="5000" spc="200" baseline="0"/>
+            </a:lvl1pPr>
+          </a:lstStyle>
           <a:p>
             <a:r>
               <a:rPr lang="en-US"/>
               <a:t>Click to edit Master title style</a:t>
             </a:r>
+            <a:endParaRPr lang="en-US" dirty="0"/>
           </a:p>
         </p:txBody>
       </p:sp>
@@ -184,102 +678,63 @@
         </p:nvSpPr>
         <p:spPr>
           <a:xfrm>
-            <a:off x="1371600" y="3886200"/>
-            <a:ext cx="6400800" cy="1752600"/>
+            <a:off x="8610600" y="4960137"/>
+            <a:ext cx="3200400" cy="1463040"/>
           </a:xfrm>
         </p:spPr>
         <p:txBody>
-          <a:bodyPr/>
+          <a:bodyPr lIns="91440" rIns="91440" anchor="ctr">
+            <a:normAutofit/>
+          </a:bodyPr>
           <a:lstStyle>
-            <a:lvl1pPr marL="0" indent="0" algn="ctr">
-              <a:buNone/>
-              <a:defRPr>
+            <a:lvl1pPr marL="0" indent="0" algn="l">
+              <a:lnSpc>
+                <a:spcPct val="100000"/>
+              </a:lnSpc>
+              <a:spcBef>
+                <a:spcPts val="0"/>
+              </a:spcBef>
+              <a:buNone/>
+              <a:defRPr sz="1800">
                 <a:solidFill>
                   <a:schemeClr val="tx1">
-                    <a:tint val="75000"/>
+                    <a:lumMod val="90000"/>
+                    <a:lumOff val="10000"/>
                   </a:schemeClr>
                 </a:solidFill>
               </a:defRPr>
             </a:lvl1pPr>
             <a:lvl2pPr marL="457200" indent="0" algn="ctr">
               <a:buNone/>
-              <a:defRPr>
-                <a:solidFill>
-                  <a:schemeClr val="tx1">
-                    <a:tint val="75000"/>
-                  </a:schemeClr>
-                </a:solidFill>
-              </a:defRPr>
+              <a:defRPr sz="1800"/>
             </a:lvl2pPr>
             <a:lvl3pPr marL="914400" indent="0" algn="ctr">
               <a:buNone/>
-              <a:defRPr>
-                <a:solidFill>
-                  <a:schemeClr val="tx1">
-                    <a:tint val="75000"/>
-                  </a:schemeClr>
-                </a:solidFill>
-              </a:defRPr>
+              <a:defRPr sz="1800"/>
             </a:lvl3pPr>
             <a:lvl4pPr marL="1371600" indent="0" algn="ctr">
               <a:buNone/>
-              <a:defRPr>
-                <a:solidFill>
-                  <a:schemeClr val="tx1">
-                    <a:tint val="75000"/>
-                  </a:schemeClr>
-                </a:solidFill>
-              </a:defRPr>
+              <a:defRPr sz="1800"/>
             </a:lvl4pPr>
             <a:lvl5pPr marL="1828800" indent="0" algn="ctr">
               <a:buNone/>
-              <a:defRPr>
-                <a:solidFill>
-                  <a:schemeClr val="tx1">
-                    <a:tint val="75000"/>
-                  </a:schemeClr>
-                </a:solidFill>
-              </a:defRPr>
+              <a:defRPr sz="1800"/>
             </a:lvl5pPr>
             <a:lvl6pPr marL="2286000" indent="0" algn="ctr">
               <a:buNone/>
-              <a:defRPr>
-                <a:solidFill>
-                  <a:schemeClr val="tx1">
-                    <a:tint val="75000"/>
-                  </a:schemeClr>
-                </a:solidFill>
-              </a:defRPr>
+              <a:defRPr sz="1800"/>
             </a:lvl6pPr>
             <a:lvl7pPr marL="2743200" indent="0" algn="ctr">
               <a:buNone/>
-              <a:defRPr>
-                <a:solidFill>
-                  <a:schemeClr val="tx1">
-                    <a:tint val="75000"/>
-                  </a:schemeClr>
-                </a:solidFill>
-              </a:defRPr>
+              <a:defRPr sz="1800"/>
             </a:lvl7pPr>
             <a:lvl8pPr marL="3200400" indent="0" algn="ctr">
               <a:buNone/>
-              <a:defRPr>
-                <a:solidFill>
-                  <a:schemeClr val="tx1">
-                    <a:tint val="75000"/>
-                  </a:schemeClr>
-                </a:solidFill>
-              </a:defRPr>
+              <a:defRPr sz="1800"/>
             </a:lvl8pPr>
             <a:lvl9pPr marL="3657600" indent="0" algn="ctr">
               <a:buNone/>
-              <a:defRPr>
-                <a:solidFill>
-                  <a:schemeClr val="tx1">
-                    <a:tint val="75000"/>
-                  </a:schemeClr>
-                </a:solidFill>
-              </a:defRPr>
+              <a:defRPr sz="1800"/>
             </a:lvl9pPr>
           </a:lstStyle>
           <a:p>
@@ -287,6 +742,7 @@
               <a:rPr lang="en-US"/>
               <a:t>Click to edit Master subtitle style</a:t>
             </a:r>
+            <a:endParaRPr lang="en-US" dirty="0"/>
           </a:p>
         </p:txBody>
       </p:sp>
@@ -303,13 +759,16 @@
         <p:spPr/>
         <p:txBody>
           <a:bodyPr/>
-          <a:lstStyle/>
-          <a:p>
-            <a:fld id="{241EB5C9-1307-BA42-ABA2-0BC069CD8E7F}" type="datetimeFigureOut">
-              <a:rPr lang="en-US" smtClean="0"/>
-              <a:t>10/10/2018</a:t>
-            </a:fld>
-            <a:endParaRPr lang="en-US"/>
+          <a:lstStyle>
+            <a:lvl1pPr algn="l">
+              <a:defRPr/>
+            </a:lvl1pPr>
+          </a:lstStyle>
+          <a:p>
+            <a:r>
+              <a:rPr lang="en-US"/>
+              <a:t>10/20/2018</a:t>
+            </a:r>
           </a:p>
         </p:txBody>
       </p:sp>
@@ -328,7 +787,10 @@
           <a:bodyPr/>
           <a:lstStyle/>
           <a:p>
-            <a:endParaRPr lang="en-US"/>
+            <a:r>
+              <a:rPr lang="en-US"/>
+              <a:t>Randy Green | Daniel Hadidon | Geoffrey Reed</a:t>
+            </a:r>
           </a:p>
         </p:txBody>
       </p:sp>
@@ -355,16 +817,56 @@
           </a:p>
         </p:txBody>
       </p:sp>
+      <p:cxnSp>
+        <p:nvCxnSpPr>
+          <p:cNvPr id="8" name="Straight Connector 7"/>
+          <p:cNvCxnSpPr/>
+          <p:nvPr/>
+        </p:nvCxnSpPr>
+        <p:spPr>
+          <a:xfrm flipV="1">
+            <a:off x="8386842" y="5264106"/>
+            <a:ext cx="0" cy="914400"/>
+          </a:xfrm>
+          <a:prstGeom prst="line">
+            <a:avLst/>
+          </a:prstGeom>
+          <a:ln w="19050">
+            <a:solidFill>
+              <a:schemeClr val="accent2"/>
+            </a:solidFill>
+          </a:ln>
+        </p:spPr>
+        <p:style>
+          <a:lnRef idx="1">
+            <a:schemeClr val="accent1"/>
+          </a:lnRef>
+          <a:fillRef idx="0">
+            <a:schemeClr val="accent1"/>
+          </a:fillRef>
+          <a:effectRef idx="0">
+            <a:schemeClr val="accent1"/>
+          </a:effectRef>
+          <a:fontRef idx="minor">
+            <a:schemeClr val="tx1"/>
+          </a:fontRef>
+        </p:style>
+      </p:cxnSp>
     </p:spTree>
     <p:extLst>
       <p:ext uri="{BB962C8B-B14F-4D97-AF65-F5344CB8AC3E}">
-        <p14:creationId xmlns:p14="http://schemas.microsoft.com/office/powerpoint/2010/main" val="1444357513"/>
+        <p14:creationId xmlns:p14="http://schemas.microsoft.com/office/powerpoint/2010/main" val="3648229995"/>
       </p:ext>
     </p:extLst>
   </p:cSld>
   <p:clrMapOvr>
     <a:masterClrMapping/>
   </p:clrMapOvr>
+  <p:extLst>
+    <p:ext uri="{DCECCB84-F9BA-43D5-87BE-67443E8EF086}">
+      <p15:sldGuideLst xmlns:p15="http://schemas.microsoft.com/office/powerpoint/2012/main"/>
+    </p:ext>
+  </p:extLst>
 </p:sldLayout>
 </file>
 
@@ -404,6 +906,7 @@
               <a:rPr lang="en-US"/>
               <a:t>Click to edit Master title style</a:t>
             </a:r>
+            <a:endParaRPr lang="en-US" dirty="0"/>
           </a:p>
         </p:txBody>
       </p:sp>
@@ -425,7 +928,7 @@
             <a:pPr lvl="0"/>
             <a:r>
               <a:rPr lang="en-US"/>
-              <a:t>Click to edit Master text styles</a:t>
+              <a:t>Edit Master text styles</a:t>
             </a:r>
           </a:p>
           <a:p>
@@ -455,6 +958,7 @@
               <a:rPr lang="en-US"/>
               <a:t>Fifth level</a:t>
             </a:r>
+            <a:endParaRPr lang="en-US" dirty="0"/>
           </a:p>
         </p:txBody>
       </p:sp>
@@ -473,11 +977,10 @@
           <a:bodyPr/>
           <a:lstStyle/>
           <a:p>
-            <a:fld id="{241EB5C9-1307-BA42-ABA2-0BC069CD8E7F}" type="datetimeFigureOut">
-              <a:rPr lang="en-US" smtClean="0"/>
-              <a:t>10/10/2018</a:t>
-            </a:fld>
-            <a:endParaRPr lang="en-US"/>
+            <a:r>
+              <a:rPr lang="en-US"/>
+              <a:t>10/20/2018</a:t>
+            </a:r>
           </a:p>
         </p:txBody>
       </p:sp>
@@ -496,7 +999,10 @@
           <a:bodyPr/>
           <a:lstStyle/>
           <a:p>
-            <a:endParaRPr lang="en-US"/>
+            <a:r>
+              <a:rPr lang="en-US"/>
+              <a:t>Randy Green | Daniel Hadidon | Geoffrey Reed</a:t>
+            </a:r>
           </a:p>
         </p:txBody>
       </p:sp>
@@ -526,7 +1032,7 @@
     </p:spTree>
     <p:extLst>
       <p:ext uri="{BB962C8B-B14F-4D97-AF65-F5344CB8AC3E}">
-        <p14:creationId xmlns:p14="http://schemas.microsoft.com/office/powerpoint/2010/main" val="313914798"/>
+        <p14:creationId xmlns:p14="http://schemas.microsoft.com/office/powerpoint/2010/main" val="3578743371"/>
       </p:ext>
     </p:extLst>
   </p:cSld>
@@ -537,7 +1043,7 @@
 </file>
 
 <file path=ppt/slideLayouts/slideLayout11.xml><?xml version="1.0" encoding="utf-8"?>
-<p:sldLayout xmlns:a="http://schemas.openxmlformats.org/drawingml/2006/main" xmlns:r="http://schemas.openxmlformats.org/officeDocument/2006/relationships" xmlns:p="http://schemas.openxmlformats.org/presentationml/2006/main" type="vertTitleAndTx" preserve="1">
+<p:sldLayout xmlns:a="http://schemas.openxmlformats.org/drawingml/2006/main" xmlns:r="http://schemas.openxmlformats.org/officeDocument/2006/relationships" xmlns:p="http://schemas.openxmlformats.org/presentationml/2006/main" showMasterSp="0" type="vertTitleAndTx" preserve="1">
   <p:cSld name="Vertical Title and Text">
     <p:spTree>
       <p:nvGrpSpPr>
@@ -565,18 +1071,19 @@
         </p:nvSpPr>
         <p:spPr>
           <a:xfrm>
-            <a:off x="6629400" y="274638"/>
-            <a:ext cx="2057400" cy="5851525"/>
+            <a:off x="8724900" y="762000"/>
+            <a:ext cx="2628900" cy="5410200"/>
           </a:xfrm>
         </p:spPr>
         <p:txBody>
-          <a:bodyPr vert="eaVert"/>
+          <a:bodyPr vert="eaVert" lIns="45720" tIns="91440" rIns="45720" bIns="91440"/>
           <a:lstStyle/>
           <a:p>
             <a:r>
               <a:rPr lang="en-US"/>
               <a:t>Click to edit Master title style</a:t>
             </a:r>
+            <a:endParaRPr lang="en-US" dirty="0"/>
           </a:p>
         </p:txBody>
       </p:sp>
@@ -592,8 +1099,8 @@
         </p:nvSpPr>
         <p:spPr>
           <a:xfrm>
-            <a:off x="457200" y="274638"/>
-            <a:ext cx="6019800" cy="5851525"/>
+            <a:off x="990600" y="762000"/>
+            <a:ext cx="7581900" cy="5410200"/>
           </a:xfrm>
         </p:spPr>
         <p:txBody>
@@ -603,7 +1110,7 @@
             <a:pPr lvl="0"/>
             <a:r>
               <a:rPr lang="en-US"/>
-              <a:t>Click to edit Master text styles</a:t>
+              <a:t>Edit Master text styles</a:t>
             </a:r>
           </a:p>
           <a:p>
@@ -633,6 +1140,7 @@
               <a:rPr lang="en-US"/>
               <a:t>Fifth level</a:t>
             </a:r>
+            <a:endParaRPr lang="en-US" dirty="0"/>
           </a:p>
         </p:txBody>
       </p:sp>
@@ -651,11 +1159,10 @@
           <a:bodyPr/>
           <a:lstStyle/>
           <a:p>
-            <a:fld id="{241EB5C9-1307-BA42-ABA2-0BC069CD8E7F}" type="datetimeFigureOut">
-              <a:rPr lang="en-US" smtClean="0"/>
-              <a:t>10/10/2018</a:t>
-            </a:fld>
-            <a:endParaRPr lang="en-US"/>
+            <a:r>
+              <a:rPr lang="en-US"/>
+              <a:t>10/20/2018</a:t>
+            </a:r>
           </a:p>
         </p:txBody>
       </p:sp>
@@ -674,7 +1181,10 @@
           <a:bodyPr/>
           <a:lstStyle/>
           <a:p>
-            <a:endParaRPr lang="en-US"/>
+            <a:r>
+              <a:rPr lang="en-US"/>
+              <a:t>Randy Green | Daniel Hadidon | Geoffrey Reed</a:t>
+            </a:r>
           </a:p>
         </p:txBody>
       </p:sp>
@@ -701,16 +1211,56 @@
           </a:p>
         </p:txBody>
       </p:sp>
+      <p:cxnSp>
+        <p:nvCxnSpPr>
+          <p:cNvPr id="7" name="Straight Connector 6"/>
+          <p:cNvCxnSpPr/>
+          <p:nvPr/>
+        </p:nvCxnSpPr>
+        <p:spPr>
+          <a:xfrm rot="5400000" flipV="1">
+            <a:off x="10058400" y="59263"/>
+            <a:ext cx="0" cy="914400"/>
+          </a:xfrm>
+          <a:prstGeom prst="line">
+            <a:avLst/>
+          </a:prstGeom>
+          <a:ln w="19050">
+            <a:solidFill>
+              <a:schemeClr val="accent2"/>
+            </a:solidFill>
+          </a:ln>
+        </p:spPr>
+        <p:style>
+          <a:lnRef idx="1">
+            <a:schemeClr val="accent1"/>
+          </a:lnRef>
+          <a:fillRef idx="0">
+            <a:schemeClr val="accent1"/>
+          </a:fillRef>
+          <a:effectRef idx="0">
+            <a:schemeClr val="accent1"/>
+          </a:effectRef>
+          <a:fontRef idx="minor">
+            <a:schemeClr val="tx1"/>
+          </a:fontRef>
+        </p:style>
+      </p:cxnSp>
     </p:spTree>
     <p:extLst>
       <p:ext uri="{BB962C8B-B14F-4D97-AF65-F5344CB8AC3E}">
-        <p14:creationId xmlns:p14="http://schemas.microsoft.com/office/powerpoint/2010/main" val="2581529045"/>
+        <p14:creationId xmlns:p14="http://schemas.microsoft.com/office/powerpoint/2010/main" val="1173537619"/>
       </p:ext>
     </p:extLst>
   </p:cSld>
   <p:clrMapOvr>
     <a:masterClrMapping/>
   </p:clrMapOvr>
+  <p:extLst>
+    <p:ext uri="{DCECCB84-F9BA-43D5-87BE-67443E8EF086}">
+      <p15:sldGuideLst xmlns:p15="http://schemas.microsoft.com/office/powerpoint/2012/main"/>
+    </p:ext>
+  </p:extLst>
 </p:sldLayout>
 </file>
 
@@ -750,6 +1300,7 @@
               <a:rPr lang="en-US"/>
               <a:t>Click to edit Master title style</a:t>
             </a:r>
+            <a:endParaRPr lang="en-US" dirty="0"/>
           </a:p>
         </p:txBody>
       </p:sp>
@@ -771,7 +1322,7 @@
             <a:pPr lvl="0"/>
             <a:r>
               <a:rPr lang="en-US"/>
-              <a:t>Click to edit Master text styles</a:t>
+              <a:t>Edit Master text styles</a:t>
             </a:r>
           </a:p>
           <a:p>
@@ -801,6 +1352,7 @@
               <a:rPr lang="en-US"/>
               <a:t>Fifth level</a:t>
             </a:r>
+            <a:endParaRPr lang="en-US" dirty="0"/>
           </a:p>
         </p:txBody>
       </p:sp>
@@ -819,11 +1371,10 @@
           <a:bodyPr/>
           <a:lstStyle/>
           <a:p>
-            <a:fld id="{241EB5C9-1307-BA42-ABA2-0BC069CD8E7F}" type="datetimeFigureOut">
-              <a:rPr lang="en-US" smtClean="0"/>
-              <a:t>10/10/2018</a:t>
-            </a:fld>
-            <a:endParaRPr lang="en-US"/>
+            <a:r>
+              <a:rPr lang="en-US"/>
+              <a:t>10/20/2018</a:t>
+            </a:r>
           </a:p>
         </p:txBody>
       </p:sp>
@@ -842,7 +1393,10 @@
           <a:bodyPr/>
           <a:lstStyle/>
           <a:p>
-            <a:endParaRPr lang="en-US"/>
+            <a:r>
+              <a:rPr lang="en-US"/>
+              <a:t>Randy Green | Daniel Hadidon | Geoffrey Reed</a:t>
+            </a:r>
           </a:p>
         </p:txBody>
       </p:sp>
@@ -872,7 +1426,7 @@
     </p:spTree>
     <p:extLst>
       <p:ext uri="{BB962C8B-B14F-4D97-AF65-F5344CB8AC3E}">
-        <p14:creationId xmlns:p14="http://schemas.microsoft.com/office/powerpoint/2010/main" val="338346009"/>
+        <p14:creationId xmlns:p14="http://schemas.microsoft.com/office/powerpoint/2010/main" val="551461110"/>
       </p:ext>
     </p:extLst>
   </p:cSld>
@@ -883,7 +1437,7 @@
 </file>
 
 <file path=ppt/slideLayouts/slideLayout3.xml><?xml version="1.0" encoding="utf-8"?>
-<p:sldLayout xmlns:a="http://schemas.openxmlformats.org/drawingml/2006/main" xmlns:r="http://schemas.openxmlformats.org/officeDocument/2006/relationships" xmlns:p="http://schemas.openxmlformats.org/presentationml/2006/main" type="secHead" preserve="1">
+<p:sldLayout xmlns:a="http://schemas.openxmlformats.org/drawingml/2006/main" xmlns:r="http://schemas.openxmlformats.org/officeDocument/2006/relationships" xmlns:p="http://schemas.openxmlformats.org/presentationml/2006/main" showMasterSp="0" type="secHead" preserve="1">
   <p:cSld name="Section Header">
     <p:spTree>
       <p:nvGrpSpPr>
@@ -901,25 +1455,65 @@
       </p:grpSpPr>
       <p:sp>
         <p:nvSpPr>
-          <p:cNvPr id="2" name="Title 1"/>
-          <p:cNvSpPr>
-            <a:spLocks noGrp="1"/>
-          </p:cNvSpPr>
-          <p:nvPr>
-            <p:ph type="title"/>
-          </p:nvPr>
+          <p:cNvPr id="7" name="Rectangle 6"/>
+          <p:cNvSpPr/>
+          <p:nvPr/>
         </p:nvSpPr>
         <p:spPr>
           <a:xfrm>
-            <a:off x="722313" y="4406900"/>
-            <a:ext cx="7772400" cy="1362075"/>
+            <a:off x="0" y="-1"/>
+            <a:ext cx="12192000" cy="4572000"/>
+          </a:xfrm>
+          <a:prstGeom prst="rect">
+            <a:avLst/>
+          </a:prstGeom>
+          <a:solidFill>
+            <a:schemeClr val="accent3"/>
+          </a:solidFill>
+          <a:ln>
+            <a:noFill/>
+          </a:ln>
+        </p:spPr>
+        <p:style>
+          <a:lnRef idx="2">
+            <a:schemeClr val="accent1">
+              <a:shade val="50000"/>
+            </a:schemeClr>
+          </a:lnRef>
+          <a:fillRef idx="1">
+            <a:schemeClr val="accent1"/>
+          </a:fillRef>
+          <a:effectRef idx="0">
+            <a:schemeClr val="accent1"/>
+          </a:effectRef>
+          <a:fontRef idx="minor">
+            <a:schemeClr val="lt1"/>
+          </a:fontRef>
+        </p:style>
+      </p:sp>
+      <p:sp>
+        <p:nvSpPr>
+          <p:cNvPr id="2" name="Title 1"/>
+          <p:cNvSpPr>
+            <a:spLocks noGrp="1"/>
+          </p:cNvSpPr>
+          <p:nvPr>
+            <p:ph type="title"/>
+          </p:nvPr>
+        </p:nvSpPr>
+        <p:spPr>
+          <a:xfrm>
+            <a:off x="457200" y="4960137"/>
+            <a:ext cx="7772400" cy="1463040"/>
           </a:xfrm>
         </p:spPr>
         <p:txBody>
-          <a:bodyPr anchor="t"/>
+          <a:bodyPr anchor="ctr">
+            <a:normAutofit/>
+          </a:bodyPr>
           <a:lstStyle>
-            <a:lvl1pPr algn="l">
-              <a:defRPr sz="4000" b="1" cap="all"/>
+            <a:lvl1pPr algn="r">
+              <a:defRPr sz="5000" b="0" spc="200" baseline="0"/>
             </a:lvl1pPr>
           </a:lstStyle>
           <a:p>
@@ -927,6 +1521,7 @@
               <a:rPr lang="en-US"/>
               <a:t>Click to edit Master title style</a:t>
             </a:r>
+            <a:endParaRPr lang="en-US" dirty="0"/>
           </a:p>
         </p:txBody>
       </p:sp>
@@ -942,19 +1537,28 @@
         </p:nvSpPr>
         <p:spPr>
           <a:xfrm>
-            <a:off x="722313" y="2906713"/>
-            <a:ext cx="7772400" cy="1500187"/>
+            <a:off x="8610600" y="4960137"/>
+            <a:ext cx="3200400" cy="1463040"/>
           </a:xfrm>
         </p:spPr>
         <p:txBody>
-          <a:bodyPr anchor="b"/>
+          <a:bodyPr lIns="91440" rIns="91440" anchor="ctr">
+            <a:normAutofit/>
+          </a:bodyPr>
           <a:lstStyle>
             <a:lvl1pPr marL="0" indent="0">
-              <a:buNone/>
-              <a:defRPr sz="2000">
+              <a:lnSpc>
+                <a:spcPct val="100000"/>
+              </a:lnSpc>
+              <a:spcBef>
+                <a:spcPts val="0"/>
+              </a:spcBef>
+              <a:buNone/>
+              <a:defRPr sz="1800">
                 <a:solidFill>
                   <a:schemeClr val="tx1">
-                    <a:tint val="75000"/>
+                    <a:lumMod val="90000"/>
+                    <a:lumOff val="10000"/>
                   </a:schemeClr>
                 </a:solidFill>
               </a:defRPr>
@@ -1044,7 +1648,7 @@
             <a:pPr lvl="0"/>
             <a:r>
               <a:rPr lang="en-US"/>
-              <a:t>Click to edit Master text styles</a:t>
+              <a:t>Edit Master text styles</a:t>
             </a:r>
           </a:p>
         </p:txBody>
@@ -1064,11 +1668,10 @@
           <a:bodyPr/>
           <a:lstStyle/>
           <a:p>
-            <a:fld id="{241EB5C9-1307-BA42-ABA2-0BC069CD8E7F}" type="datetimeFigureOut">
-              <a:rPr lang="en-US" smtClean="0"/>
-              <a:t>10/10/2018</a:t>
-            </a:fld>
-            <a:endParaRPr lang="en-US"/>
+            <a:r>
+              <a:rPr lang="en-US"/>
+              <a:t>10/20/2018</a:t>
+            </a:r>
           </a:p>
         </p:txBody>
       </p:sp>
@@ -1087,7 +1690,10 @@
           <a:bodyPr/>
           <a:lstStyle/>
           <a:p>
-            <a:endParaRPr lang="en-US"/>
+            <a:r>
+              <a:rPr lang="en-US"/>
+              <a:t>Randy Green | Daniel Hadidon | Geoffrey Reed</a:t>
+            </a:r>
           </a:p>
         </p:txBody>
       </p:sp>
@@ -1114,16 +1720,56 @@
           </a:p>
         </p:txBody>
       </p:sp>
+      <p:cxnSp>
+        <p:nvCxnSpPr>
+          <p:cNvPr id="8" name="Straight Connector 7"/>
+          <p:cNvCxnSpPr/>
+          <p:nvPr/>
+        </p:nvCxnSpPr>
+        <p:spPr>
+          <a:xfrm flipV="1">
+            <a:off x="8386842" y="5264106"/>
+            <a:ext cx="0" cy="914400"/>
+          </a:xfrm>
+          <a:prstGeom prst="line">
+            <a:avLst/>
+          </a:prstGeom>
+          <a:ln w="19050">
+            <a:solidFill>
+              <a:schemeClr val="accent3"/>
+            </a:solidFill>
+          </a:ln>
+        </p:spPr>
+        <p:style>
+          <a:lnRef idx="1">
+            <a:schemeClr val="accent1"/>
+          </a:lnRef>
+          <a:fillRef idx="0">
+            <a:schemeClr val="accent1"/>
+          </a:fillRef>
+          <a:effectRef idx="0">
+            <a:schemeClr val="accent1"/>
+          </a:effectRef>
+          <a:fontRef idx="minor">
+            <a:schemeClr val="tx1"/>
+          </a:fontRef>
+        </p:style>
+      </p:cxnSp>
     </p:spTree>
     <p:extLst>
       <p:ext uri="{BB962C8B-B14F-4D97-AF65-F5344CB8AC3E}">
-        <p14:creationId xmlns:p14="http://schemas.microsoft.com/office/powerpoint/2010/main" val="1073069076"/>
+        <p14:creationId xmlns:p14="http://schemas.microsoft.com/office/powerpoint/2010/main" val="510308942"/>
       </p:ext>
     </p:extLst>
   </p:cSld>
   <p:clrMapOvr>
     <a:masterClrMapping/>
   </p:clrMapOvr>
+  <p:extLst>
+    <p:ext uri="{DCECCB84-F9BA-43D5-87BE-67443E8EF086}">
+      <p15:sldGuideLst xmlns:p15="http://schemas.microsoft.com/office/powerpoint/2012/main"/>
+    </p:ext>
+  </p:extLst>
 </p:sldLayout>
 </file>
 
@@ -1154,154 +1800,48 @@
             <p:ph type="title"/>
           </p:nvPr>
         </p:nvSpPr>
-        <p:spPr/>
-        <p:txBody>
-          <a:bodyPr/>
-          <a:lstStyle/>
-          <a:p>
-            <a:r>
-              <a:rPr lang="en-US"/>
-              <a:t>Click to edit Master title style</a:t>
-            </a:r>
-          </a:p>
-        </p:txBody>
-      </p:sp>
-      <p:sp>
-        <p:nvSpPr>
-          <p:cNvPr id="3" name="Content Placeholder 2"/>
-          <p:cNvSpPr>
-            <a:spLocks noGrp="1"/>
-          </p:cNvSpPr>
-          <p:nvPr>
-            <p:ph sz="half" idx="1"/>
-          </p:nvPr>
-        </p:nvSpPr>
         <p:spPr>
           <a:xfrm>
-            <a:off x="457200" y="1600200"/>
-            <a:ext cx="4038600" cy="4525963"/>
+            <a:off x="1024128" y="585216"/>
+            <a:ext cx="9720072" cy="1499616"/>
           </a:xfrm>
         </p:spPr>
         <p:txBody>
           <a:bodyPr/>
-          <a:lstStyle>
-            <a:lvl1pPr>
-              <a:defRPr sz="2800"/>
-            </a:lvl1pPr>
-            <a:lvl2pPr>
-              <a:defRPr sz="2400"/>
-            </a:lvl2pPr>
-            <a:lvl3pPr>
-              <a:defRPr sz="2000"/>
-            </a:lvl3pPr>
-            <a:lvl4pPr>
-              <a:defRPr sz="1800"/>
-            </a:lvl4pPr>
-            <a:lvl5pPr>
-              <a:defRPr sz="1800"/>
-            </a:lvl5pPr>
-            <a:lvl6pPr>
-              <a:defRPr sz="1800"/>
-            </a:lvl6pPr>
-            <a:lvl7pPr>
-              <a:defRPr sz="1800"/>
-            </a:lvl7pPr>
-            <a:lvl8pPr>
-              <a:defRPr sz="1800"/>
-            </a:lvl8pPr>
-            <a:lvl9pPr>
-              <a:defRPr sz="1800"/>
-            </a:lvl9pPr>
-          </a:lstStyle>
-          <a:p>
-            <a:pPr lvl="0"/>
-            <a:r>
-              <a:rPr lang="en-US"/>
-              <a:t>Click to edit Master text styles</a:t>
-            </a:r>
-          </a:p>
-          <a:p>
-            <a:pPr lvl="1"/>
-            <a:r>
-              <a:rPr lang="en-US"/>
-              <a:t>Second level</a:t>
-            </a:r>
-          </a:p>
-          <a:p>
-            <a:pPr lvl="2"/>
-            <a:r>
-              <a:rPr lang="en-US"/>
-              <a:t>Third level</a:t>
-            </a:r>
-          </a:p>
-          <a:p>
-            <a:pPr lvl="3"/>
-            <a:r>
-              <a:rPr lang="en-US"/>
-              <a:t>Fourth level</a:t>
-            </a:r>
-          </a:p>
-          <a:p>
-            <a:pPr lvl="4"/>
-            <a:r>
-              <a:rPr lang="en-US"/>
-              <a:t>Fifth level</a:t>
-            </a:r>
-          </a:p>
-        </p:txBody>
-      </p:sp>
-      <p:sp>
-        <p:nvSpPr>
-          <p:cNvPr id="4" name="Content Placeholder 3"/>
-          <p:cNvSpPr>
-            <a:spLocks noGrp="1"/>
-          </p:cNvSpPr>
-          <p:nvPr>
-            <p:ph sz="half" idx="2"/>
+          <a:lstStyle/>
+          <a:p>
+            <a:r>
+              <a:rPr lang="en-US"/>
+              <a:t>Click to edit Master title style</a:t>
+            </a:r>
+            <a:endParaRPr lang="en-US" dirty="0"/>
+          </a:p>
+        </p:txBody>
+      </p:sp>
+      <p:sp>
+        <p:nvSpPr>
+          <p:cNvPr id="3" name="Content Placeholder 2"/>
+          <p:cNvSpPr>
+            <a:spLocks noGrp="1"/>
+          </p:cNvSpPr>
+          <p:nvPr>
+            <p:ph sz="half" idx="1"/>
           </p:nvPr>
         </p:nvSpPr>
         <p:spPr>
           <a:xfrm>
-            <a:off x="4648200" y="1600200"/>
-            <a:ext cx="4038600" cy="4525963"/>
+            <a:off x="1024128" y="2286000"/>
+            <a:ext cx="4754880" cy="4023360"/>
           </a:xfrm>
         </p:spPr>
         <p:txBody>
           <a:bodyPr/>
-          <a:lstStyle>
-            <a:lvl1pPr>
-              <a:defRPr sz="2800"/>
-            </a:lvl1pPr>
-            <a:lvl2pPr>
-              <a:defRPr sz="2400"/>
-            </a:lvl2pPr>
-            <a:lvl3pPr>
-              <a:defRPr sz="2000"/>
-            </a:lvl3pPr>
-            <a:lvl4pPr>
-              <a:defRPr sz="1800"/>
-            </a:lvl4pPr>
-            <a:lvl5pPr>
-              <a:defRPr sz="1800"/>
-            </a:lvl5pPr>
-            <a:lvl6pPr>
-              <a:defRPr sz="1800"/>
-            </a:lvl6pPr>
-            <a:lvl7pPr>
-              <a:defRPr sz="1800"/>
-            </a:lvl7pPr>
-            <a:lvl8pPr>
-              <a:defRPr sz="1800"/>
-            </a:lvl8pPr>
-            <a:lvl9pPr>
-              <a:defRPr sz="1800"/>
-            </a:lvl9pPr>
-          </a:lstStyle>
+          <a:lstStyle/>
           <a:p>
             <a:pPr lvl="0"/>
             <a:r>
               <a:rPr lang="en-US"/>
-              <a:t>Click to edit Master text styles</a:t>
+              <a:t>Edit Master text styles</a:t>
             </a:r>
           </a:p>
           <a:p>
@@ -1331,6 +1871,64 @@
               <a:rPr lang="en-US"/>
               <a:t>Fifth level</a:t>
             </a:r>
+            <a:endParaRPr lang="en-US" dirty="0"/>
+          </a:p>
+        </p:txBody>
+      </p:sp>
+      <p:sp>
+        <p:nvSpPr>
+          <p:cNvPr id="4" name="Content Placeholder 3"/>
+          <p:cNvSpPr>
+            <a:spLocks noGrp="1"/>
+          </p:cNvSpPr>
+          <p:nvPr>
+            <p:ph sz="half" idx="2"/>
+          </p:nvPr>
+        </p:nvSpPr>
+        <p:spPr>
+          <a:xfrm>
+            <a:off x="5989320" y="2286000"/>
+            <a:ext cx="4754880" cy="4023360"/>
+          </a:xfrm>
+        </p:spPr>
+        <p:txBody>
+          <a:bodyPr/>
+          <a:lstStyle/>
+          <a:p>
+            <a:pPr lvl="0"/>
+            <a:r>
+              <a:rPr lang="en-US"/>
+              <a:t>Edit Master text styles</a:t>
+            </a:r>
+          </a:p>
+          <a:p>
+            <a:pPr lvl="1"/>
+            <a:r>
+              <a:rPr lang="en-US"/>
+              <a:t>Second level</a:t>
+            </a:r>
+          </a:p>
+          <a:p>
+            <a:pPr lvl="2"/>
+            <a:r>
+              <a:rPr lang="en-US"/>
+              <a:t>Third level</a:t>
+            </a:r>
+          </a:p>
+          <a:p>
+            <a:pPr lvl="3"/>
+            <a:r>
+              <a:rPr lang="en-US"/>
+              <a:t>Fourth level</a:t>
+            </a:r>
+          </a:p>
+          <a:p>
+            <a:pPr lvl="4"/>
+            <a:r>
+              <a:rPr lang="en-US"/>
+              <a:t>Fifth level</a:t>
+            </a:r>
+            <a:endParaRPr lang="en-US" dirty="0"/>
           </a:p>
         </p:txBody>
       </p:sp>
@@ -1349,11 +1947,10 @@
           <a:bodyPr/>
           <a:lstStyle/>
           <a:p>
-            <a:fld id="{241EB5C9-1307-BA42-ABA2-0BC069CD8E7F}" type="datetimeFigureOut">
-              <a:rPr lang="en-US" smtClean="0"/>
-              <a:t>10/10/2018</a:t>
-            </a:fld>
-            <a:endParaRPr lang="en-US"/>
+            <a:r>
+              <a:rPr lang="en-US"/>
+              <a:t>10/20/2018</a:t>
+            </a:r>
           </a:p>
         </p:txBody>
       </p:sp>
@@ -1372,7 +1969,10 @@
           <a:bodyPr/>
           <a:lstStyle/>
           <a:p>
-            <a:endParaRPr lang="en-US"/>
+            <a:r>
+              <a:rPr lang="en-US"/>
+              <a:t>Randy Green | Daniel Hadidon | Geoffrey Reed</a:t>
+            </a:r>
           </a:p>
         </p:txBody>
       </p:sp>
@@ -1402,7 +2002,7 @@
     </p:spTree>
     <p:extLst>
       <p:ext uri="{BB962C8B-B14F-4D97-AF65-F5344CB8AC3E}">
-        <p14:creationId xmlns:p14="http://schemas.microsoft.com/office/powerpoint/2010/main" val="2619886245"/>
+        <p14:creationId xmlns:p14="http://schemas.microsoft.com/office/powerpoint/2010/main" val="985310591"/>
       </p:ext>
     </p:extLst>
   </p:cSld>
@@ -1431,52 +2031,69 @@
       </p:grpSpPr>
       <p:sp>
         <p:nvSpPr>
-          <p:cNvPr id="2" name="Title 1"/>
+          <p:cNvPr id="10" name="Title 9"/>
           <p:cNvSpPr>
             <a:spLocks noGrp="1"/>
           </p:cNvSpPr>
           <p:nvPr>
             <p:ph type="title"/>
-          </p:nvPr>
-        </p:nvSpPr>
-        <p:spPr/>
-        <p:txBody>
-          <a:bodyPr/>
-          <a:lstStyle>
-            <a:lvl1pPr>
-              <a:defRPr/>
-            </a:lvl1pPr>
-          </a:lstStyle>
-          <a:p>
-            <a:r>
-              <a:rPr lang="en-US"/>
-              <a:t>Click to edit Master title style</a:t>
-            </a:r>
-          </a:p>
-        </p:txBody>
-      </p:sp>
-      <p:sp>
-        <p:nvSpPr>
-          <p:cNvPr id="3" name="Text Placeholder 2"/>
-          <p:cNvSpPr>
-            <a:spLocks noGrp="1"/>
-          </p:cNvSpPr>
-          <p:nvPr>
-            <p:ph type="body" idx="1"/>
           </p:nvPr>
         </p:nvSpPr>
         <p:spPr>
           <a:xfrm>
-            <a:off x="457200" y="1535113"/>
-            <a:ext cx="4040188" cy="639762"/>
+            <a:off x="1024128" y="585216"/>
+            <a:ext cx="9720072" cy="1499616"/>
           </a:xfrm>
         </p:spPr>
         <p:txBody>
-          <a:bodyPr anchor="b"/>
+          <a:bodyPr/>
+          <a:lstStyle/>
+          <a:p>
+            <a:r>
+              <a:rPr lang="en-US"/>
+              <a:t>Click to edit Master title style</a:t>
+            </a:r>
+            <a:endParaRPr lang="en-US" dirty="0"/>
+          </a:p>
+        </p:txBody>
+      </p:sp>
+      <p:sp>
+        <p:nvSpPr>
+          <p:cNvPr id="3" name="Text Placeholder 2"/>
+          <p:cNvSpPr>
+            <a:spLocks noGrp="1"/>
+          </p:cNvSpPr>
+          <p:nvPr>
+            <p:ph type="body" idx="1"/>
+          </p:nvPr>
+        </p:nvSpPr>
+        <p:spPr>
+          <a:xfrm>
+            <a:off x="1024128" y="2179636"/>
+            <a:ext cx="4754880" cy="822960"/>
+          </a:xfrm>
+        </p:spPr>
+        <p:txBody>
+          <a:bodyPr lIns="137160" rIns="137160" anchor="ctr">
+            <a:normAutofit/>
+          </a:bodyPr>
           <a:lstStyle>
             <a:lvl1pPr marL="0" indent="0">
-              <a:buNone/>
-              <a:defRPr sz="2400" b="1"/>
+              <a:spcBef>
+                <a:spcPts val="0"/>
+              </a:spcBef>
+              <a:spcAft>
+                <a:spcPts val="0"/>
+              </a:spcAft>
+              <a:buNone/>
+              <a:defRPr sz="2300" b="0" cap="none" baseline="0">
+                <a:solidFill>
+                  <a:schemeClr val="accent2">
+                    <a:lumMod val="75000"/>
+                  </a:schemeClr>
+                </a:solidFill>
+                <a:latin typeface="+mn-lt"/>
+              </a:defRPr>
             </a:lvl1pPr>
             <a:lvl2pPr marL="457200" indent="0">
               <a:buNone/>
@@ -1515,7 +2132,7 @@
             <a:pPr lvl="0"/>
             <a:r>
               <a:rPr lang="en-US"/>
-              <a:t>Click to edit Master text styles</a:t>
+              <a:t>Edit Master text styles</a:t>
             </a:r>
           </a:p>
         </p:txBody>
@@ -1532,46 +2149,18 @@
         </p:nvSpPr>
         <p:spPr>
           <a:xfrm>
-            <a:off x="457200" y="2174875"/>
-            <a:ext cx="4040188" cy="3951288"/>
+            <a:off x="1024128" y="2967788"/>
+            <a:ext cx="4754880" cy="3341572"/>
           </a:xfrm>
         </p:spPr>
         <p:txBody>
-          <a:bodyPr/>
-          <a:lstStyle>
-            <a:lvl1pPr>
-              <a:defRPr sz="2400"/>
-            </a:lvl1pPr>
-            <a:lvl2pPr>
-              <a:defRPr sz="2000"/>
-            </a:lvl2pPr>
-            <a:lvl3pPr>
-              <a:defRPr sz="1800"/>
-            </a:lvl3pPr>
-            <a:lvl4pPr>
-              <a:defRPr sz="1600"/>
-            </a:lvl4pPr>
-            <a:lvl5pPr>
-              <a:defRPr sz="1600"/>
-            </a:lvl5pPr>
-            <a:lvl6pPr>
-              <a:defRPr sz="1600"/>
-            </a:lvl6pPr>
-            <a:lvl7pPr>
-              <a:defRPr sz="1600"/>
-            </a:lvl7pPr>
-            <a:lvl8pPr>
-              <a:defRPr sz="1600"/>
-            </a:lvl8pPr>
-            <a:lvl9pPr>
-              <a:defRPr sz="1600"/>
-            </a:lvl9pPr>
-          </a:lstStyle>
+          <a:bodyPr lIns="45720" rIns="45720"/>
+          <a:lstStyle/>
           <a:p>
             <a:pPr lvl="0"/>
             <a:r>
               <a:rPr lang="en-US"/>
-              <a:t>Click to edit Master text styles</a:t>
+              <a:t>Edit Master text styles</a:t>
             </a:r>
           </a:p>
           <a:p>
@@ -1601,6 +2190,7 @@
               <a:rPr lang="en-US"/>
               <a:t>Fifth level</a:t>
             </a:r>
+            <a:endParaRPr lang="en-US" dirty="0"/>
           </a:p>
         </p:txBody>
       </p:sp>
@@ -1616,16 +2206,33 @@
         </p:nvSpPr>
         <p:spPr>
           <a:xfrm>
-            <a:off x="4645025" y="1535113"/>
-            <a:ext cx="4041775" cy="639762"/>
+            <a:off x="5989320" y="2179636"/>
+            <a:ext cx="4754880" cy="822960"/>
           </a:xfrm>
         </p:spPr>
         <p:txBody>
-          <a:bodyPr anchor="b"/>
+          <a:bodyPr lIns="137160" rIns="137160" anchor="ctr">
+            <a:normAutofit/>
+          </a:bodyPr>
           <a:lstStyle>
             <a:lvl1pPr marL="0" indent="0">
-              <a:buNone/>
-              <a:defRPr sz="2400" b="1"/>
+              <a:spcBef>
+                <a:spcPts val="0"/>
+              </a:spcBef>
+              <a:spcAft>
+                <a:spcPts val="0"/>
+              </a:spcAft>
+              <a:buNone/>
+              <a:defRPr lang="en-US" sz="2300" b="0" kern="1200" cap="none" baseline="0" dirty="0">
+                <a:solidFill>
+                  <a:schemeClr val="accent2">
+                    <a:lumMod val="75000"/>
+                  </a:schemeClr>
+                </a:solidFill>
+                <a:latin typeface="+mn-lt"/>
+                <a:ea typeface="+mn-ea"/>
+                <a:cs typeface="+mn-cs"/>
+              </a:defRPr>
             </a:lvl1pPr>
             <a:lvl2pPr marL="457200" indent="0">
               <a:buNone/>
@@ -1661,10 +2268,18 @@
             </a:lvl9pPr>
           </a:lstStyle>
           <a:p>
-            <a:pPr lvl="0"/>
-            <a:r>
-              <a:rPr lang="en-US"/>
-              <a:t>Click to edit Master text styles</a:t>
+            <a:pPr marL="0" lvl="0" indent="0" algn="l" defTabSz="914400" rtl="0" eaLnBrk="1" latinLnBrk="0" hangingPunct="1">
+              <a:lnSpc>
+                <a:spcPct val="90000"/>
+              </a:lnSpc>
+              <a:spcBef>
+                <a:spcPts val="1800"/>
+              </a:spcBef>
+              <a:buNone/>
+            </a:pPr>
+            <a:r>
+              <a:rPr lang="en-US"/>
+              <a:t>Edit Master text styles</a:t>
             </a:r>
           </a:p>
         </p:txBody>
@@ -1681,46 +2296,18 @@
         </p:nvSpPr>
         <p:spPr>
           <a:xfrm>
-            <a:off x="4645025" y="2174875"/>
-            <a:ext cx="4041775" cy="3951288"/>
+            <a:off x="5989320" y="2967788"/>
+            <a:ext cx="4754880" cy="3341572"/>
           </a:xfrm>
         </p:spPr>
         <p:txBody>
-          <a:bodyPr/>
-          <a:lstStyle>
-            <a:lvl1pPr>
-              <a:defRPr sz="2400"/>
-            </a:lvl1pPr>
-            <a:lvl2pPr>
-              <a:defRPr sz="2000"/>
-            </a:lvl2pPr>
-            <a:lvl3pPr>
-              <a:defRPr sz="1800"/>
-            </a:lvl3pPr>
-            <a:lvl4pPr>
-              <a:defRPr sz="1600"/>
-            </a:lvl4pPr>
-            <a:lvl5pPr>
-              <a:defRPr sz="1600"/>
-            </a:lvl5pPr>
-            <a:lvl6pPr>
-              <a:defRPr sz="1600"/>
-            </a:lvl6pPr>
-            <a:lvl7pPr>
-              <a:defRPr sz="1600"/>
-            </a:lvl7pPr>
-            <a:lvl8pPr>
-              <a:defRPr sz="1600"/>
-            </a:lvl8pPr>
-            <a:lvl9pPr>
-              <a:defRPr sz="1600"/>
-            </a:lvl9pPr>
-          </a:lstStyle>
+          <a:bodyPr lIns="45720" rIns="45720"/>
+          <a:lstStyle/>
           <a:p>
             <a:pPr lvl="0"/>
             <a:r>
               <a:rPr lang="en-US"/>
-              <a:t>Click to edit Master text styles</a:t>
+              <a:t>Edit Master text styles</a:t>
             </a:r>
           </a:p>
           <a:p>
@@ -1750,6 +2337,7 @@
               <a:rPr lang="en-US"/>
               <a:t>Fifth level</a:t>
             </a:r>
+            <a:endParaRPr lang="en-US" dirty="0"/>
           </a:p>
         </p:txBody>
       </p:sp>
@@ -1768,11 +2356,10 @@
           <a:bodyPr/>
           <a:lstStyle/>
           <a:p>
-            <a:fld id="{241EB5C9-1307-BA42-ABA2-0BC069CD8E7F}" type="datetimeFigureOut">
-              <a:rPr lang="en-US" smtClean="0"/>
-              <a:t>10/10/2018</a:t>
-            </a:fld>
-            <a:endParaRPr lang="en-US"/>
+            <a:r>
+              <a:rPr lang="en-US"/>
+              <a:t>10/20/2018</a:t>
+            </a:r>
           </a:p>
         </p:txBody>
       </p:sp>
@@ -1791,7 +2378,10 @@
           <a:bodyPr/>
           <a:lstStyle/>
           <a:p>
-            <a:endParaRPr lang="en-US"/>
+            <a:r>
+              <a:rPr lang="en-US"/>
+              <a:t>Randy Green | Daniel Hadidon | Geoffrey Reed</a:t>
+            </a:r>
           </a:p>
         </p:txBody>
       </p:sp>
@@ -1821,7 +2411,7 @@
     </p:spTree>
     <p:extLst>
       <p:ext uri="{BB962C8B-B14F-4D97-AF65-F5344CB8AC3E}">
-        <p14:creationId xmlns:p14="http://schemas.microsoft.com/office/powerpoint/2010/main" val="2535793967"/>
+        <p14:creationId xmlns:p14="http://schemas.microsoft.com/office/powerpoint/2010/main" val="4187444490"/>
       </p:ext>
     </p:extLst>
   </p:cSld>
@@ -1867,6 +2457,7 @@
               <a:rPr lang="en-US"/>
               <a:t>Click to edit Master title style</a:t>
             </a:r>
+            <a:endParaRPr lang="en-US" dirty="0"/>
           </a:p>
         </p:txBody>
       </p:sp>
@@ -1885,11 +2476,10 @@
           <a:bodyPr/>
           <a:lstStyle/>
           <a:p>
-            <a:fld id="{241EB5C9-1307-BA42-ABA2-0BC069CD8E7F}" type="datetimeFigureOut">
-              <a:rPr lang="en-US" smtClean="0"/>
-              <a:t>10/10/2018</a:t>
-            </a:fld>
-            <a:endParaRPr lang="en-US"/>
+            <a:r>
+              <a:rPr lang="en-US"/>
+              <a:t>10/20/2018</a:t>
+            </a:r>
           </a:p>
         </p:txBody>
       </p:sp>
@@ -1908,7 +2498,10 @@
           <a:bodyPr/>
           <a:lstStyle/>
           <a:p>
-            <a:endParaRPr lang="en-US"/>
+            <a:r>
+              <a:rPr lang="en-US"/>
+              <a:t>Randy Green | Daniel Hadidon | Geoffrey Reed</a:t>
+            </a:r>
           </a:p>
         </p:txBody>
       </p:sp>
@@ -1938,7 +2531,7 @@
     </p:spTree>
     <p:extLst>
       <p:ext uri="{BB962C8B-B14F-4D97-AF65-F5344CB8AC3E}">
-        <p14:creationId xmlns:p14="http://schemas.microsoft.com/office/powerpoint/2010/main" val="3472721253"/>
+        <p14:creationId xmlns:p14="http://schemas.microsoft.com/office/powerpoint/2010/main" val="495768895"/>
       </p:ext>
     </p:extLst>
   </p:cSld>
@@ -1949,7 +2542,7 @@
 </file>
 
 <file path=ppt/slideLayouts/slideLayout7.xml><?xml version="1.0" encoding="utf-8"?>
-<p:sldLayout xmlns:a="http://schemas.openxmlformats.org/drawingml/2006/main" xmlns:r="http://schemas.openxmlformats.org/officeDocument/2006/relationships" xmlns:p="http://schemas.openxmlformats.org/presentationml/2006/main" type="blank" preserve="1">
+<p:sldLayout xmlns:a="http://schemas.openxmlformats.org/drawingml/2006/main" xmlns:r="http://schemas.openxmlformats.org/officeDocument/2006/relationships" xmlns:p="http://schemas.openxmlformats.org/presentationml/2006/main" showMasterSp="0" type="blank" preserve="1">
   <p:cSld name="Blank">
     <p:spTree>
       <p:nvGrpSpPr>
@@ -1980,11 +2573,10 @@
           <a:bodyPr/>
           <a:lstStyle/>
           <a:p>
-            <a:fld id="{241EB5C9-1307-BA42-ABA2-0BC069CD8E7F}" type="datetimeFigureOut">
-              <a:rPr lang="en-US" smtClean="0"/>
-              <a:t>10/10/2018</a:t>
-            </a:fld>
-            <a:endParaRPr lang="en-US"/>
+            <a:r>
+              <a:rPr lang="en-US"/>
+              <a:t>10/20/2018</a:t>
+            </a:r>
           </a:p>
         </p:txBody>
       </p:sp>
@@ -2003,7 +2595,10 @@
           <a:bodyPr/>
           <a:lstStyle/>
           <a:p>
-            <a:endParaRPr lang="en-US"/>
+            <a:r>
+              <a:rPr lang="en-US"/>
+              <a:t>Randy Green | Daniel Hadidon | Geoffrey Reed</a:t>
+            </a:r>
           </a:p>
         </p:txBody>
       </p:sp>
@@ -2033,7 +2628,7 @@
     </p:spTree>
     <p:extLst>
       <p:ext uri="{BB962C8B-B14F-4D97-AF65-F5344CB8AC3E}">
-        <p14:creationId xmlns:p14="http://schemas.microsoft.com/office/powerpoint/2010/main" val="2130901097"/>
+        <p14:creationId xmlns:p14="http://schemas.microsoft.com/office/powerpoint/2010/main" val="4253166763"/>
       </p:ext>
     </p:extLst>
   </p:cSld>
@@ -2062,7 +2657,7 @@
       </p:grpSpPr>
       <p:sp>
         <p:nvSpPr>
-          <p:cNvPr id="2" name="Title 1"/>
+          <p:cNvPr id="8" name="Title 7"/>
           <p:cNvSpPr>
             <a:spLocks noGrp="1"/>
           </p:cNvSpPr>
@@ -2072,15 +2667,20 @@
         </p:nvSpPr>
         <p:spPr>
           <a:xfrm>
-            <a:off x="457200" y="273050"/>
-            <a:ext cx="3008313" cy="1162050"/>
+            <a:off x="1024128" y="471509"/>
+            <a:ext cx="4389120" cy="1737360"/>
           </a:xfrm>
         </p:spPr>
         <p:txBody>
-          <a:bodyPr anchor="b"/>
+          <a:bodyPr>
+            <a:noAutofit/>
+          </a:bodyPr>
           <a:lstStyle>
-            <a:lvl1pPr algn="l">
-              <a:defRPr sz="2000" b="1"/>
+            <a:lvl1pPr>
+              <a:lnSpc>
+                <a:spcPct val="80000"/>
+              </a:lnSpc>
+              <a:defRPr sz="4000"/>
             </a:lvl1pPr>
           </a:lstStyle>
           <a:p>
@@ -2088,6 +2688,7 @@
               <a:rPr lang="en-US"/>
               <a:t>Click to edit Master title style</a:t>
             </a:r>
+            <a:endParaRPr lang="en-US" dirty="0"/>
           </a:p>
         </p:txBody>
       </p:sp>
@@ -2103,46 +2704,46 @@
         </p:nvSpPr>
         <p:spPr>
           <a:xfrm>
-            <a:off x="3575050" y="273050"/>
-            <a:ext cx="5111750" cy="5853113"/>
+            <a:off x="5715000" y="822960"/>
+            <a:ext cx="5678424" cy="5184648"/>
           </a:xfrm>
         </p:spPr>
         <p:txBody>
           <a:bodyPr/>
           <a:lstStyle>
             <a:lvl1pPr>
-              <a:defRPr sz="3200"/>
+              <a:defRPr sz="2400"/>
             </a:lvl1pPr>
             <a:lvl2pPr>
-              <a:defRPr sz="2800"/>
+              <a:defRPr sz="2000"/>
             </a:lvl2pPr>
             <a:lvl3pPr>
-              <a:defRPr sz="2400"/>
+              <a:defRPr sz="1600"/>
             </a:lvl3pPr>
             <a:lvl4pPr>
-              <a:defRPr sz="2000"/>
+              <a:defRPr sz="1600"/>
             </a:lvl4pPr>
             <a:lvl5pPr>
-              <a:defRPr sz="2000"/>
+              <a:defRPr sz="1600"/>
             </a:lvl5pPr>
             <a:lvl6pPr>
-              <a:defRPr sz="2000"/>
+              <a:defRPr sz="1600"/>
             </a:lvl6pPr>
             <a:lvl7pPr>
-              <a:defRPr sz="2000"/>
+              <a:defRPr sz="1600"/>
             </a:lvl7pPr>
             <a:lvl8pPr>
-              <a:defRPr sz="2000"/>
+              <a:defRPr sz="1600"/>
             </a:lvl8pPr>
             <a:lvl9pPr>
-              <a:defRPr sz="2000"/>
+              <a:defRPr sz="1600"/>
             </a:lvl9pPr>
           </a:lstStyle>
           <a:p>
             <a:pPr lvl="0"/>
             <a:r>
               <a:rPr lang="en-US"/>
-              <a:t>Click to edit Master text styles</a:t>
+              <a:t>Edit Master text styles</a:t>
             </a:r>
           </a:p>
           <a:p>
@@ -2172,6 +2773,7 @@
               <a:rPr lang="en-US"/>
               <a:t>Fifth level</a:t>
             </a:r>
+            <a:endParaRPr lang="en-US" dirty="0"/>
           </a:p>
         </p:txBody>
       </p:sp>
@@ -2187,16 +2789,24 @@
         </p:nvSpPr>
         <p:spPr>
           <a:xfrm>
-            <a:off x="457200" y="1435100"/>
-            <a:ext cx="3008313" cy="4691063"/>
+            <a:off x="1024128" y="2257506"/>
+            <a:ext cx="4389120" cy="3762294"/>
           </a:xfrm>
         </p:spPr>
         <p:txBody>
-          <a:bodyPr/>
+          <a:bodyPr lIns="91440" rIns="91440">
+            <a:normAutofit/>
+          </a:bodyPr>
           <a:lstStyle>
             <a:lvl1pPr marL="0" indent="0">
-              <a:buNone/>
-              <a:defRPr sz="1400"/>
+              <a:lnSpc>
+                <a:spcPct val="108000"/>
+              </a:lnSpc>
+              <a:spcBef>
+                <a:spcPts val="600"/>
+              </a:spcBef>
+              <a:buNone/>
+              <a:defRPr sz="1600"/>
             </a:lvl1pPr>
             <a:lvl2pPr marL="457200" indent="0">
               <a:buNone/>
@@ -2235,7 +2845,7 @@
             <a:pPr lvl="0"/>
             <a:r>
               <a:rPr lang="en-US"/>
-              <a:t>Click to edit Master text styles</a:t>
+              <a:t>Edit Master text styles</a:t>
             </a:r>
           </a:p>
         </p:txBody>
@@ -2255,11 +2865,10 @@
           <a:bodyPr/>
           <a:lstStyle/>
           <a:p>
-            <a:fld id="{241EB5C9-1307-BA42-ABA2-0BC069CD8E7F}" type="datetimeFigureOut">
-              <a:rPr lang="en-US" smtClean="0"/>
-              <a:t>10/10/2018</a:t>
-            </a:fld>
-            <a:endParaRPr lang="en-US"/>
+            <a:r>
+              <a:rPr lang="en-US"/>
+              <a:t>10/20/2018</a:t>
+            </a:r>
           </a:p>
         </p:txBody>
       </p:sp>
@@ -2278,7 +2887,10 @@
           <a:bodyPr/>
           <a:lstStyle/>
           <a:p>
-            <a:endParaRPr lang="en-US"/>
+            <a:r>
+              <a:rPr lang="en-US"/>
+              <a:t>Randy Green | Daniel Hadidon | Geoffrey Reed</a:t>
+            </a:r>
           </a:p>
         </p:txBody>
       </p:sp>
@@ -2308,7 +2920,7 @@
     </p:spTree>
     <p:extLst>
       <p:ext uri="{BB962C8B-B14F-4D97-AF65-F5344CB8AC3E}">
-        <p14:creationId xmlns:p14="http://schemas.microsoft.com/office/powerpoint/2010/main" val="3540895647"/>
+        <p14:creationId xmlns:p14="http://schemas.microsoft.com/office/powerpoint/2010/main" val="1608598343"/>
       </p:ext>
     </p:extLst>
   </p:cSld>
@@ -2319,7 +2931,7 @@
 </file>
 
 <file path=ppt/slideLayouts/slideLayout9.xml><?xml version="1.0" encoding="utf-8"?>
-<p:sldLayout xmlns:a="http://schemas.openxmlformats.org/drawingml/2006/main" xmlns:r="http://schemas.openxmlformats.org/officeDocument/2006/relationships" xmlns:p="http://schemas.openxmlformats.org/presentationml/2006/main" type="picTx" preserve="1">
+<p:sldLayout xmlns:a="http://schemas.openxmlformats.org/drawingml/2006/main" xmlns:r="http://schemas.openxmlformats.org/officeDocument/2006/relationships" xmlns:p="http://schemas.openxmlformats.org/presentationml/2006/main" showMasterSp="0" type="picTx" preserve="1">
   <p:cSld name="Picture with Caption">
     <p:spTree>
       <p:nvGrpSpPr>
@@ -2347,15 +2959,17 @@
         </p:nvSpPr>
         <p:spPr>
           <a:xfrm>
-            <a:off x="1792288" y="4800600"/>
-            <a:ext cx="5486400" cy="566738"/>
+            <a:off x="457200" y="4960138"/>
+            <a:ext cx="7772400" cy="1463040"/>
           </a:xfrm>
         </p:spPr>
         <p:txBody>
-          <a:bodyPr anchor="b"/>
+          <a:bodyPr anchor="ctr">
+            <a:normAutofit/>
+          </a:bodyPr>
           <a:lstStyle>
-            <a:lvl1pPr algn="l">
-              <a:defRPr sz="2000" b="1"/>
+            <a:lvl1pPr algn="r">
+              <a:defRPr sz="5000" spc="200" baseline="0"/>
             </a:lvl1pPr>
           </a:lstStyle>
           <a:p>
@@ -2363,6 +2977,7 @@
               <a:rPr lang="en-US"/>
               <a:t>Click to edit Master title style</a:t>
             </a:r>
+            <a:endParaRPr lang="en-US" dirty="0"/>
           </a:p>
         </p:txBody>
       </p:sp>
@@ -2370,7 +2985,7 @@
         <p:nvSpPr>
           <p:cNvPr id="3" name="Picture Placeholder 2"/>
           <p:cNvSpPr>
-            <a:spLocks noGrp="1"/>
+            <a:spLocks noGrp="1" noChangeAspect="1"/>
           </p:cNvSpPr>
           <p:nvPr>
             <p:ph type="pic" idx="1"/>
@@ -2378,12 +2993,18 @@
         </p:nvSpPr>
         <p:spPr>
           <a:xfrm>
-            <a:off x="1792288" y="612775"/>
-            <a:ext cx="5486400" cy="4114800"/>
+            <a:off x="0" y="-1"/>
+            <a:ext cx="12188952" cy="4572000"/>
           </a:xfrm>
+          <a:solidFill>
+            <a:schemeClr val="accent2">
+              <a:lumMod val="60000"/>
+              <a:lumOff val="40000"/>
+            </a:schemeClr>
+          </a:solidFill>
         </p:spPr>
         <p:txBody>
-          <a:bodyPr/>
+          <a:bodyPr lIns="457200" tIns="365760" rIns="45720" bIns="45720" anchor="t"/>
           <a:lstStyle>
             <a:lvl1pPr marL="0" indent="0">
               <a:buNone/>
@@ -2423,7 +3044,11 @@
             </a:lvl9pPr>
           </a:lstStyle>
           <a:p>
-            <a:endParaRPr lang="en-US"/>
+            <a:r>
+              <a:rPr lang="en-US"/>
+              <a:t>Click icon to add picture</a:t>
+            </a:r>
+            <a:endParaRPr lang="en-US" dirty="0"/>
           </a:p>
         </p:txBody>
       </p:sp>
@@ -2439,55 +3064,70 @@
         </p:nvSpPr>
         <p:spPr>
           <a:xfrm>
-            <a:off x="1792288" y="5367338"/>
-            <a:ext cx="5486400" cy="804862"/>
+            <a:off x="8610600" y="4960138"/>
+            <a:ext cx="3200400" cy="1463040"/>
           </a:xfrm>
         </p:spPr>
         <p:txBody>
-          <a:bodyPr/>
+          <a:bodyPr lIns="91440" rIns="91440" anchor="ctr">
+            <a:normAutofit/>
+          </a:bodyPr>
           <a:lstStyle>
             <a:lvl1pPr marL="0" indent="0">
-              <a:buNone/>
-              <a:defRPr sz="1400"/>
+              <a:lnSpc>
+                <a:spcPct val="100000"/>
+              </a:lnSpc>
+              <a:spcBef>
+                <a:spcPts val="0"/>
+              </a:spcBef>
+              <a:buNone/>
+              <a:defRPr sz="1800">
+                <a:solidFill>
+                  <a:schemeClr val="tx1">
+                    <a:lumMod val="90000"/>
+                    <a:lumOff val="10000"/>
+                  </a:schemeClr>
+                </a:solidFill>
+              </a:defRPr>
             </a:lvl1pPr>
             <a:lvl2pPr marL="457200" indent="0">
               <a:buNone/>
-              <a:defRPr sz="1200"/>
+              <a:defRPr sz="1400"/>
             </a:lvl2pPr>
             <a:lvl3pPr marL="914400" indent="0">
               <a:buNone/>
-              <a:defRPr sz="1000"/>
+              <a:defRPr sz="1200"/>
             </a:lvl3pPr>
             <a:lvl4pPr marL="1371600" indent="0">
               <a:buNone/>
-              <a:defRPr sz="900"/>
+              <a:defRPr sz="1000"/>
             </a:lvl4pPr>
             <a:lvl5pPr marL="1828800" indent="0">
               <a:buNone/>
-              <a:defRPr sz="900"/>
+              <a:defRPr sz="1000"/>
             </a:lvl5pPr>
             <a:lvl6pPr marL="2286000" indent="0">
               <a:buNone/>
-              <a:defRPr sz="900"/>
+              <a:defRPr sz="1000"/>
             </a:lvl6pPr>
             <a:lvl7pPr marL="2743200" indent="0">
               <a:buNone/>
-              <a:defRPr sz="900"/>
+              <a:defRPr sz="1000"/>
             </a:lvl7pPr>
             <a:lvl8pPr marL="3200400" indent="0">
               <a:buNone/>
-              <a:defRPr sz="900"/>
+              <a:defRPr sz="1000"/>
             </a:lvl8pPr>
             <a:lvl9pPr marL="3657600" indent="0">
               <a:buNone/>
-              <a:defRPr sz="900"/>
+              <a:defRPr sz="1000"/>
             </a:lvl9pPr>
           </a:lstStyle>
           <a:p>
             <a:pPr lvl="0"/>
             <a:r>
               <a:rPr lang="en-US"/>
-              <a:t>Click to edit Master text styles</a:t>
+              <a:t>Edit Master text styles</a:t>
             </a:r>
           </a:p>
         </p:txBody>
@@ -2507,11 +3147,10 @@
           <a:bodyPr/>
           <a:lstStyle/>
           <a:p>
-            <a:fld id="{241EB5C9-1307-BA42-ABA2-0BC069CD8E7F}" type="datetimeFigureOut">
-              <a:rPr lang="en-US" smtClean="0"/>
-              <a:t>10/10/2018</a:t>
-            </a:fld>
-            <a:endParaRPr lang="en-US"/>
+            <a:r>
+              <a:rPr lang="en-US"/>
+              <a:t>10/20/2018</a:t>
+            </a:r>
           </a:p>
         </p:txBody>
       </p:sp>
@@ -2530,7 +3169,10 @@
           <a:bodyPr/>
           <a:lstStyle/>
           <a:p>
-            <a:endParaRPr lang="en-US"/>
+            <a:r>
+              <a:rPr lang="en-US"/>
+              <a:t>Randy Green | Daniel Hadidon | Geoffrey Reed</a:t>
+            </a:r>
           </a:p>
         </p:txBody>
       </p:sp>
@@ -2557,10 +3199,45 @@
           </a:p>
         </p:txBody>
       </p:sp>
+      <p:cxnSp>
+        <p:nvCxnSpPr>
+          <p:cNvPr id="9" name="Straight Connector 8"/>
+          <p:cNvCxnSpPr/>
+          <p:nvPr/>
+        </p:nvCxnSpPr>
+        <p:spPr>
+          <a:xfrm flipV="1">
+            <a:off x="8386842" y="5264106"/>
+            <a:ext cx="0" cy="914400"/>
+          </a:xfrm>
+          <a:prstGeom prst="line">
+            <a:avLst/>
+          </a:prstGeom>
+          <a:ln w="19050">
+            <a:solidFill>
+              <a:schemeClr val="accent2"/>
+            </a:solidFill>
+          </a:ln>
+        </p:spPr>
+        <p:style>
+          <a:lnRef idx="1">
+            <a:schemeClr val="accent1"/>
+          </a:lnRef>
+          <a:fillRef idx="0">
+            <a:schemeClr val="accent1"/>
+          </a:fillRef>
+          <a:effectRef idx="0">
+            <a:schemeClr val="accent1"/>
+          </a:effectRef>
+          <a:fontRef idx="minor">
+            <a:schemeClr val="tx1"/>
+          </a:fontRef>
+        </p:style>
+      </p:cxnSp>
     </p:spTree>
     <p:extLst>
       <p:ext uri="{BB962C8B-B14F-4D97-AF65-F5344CB8AC3E}">
-        <p14:creationId xmlns:p14="http://schemas.microsoft.com/office/powerpoint/2010/main" val="3566899855"/>
+        <p14:creationId xmlns:p14="http://schemas.microsoft.com/office/powerpoint/2010/main" val="1183667713"/>
       </p:ext>
     </p:extLst>
   </p:cSld>
@@ -2604,8 +3281,8 @@
         </p:nvSpPr>
         <p:spPr>
           <a:xfrm>
-            <a:off x="457200" y="274638"/>
-            <a:ext cx="8229600" cy="1143000"/>
+            <a:off x="1024128" y="585216"/>
+            <a:ext cx="9720072" cy="1499616"/>
           </a:xfrm>
           <a:prstGeom prst="rect">
             <a:avLst/>
@@ -2621,6 +3298,7 @@
               <a:rPr lang="en-US"/>
               <a:t>Click to edit Master title style</a:t>
             </a:r>
+            <a:endParaRPr lang="en-US" dirty="0"/>
           </a:p>
         </p:txBody>
       </p:sp>
@@ -2636,15 +3314,15 @@
         </p:nvSpPr>
         <p:spPr>
           <a:xfrm>
-            <a:off x="457200" y="1600200"/>
-            <a:ext cx="8229600" cy="4525963"/>
+            <a:off x="1024128" y="2286000"/>
+            <a:ext cx="9720071" cy="4023360"/>
           </a:xfrm>
           <a:prstGeom prst="rect">
             <a:avLst/>
           </a:prstGeom>
         </p:spPr>
         <p:txBody>
-          <a:bodyPr vert="horz" lIns="91440" tIns="45720" rIns="91440" bIns="45720" rtlCol="0">
+          <a:bodyPr vert="horz" lIns="45720" tIns="45720" rIns="45720" bIns="45720" rtlCol="0">
             <a:normAutofit/>
           </a:bodyPr>
           <a:lstStyle/>
@@ -2652,7 +3330,7 @@
             <a:pPr lvl="0"/>
             <a:r>
               <a:rPr lang="en-US"/>
-              <a:t>Click to edit Master text styles</a:t>
+              <a:t>Edit Master text styles</a:t>
             </a:r>
           </a:p>
           <a:p>
@@ -2682,6 +3360,7 @@
               <a:rPr lang="en-US"/>
               <a:t>Fifth level</a:t>
             </a:r>
+            <a:endParaRPr lang="en-US" dirty="0"/>
           </a:p>
         </p:txBody>
       </p:sp>
@@ -2697,8 +3376,8 @@
         </p:nvSpPr>
         <p:spPr>
           <a:xfrm>
-            <a:off x="457200" y="6356350"/>
-            <a:ext cx="2133600" cy="365125"/>
+            <a:off x="1024128" y="6470704"/>
+            <a:ext cx="2154142" cy="274320"/>
           </a:xfrm>
           <a:prstGeom prst="rect">
             <a:avLst/>
@@ -2708,21 +3387,22 @@
           <a:bodyPr vert="horz" lIns="91440" tIns="45720" rIns="91440" bIns="45720" rtlCol="0" anchor="ctr"/>
           <a:lstStyle>
             <a:lvl1pPr algn="l">
-              <a:defRPr sz="1200">
+              <a:defRPr sz="1000">
                 <a:solidFill>
                   <a:schemeClr val="tx1">
-                    <a:tint val="75000"/>
+                    <a:lumMod val="90000"/>
+                    <a:lumOff val="10000"/>
                   </a:schemeClr>
                 </a:solidFill>
+                <a:latin typeface="+mj-lt"/>
               </a:defRPr>
             </a:lvl1pPr>
           </a:lstStyle>
           <a:p>
-            <a:fld id="{241EB5C9-1307-BA42-ABA2-0BC069CD8E7F}" type="datetimeFigureOut">
-              <a:rPr lang="en-US" smtClean="0"/>
-              <a:t>10/10/2018</a:t>
-            </a:fld>
-            <a:endParaRPr lang="en-US"/>
+            <a:r>
+              <a:rPr lang="en-US"/>
+              <a:t>10/20/2018</a:t>
+            </a:r>
           </a:p>
         </p:txBody>
       </p:sp>
@@ -2738,8 +3418,8 @@
         </p:nvSpPr>
         <p:spPr>
           <a:xfrm>
-            <a:off x="3124200" y="6356350"/>
-            <a:ext cx="2895600" cy="365125"/>
+            <a:off x="4842932" y="6470704"/>
+            <a:ext cx="5901458" cy="274320"/>
           </a:xfrm>
           <a:prstGeom prst="rect">
             <a:avLst/>
@@ -2748,18 +3428,23 @@
         <p:txBody>
           <a:bodyPr vert="horz" lIns="91440" tIns="45720" rIns="91440" bIns="45720" rtlCol="0" anchor="ctr"/>
           <a:lstStyle>
-            <a:lvl1pPr algn="ctr">
-              <a:defRPr sz="1200">
+            <a:lvl1pPr algn="r">
+              <a:defRPr sz="1000" cap="all" baseline="0">
                 <a:solidFill>
                   <a:schemeClr val="tx1">
-                    <a:tint val="75000"/>
+                    <a:lumMod val="90000"/>
+                    <a:lumOff val="10000"/>
                   </a:schemeClr>
                 </a:solidFill>
+                <a:latin typeface="+mj-lt"/>
               </a:defRPr>
             </a:lvl1pPr>
           </a:lstStyle>
           <a:p>
-            <a:endParaRPr lang="en-US"/>
+            <a:r>
+              <a:rPr lang="en-US"/>
+              <a:t>Randy Green | Daniel Hadidon | Geoffrey Reed</a:t>
+            </a:r>
           </a:p>
         </p:txBody>
       </p:sp>
@@ -2775,8 +3460,8 @@
         </p:nvSpPr>
         <p:spPr>
           <a:xfrm>
-            <a:off x="6553200" y="6356350"/>
-            <a:ext cx="2133600" cy="365125"/>
+            <a:off x="10837334" y="6470704"/>
+            <a:ext cx="973666" cy="274320"/>
           </a:xfrm>
           <a:prstGeom prst="rect">
             <a:avLst/>
@@ -2785,13 +3470,15 @@
         <p:txBody>
           <a:bodyPr vert="horz" lIns="91440" tIns="45720" rIns="91440" bIns="45720" rtlCol="0" anchor="ctr"/>
           <a:lstStyle>
-            <a:lvl1pPr algn="r">
-              <a:defRPr sz="1200">
+            <a:lvl1pPr algn="l">
+              <a:defRPr sz="1000">
                 <a:solidFill>
                   <a:schemeClr val="tx1">
-                    <a:tint val="75000"/>
+                    <a:lumMod val="90000"/>
+                    <a:lumOff val="10000"/>
                   </a:schemeClr>
                 </a:solidFill>
+                <a:latin typeface="+mj-lt"/>
               </a:defRPr>
             </a:lvl1pPr>
           </a:lstStyle>
@@ -2804,37 +3491,79 @@
           </a:p>
         </p:txBody>
       </p:sp>
+      <p:cxnSp>
+        <p:nvCxnSpPr>
+          <p:cNvPr id="7" name="Straight Connector 6"/>
+          <p:cNvCxnSpPr/>
+          <p:nvPr/>
+        </p:nvCxnSpPr>
+        <p:spPr>
+          <a:xfrm flipV="1">
+            <a:off x="762000" y="826324"/>
+            <a:ext cx="0" cy="914400"/>
+          </a:xfrm>
+          <a:prstGeom prst="line">
+            <a:avLst/>
+          </a:prstGeom>
+          <a:ln w="19050">
+            <a:solidFill>
+              <a:schemeClr val="accent2"/>
+            </a:solidFill>
+          </a:ln>
+        </p:spPr>
+        <p:style>
+          <a:lnRef idx="1">
+            <a:schemeClr val="accent1"/>
+          </a:lnRef>
+          <a:fillRef idx="0">
+            <a:schemeClr val="accent1"/>
+          </a:fillRef>
+          <a:effectRef idx="0">
+            <a:schemeClr val="accent1"/>
+          </a:effectRef>
+          <a:fontRef idx="minor">
+            <a:schemeClr val="tx1"/>
+          </a:fontRef>
+        </p:style>
+      </p:cxnSp>
     </p:spTree>
     <p:extLst>
       <p:ext uri="{BB962C8B-B14F-4D97-AF65-F5344CB8AC3E}">
-        <p14:creationId xmlns:p14="http://schemas.microsoft.com/office/powerpoint/2010/main" val="3676200875"/>
+        <p14:creationId xmlns:p14="http://schemas.microsoft.com/office/powerpoint/2010/main" val="4061863538"/>
       </p:ext>
     </p:extLst>
   </p:cSld>
   <p:clrMap bg1="lt1" tx1="dk1" bg2="lt2" tx2="dk2" accent1="accent1" accent2="accent2" accent3="accent3" accent4="accent4" accent5="accent5" accent6="accent6" hlink="hlink" folHlink="folHlink"/>
   <p:sldLayoutIdLst>
-    <p:sldLayoutId id="2147483649" r:id="rId1"/>
-    <p:sldLayoutId id="2147483650" r:id="rId2"/>
-    <p:sldLayoutId id="2147483651" r:id="rId3"/>
-    <p:sldLayoutId id="2147483652" r:id="rId4"/>
-    <p:sldLayoutId id="2147483653" r:id="rId5"/>
-    <p:sldLayoutId id="2147483654" r:id="rId6"/>
-    <p:sldLayoutId id="2147483655" r:id="rId7"/>
-    <p:sldLayoutId id="2147483656" r:id="rId8"/>
-    <p:sldLayoutId id="2147483657" r:id="rId9"/>
-    <p:sldLayoutId id="2147483658" r:id="rId10"/>
-    <p:sldLayoutId id="2147483659" r:id="rId11"/>
+    <p:sldLayoutId id="2147483972" r:id="rId1"/>
+    <p:sldLayoutId id="2147483973" r:id="rId2"/>
+    <p:sldLayoutId id="2147483974" r:id="rId3"/>
+    <p:sldLayoutId id="2147483975" r:id="rId4"/>
+    <p:sldLayoutId id="2147483976" r:id="rId5"/>
+    <p:sldLayoutId id="2147483977" r:id="rId6"/>
+    <p:sldLayoutId id="2147483978" r:id="rId7"/>
+    <p:sldLayoutId id="2147483979" r:id="rId8"/>
+    <p:sldLayoutId id="2147483980" r:id="rId9"/>
+    <p:sldLayoutId id="2147483981" r:id="rId10"/>
+    <p:sldLayoutId id="2147483982" r:id="rId11"/>
   </p:sldLayoutIdLst>
+  <p:hf hdr="0"/>
   <p:txStyles>
     <p:titleStyle>
-      <a:lvl1pPr algn="ctr" defTabSz="457200" rtl="0" eaLnBrk="1" latinLnBrk="0" hangingPunct="1">
+      <a:lvl1pPr algn="l" defTabSz="914400" rtl="0" eaLnBrk="1" latinLnBrk="0" hangingPunct="1">
+        <a:lnSpc>
+          <a:spcPct val="80000"/>
+        </a:lnSpc>
         <a:spcBef>
           <a:spcPct val="0"/>
         </a:spcBef>
         <a:buNone/>
-        <a:defRPr sz="4400" kern="1200">
+        <a:defRPr sz="5000" kern="1200" cap="all" spc="100" baseline="0">
           <a:solidFill>
-            <a:schemeClr val="tx1"/>
+            <a:schemeClr val="tx1">
+              <a:lumMod val="90000"/>
+              <a:lumOff val="10000"/>
+            </a:schemeClr>
           </a:solidFill>
           <a:latin typeface="+mj-lt"/>
           <a:ea typeface="+mj-ea"/>
@@ -2843,13 +3572,23 @@
       </a:lvl1pPr>
     </p:titleStyle>
     <p:bodyStyle>
-      <a:lvl1pPr marL="342900" indent="-342900" algn="l" defTabSz="457200" rtl="0" eaLnBrk="1" latinLnBrk="0" hangingPunct="1">
+      <a:lvl1pPr marL="91440" indent="-91440" algn="l" defTabSz="914400" rtl="0" eaLnBrk="1" latinLnBrk="0" hangingPunct="1">
+        <a:lnSpc>
+          <a:spcPct val="90000"/>
+        </a:lnSpc>
         <a:spcBef>
-          <a:spcPct val="20000"/>
+          <a:spcPts val="1200"/>
         </a:spcBef>
-        <a:buFont typeface="Arial"/>
-        <a:buChar char="•"/>
-        <a:defRPr sz="3200" kern="1200">
+        <a:spcAft>
+          <a:spcPts val="200"/>
+        </a:spcAft>
+        <a:buClr>
+          <a:schemeClr val="accent2"/>
+        </a:buClr>
+        <a:buSzPct val="100000"/>
+        <a:buFont typeface="Tw Cen MT" panose="020B0602020104020603" pitchFamily="34" charset="0"/>
+        <a:buChar char=" "/>
+        <a:defRPr sz="2200" kern="1200">
           <a:solidFill>
             <a:schemeClr val="tx1"/>
           </a:solidFill>
@@ -2858,13 +3597,22 @@
           <a:cs typeface="+mn-cs"/>
         </a:defRPr>
       </a:lvl1pPr>
-      <a:lvl2pPr marL="742950" indent="-285750" algn="l" defTabSz="457200" rtl="0" eaLnBrk="1" latinLnBrk="0" hangingPunct="1">
+      <a:lvl2pPr marL="265176" indent="-137160" algn="l" defTabSz="914400" rtl="0" eaLnBrk="1" latinLnBrk="0" hangingPunct="1">
+        <a:lnSpc>
+          <a:spcPct val="90000"/>
+        </a:lnSpc>
         <a:spcBef>
-          <a:spcPct val="20000"/>
+          <a:spcPts val="200"/>
         </a:spcBef>
-        <a:buFont typeface="Arial"/>
-        <a:buChar char="–"/>
-        <a:defRPr sz="2800" kern="1200">
+        <a:spcAft>
+          <a:spcPts val="400"/>
+        </a:spcAft>
+        <a:buClr>
+          <a:schemeClr val="accent2"/>
+        </a:buClr>
+        <a:buFont typeface="Wingdings 3" pitchFamily="18" charset="2"/>
+        <a:buChar char=""/>
+        <a:defRPr sz="1800" kern="1200">
           <a:solidFill>
             <a:schemeClr val="tx1"/>
           </a:solidFill>
@@ -2873,13 +3621,22 @@
           <a:cs typeface="+mn-cs"/>
         </a:defRPr>
       </a:lvl2pPr>
-      <a:lvl3pPr marL="1143000" indent="-228600" algn="l" defTabSz="457200" rtl="0" eaLnBrk="1" latinLnBrk="0" hangingPunct="1">
+      <a:lvl3pPr marL="448056" indent="-137160" algn="l" defTabSz="914400" rtl="0" eaLnBrk="1" latinLnBrk="0" hangingPunct="1">
+        <a:lnSpc>
+          <a:spcPct val="90000"/>
+        </a:lnSpc>
         <a:spcBef>
-          <a:spcPct val="20000"/>
+          <a:spcPts val="200"/>
         </a:spcBef>
-        <a:buFont typeface="Arial"/>
-        <a:buChar char="•"/>
-        <a:defRPr sz="2400" kern="1200">
+        <a:spcAft>
+          <a:spcPts val="400"/>
+        </a:spcAft>
+        <a:buClr>
+          <a:schemeClr val="accent2"/>
+        </a:buClr>
+        <a:buFont typeface="Wingdings 3" pitchFamily="18" charset="2"/>
+        <a:buChar char=""/>
+        <a:defRPr sz="1400" kern="1200">
           <a:solidFill>
             <a:schemeClr val="tx1"/>
           </a:solidFill>
@@ -2888,13 +3645,22 @@
           <a:cs typeface="+mn-cs"/>
         </a:defRPr>
       </a:lvl3pPr>
-      <a:lvl4pPr marL="1600200" indent="-228600" algn="l" defTabSz="457200" rtl="0" eaLnBrk="1" latinLnBrk="0" hangingPunct="1">
+      <a:lvl4pPr marL="594360" indent="-137160" algn="l" defTabSz="914400" rtl="0" eaLnBrk="1" latinLnBrk="0" hangingPunct="1">
+        <a:lnSpc>
+          <a:spcPct val="90000"/>
+        </a:lnSpc>
         <a:spcBef>
-          <a:spcPct val="20000"/>
+          <a:spcPts val="200"/>
         </a:spcBef>
-        <a:buFont typeface="Arial"/>
-        <a:buChar char="–"/>
-        <a:defRPr sz="2000" kern="1200">
+        <a:spcAft>
+          <a:spcPts val="400"/>
+        </a:spcAft>
+        <a:buClr>
+          <a:schemeClr val="accent2"/>
+        </a:buClr>
+        <a:buFont typeface="Wingdings 3" pitchFamily="18" charset="2"/>
+        <a:buChar char=""/>
+        <a:defRPr sz="1400" kern="1200">
           <a:solidFill>
             <a:schemeClr val="tx1"/>
           </a:solidFill>
@@ -2903,13 +3669,22 @@
           <a:cs typeface="+mn-cs"/>
         </a:defRPr>
       </a:lvl4pPr>
-      <a:lvl5pPr marL="2057400" indent="-228600" algn="l" defTabSz="457200" rtl="0" eaLnBrk="1" latinLnBrk="0" hangingPunct="1">
+      <a:lvl5pPr marL="777240" indent="-137160" algn="l" defTabSz="914400" rtl="0" eaLnBrk="1" latinLnBrk="0" hangingPunct="1">
+        <a:lnSpc>
+          <a:spcPct val="90000"/>
+        </a:lnSpc>
         <a:spcBef>
-          <a:spcPct val="20000"/>
+          <a:spcPts val="200"/>
         </a:spcBef>
-        <a:buFont typeface="Arial"/>
-        <a:buChar char="»"/>
-        <a:defRPr sz="2000" kern="1200">
+        <a:spcAft>
+          <a:spcPts val="400"/>
+        </a:spcAft>
+        <a:buClr>
+          <a:schemeClr val="accent2"/>
+        </a:buClr>
+        <a:buFont typeface="Wingdings 3" pitchFamily="18" charset="2"/>
+        <a:buChar char=""/>
+        <a:defRPr sz="1400" kern="1200">
           <a:solidFill>
             <a:schemeClr val="tx1"/>
           </a:solidFill>
@@ -2918,13 +3693,22 @@
           <a:cs typeface="+mn-cs"/>
         </a:defRPr>
       </a:lvl5pPr>
-      <a:lvl6pPr marL="2514600" indent="-228600" algn="l" defTabSz="457200" rtl="0" eaLnBrk="1" latinLnBrk="0" hangingPunct="1">
+      <a:lvl6pPr marL="914400" indent="-137160" algn="l" defTabSz="914400" rtl="0" eaLnBrk="1" latinLnBrk="0" hangingPunct="1">
+        <a:lnSpc>
+          <a:spcPct val="90000"/>
+        </a:lnSpc>
         <a:spcBef>
-          <a:spcPct val="20000"/>
+          <a:spcPts val="200"/>
         </a:spcBef>
-        <a:buFont typeface="Arial"/>
-        <a:buChar char="•"/>
-        <a:defRPr sz="2000" kern="1200">
+        <a:spcAft>
+          <a:spcPts val="400"/>
+        </a:spcAft>
+        <a:buClr>
+          <a:schemeClr val="accent2"/>
+        </a:buClr>
+        <a:buFont typeface="Wingdings 3" pitchFamily="18" charset="2"/>
+        <a:buChar char=""/>
+        <a:defRPr sz="1400" kern="1200">
           <a:solidFill>
             <a:schemeClr val="tx1"/>
           </a:solidFill>
@@ -2933,13 +3717,22 @@
           <a:cs typeface="+mn-cs"/>
         </a:defRPr>
       </a:lvl6pPr>
-      <a:lvl7pPr marL="2971800" indent="-228600" algn="l" defTabSz="457200" rtl="0" eaLnBrk="1" latinLnBrk="0" hangingPunct="1">
+      <a:lvl7pPr marL="1060704" indent="-137160" algn="l" defTabSz="914400" rtl="0" eaLnBrk="1" latinLnBrk="0" hangingPunct="1">
+        <a:lnSpc>
+          <a:spcPct val="90000"/>
+        </a:lnSpc>
         <a:spcBef>
-          <a:spcPct val="20000"/>
+          <a:spcPts val="200"/>
         </a:spcBef>
-        <a:buFont typeface="Arial"/>
-        <a:buChar char="•"/>
-        <a:defRPr sz="2000" kern="1200">
+        <a:spcAft>
+          <a:spcPts val="400"/>
+        </a:spcAft>
+        <a:buClr>
+          <a:schemeClr val="accent2"/>
+        </a:buClr>
+        <a:buFont typeface="Wingdings 3" pitchFamily="18" charset="2"/>
+        <a:buChar char=""/>
+        <a:defRPr sz="1400" kern="1200">
           <a:solidFill>
             <a:schemeClr val="tx1"/>
           </a:solidFill>
@@ -2948,13 +3741,22 @@
           <a:cs typeface="+mn-cs"/>
         </a:defRPr>
       </a:lvl7pPr>
-      <a:lvl8pPr marL="3429000" indent="-228600" algn="l" defTabSz="457200" rtl="0" eaLnBrk="1" latinLnBrk="0" hangingPunct="1">
+      <a:lvl8pPr marL="1216152" indent="-137160" algn="l" defTabSz="914400" rtl="0" eaLnBrk="1" latinLnBrk="0" hangingPunct="1">
+        <a:lnSpc>
+          <a:spcPct val="90000"/>
+        </a:lnSpc>
         <a:spcBef>
-          <a:spcPct val="20000"/>
+          <a:spcPts val="200"/>
         </a:spcBef>
-        <a:buFont typeface="Arial"/>
-        <a:buChar char="•"/>
-        <a:defRPr sz="2000" kern="1200">
+        <a:spcAft>
+          <a:spcPts val="400"/>
+        </a:spcAft>
+        <a:buClr>
+          <a:schemeClr val="accent2"/>
+        </a:buClr>
+        <a:buFont typeface="Wingdings 3" pitchFamily="18" charset="2"/>
+        <a:buChar char=""/>
+        <a:defRPr sz="1400" kern="1200">
           <a:solidFill>
             <a:schemeClr val="tx1"/>
           </a:solidFill>
@@ -2963,13 +3765,22 @@
           <a:cs typeface="+mn-cs"/>
         </a:defRPr>
       </a:lvl8pPr>
-      <a:lvl9pPr marL="3886200" indent="-228600" algn="l" defTabSz="457200" rtl="0" eaLnBrk="1" latinLnBrk="0" hangingPunct="1">
+      <a:lvl9pPr marL="1362456" indent="-137160" algn="l" defTabSz="914400" rtl="0" eaLnBrk="1" latinLnBrk="0" hangingPunct="1">
+        <a:lnSpc>
+          <a:spcPct val="90000"/>
+        </a:lnSpc>
         <a:spcBef>
-          <a:spcPct val="20000"/>
+          <a:spcPts val="200"/>
         </a:spcBef>
-        <a:buFont typeface="Arial"/>
-        <a:buChar char="•"/>
-        <a:defRPr sz="2000" kern="1200">
+        <a:spcAft>
+          <a:spcPts val="400"/>
+        </a:spcAft>
+        <a:buClr>
+          <a:schemeClr val="accent2"/>
+        </a:buClr>
+        <a:buFont typeface="Wingdings 3" pitchFamily="18" charset="2"/>
+        <a:buChar char=""/>
+        <a:defRPr sz="1400" kern="1200">
           <a:solidFill>
             <a:schemeClr val="tx1"/>
           </a:solidFill>
@@ -2983,7 +3794,7 @@
       <a:defPPr>
         <a:defRPr lang="en-US"/>
       </a:defPPr>
-      <a:lvl1pPr marL="0" algn="l" defTabSz="457200" rtl="0" eaLnBrk="1" latinLnBrk="0" hangingPunct="1">
+      <a:lvl1pPr marL="0" algn="l" defTabSz="914400" rtl="0" eaLnBrk="1" latinLnBrk="0" hangingPunct="1">
         <a:defRPr sz="1800" kern="1200">
           <a:solidFill>
             <a:schemeClr val="tx1"/>
@@ -2993,7 +3804,7 @@
           <a:cs typeface="+mn-cs"/>
         </a:defRPr>
       </a:lvl1pPr>
-      <a:lvl2pPr marL="457200" algn="l" defTabSz="457200" rtl="0" eaLnBrk="1" latinLnBrk="0" hangingPunct="1">
+      <a:lvl2pPr marL="457200" algn="l" defTabSz="914400" rtl="0" eaLnBrk="1" latinLnBrk="0" hangingPunct="1">
         <a:defRPr sz="1800" kern="1200">
           <a:solidFill>
             <a:schemeClr val="tx1"/>
@@ -3003,7 +3814,7 @@
           <a:cs typeface="+mn-cs"/>
         </a:defRPr>
       </a:lvl2pPr>
-      <a:lvl3pPr marL="914400" algn="l" defTabSz="457200" rtl="0" eaLnBrk="1" latinLnBrk="0" hangingPunct="1">
+      <a:lvl3pPr marL="914400" algn="l" defTabSz="914400" rtl="0" eaLnBrk="1" latinLnBrk="0" hangingPunct="1">
         <a:defRPr sz="1800" kern="1200">
           <a:solidFill>
             <a:schemeClr val="tx1"/>
@@ -3013,7 +3824,7 @@
           <a:cs typeface="+mn-cs"/>
         </a:defRPr>
       </a:lvl3pPr>
-      <a:lvl4pPr marL="1371600" algn="l" defTabSz="457200" rtl="0" eaLnBrk="1" latinLnBrk="0" hangingPunct="1">
+      <a:lvl4pPr marL="1371600" algn="l" defTabSz="914400" rtl="0" eaLnBrk="1" latinLnBrk="0" hangingPunct="1">
         <a:defRPr sz="1800" kern="1200">
           <a:solidFill>
             <a:schemeClr val="tx1"/>
@@ -3023,7 +3834,7 @@
           <a:cs typeface="+mn-cs"/>
         </a:defRPr>
       </a:lvl4pPr>
-      <a:lvl5pPr marL="1828800" algn="l" defTabSz="457200" rtl="0" eaLnBrk="1" latinLnBrk="0" hangingPunct="1">
+      <a:lvl5pPr marL="1828800" algn="l" defTabSz="914400" rtl="0" eaLnBrk="1" latinLnBrk="0" hangingPunct="1">
         <a:defRPr sz="1800" kern="1200">
           <a:solidFill>
             <a:schemeClr val="tx1"/>
@@ -3033,7 +3844,7 @@
           <a:cs typeface="+mn-cs"/>
         </a:defRPr>
       </a:lvl5pPr>
-      <a:lvl6pPr marL="2286000" algn="l" defTabSz="457200" rtl="0" eaLnBrk="1" latinLnBrk="0" hangingPunct="1">
+      <a:lvl6pPr marL="2286000" algn="l" defTabSz="914400" rtl="0" eaLnBrk="1" latinLnBrk="0" hangingPunct="1">
         <a:defRPr sz="1800" kern="1200">
           <a:solidFill>
             <a:schemeClr val="tx1"/>
@@ -3043,7 +3854,7 @@
           <a:cs typeface="+mn-cs"/>
         </a:defRPr>
       </a:lvl6pPr>
-      <a:lvl7pPr marL="2743200" algn="l" defTabSz="457200" rtl="0" eaLnBrk="1" latinLnBrk="0" hangingPunct="1">
+      <a:lvl7pPr marL="2743200" algn="l" defTabSz="914400" rtl="0" eaLnBrk="1" latinLnBrk="0" hangingPunct="1">
         <a:defRPr sz="1800" kern="1200">
           <a:solidFill>
             <a:schemeClr val="tx1"/>
@@ -3053,7 +3864,7 @@
           <a:cs typeface="+mn-cs"/>
         </a:defRPr>
       </a:lvl7pPr>
-      <a:lvl8pPr marL="3200400" algn="l" defTabSz="457200" rtl="0" eaLnBrk="1" latinLnBrk="0" hangingPunct="1">
+      <a:lvl8pPr marL="3200400" algn="l" defTabSz="914400" rtl="0" eaLnBrk="1" latinLnBrk="0" hangingPunct="1">
         <a:defRPr sz="1800" kern="1200">
           <a:solidFill>
             <a:schemeClr val="tx1"/>
@@ -3063,7 +3874,7 @@
           <a:cs typeface="+mn-cs"/>
         </a:defRPr>
       </a:lvl8pPr>
-      <a:lvl9pPr marL="3657600" algn="l" defTabSz="457200" rtl="0" eaLnBrk="1" latinLnBrk="0" hangingPunct="1">
+      <a:lvl9pPr marL="3657600" algn="l" defTabSz="914400" rtl="0" eaLnBrk="1" latinLnBrk="0" hangingPunct="1">
         <a:defRPr sz="1800" kern="1200">
           <a:solidFill>
             <a:schemeClr val="tx1"/>
@@ -3075,6 +3886,11 @@
       </a:lvl9pPr>
     </p:otherStyle>
   </p:txStyles>
+  <p:extLst>
+    <p:ext uri="{27BBF7A9-308A-43DC-89C8-2F10F3537804}">
+      <p15:sldGuideLst xmlns:p15="http://schemas.microsoft.com/office/powerpoint/2012/main"/>
+    </p:ext>
+  </p:extLst>
 </p:sldMaster>
 </file>
 
@@ -3105,21 +3921,13 @@
             <p:ph type="ctrTitle"/>
           </p:nvPr>
         </p:nvSpPr>
-        <p:spPr>
-          <a:xfrm>
-            <a:off x="685800" y="2130425"/>
-            <a:ext cx="7772400" cy="1470025"/>
-          </a:xfrm>
-        </p:spPr>
-        <p:txBody>
-          <a:bodyPr/>
-          <a:lstStyle/>
-          <a:p>
-            <a:pPr marL="0" lvl="0" indent="0">
-              <a:buNone/>
-            </a:pPr>
-            <a:r>
-              <a:t>Title</a:t>
+        <p:spPr/>
+        <p:txBody>
+          <a:bodyPr/>
+          <a:lstStyle/>
+          <a:p>
+            <a:r>
+              <a:t>An Opposing Friendship</a:t>
             </a:r>
           </a:p>
         </p:txBody>
@@ -3134,21 +3942,15 @@
             <p:ph type="subTitle" idx="1"/>
           </p:nvPr>
         </p:nvSpPr>
-        <p:spPr>
-          <a:xfrm>
-            <a:off x="1371600" y="3886200"/>
-            <a:ext cx="6400800" cy="1752600"/>
-          </a:xfrm>
-        </p:spPr>
-        <p:txBody>
-          <a:bodyPr/>
-          <a:lstStyle/>
-          <a:p>
-            <a:pPr marL="0" lvl="0" indent="0">
-              <a:buNone/>
-            </a:pPr>
-            <a:r>
-              <a:t>Subtitle</a:t>
+        <p:spPr/>
+        <p:txBody>
+          <a:bodyPr>
+            <a:normAutofit/>
+          </a:bodyPr>
+          <a:lstStyle/>
+          <a:p>
+            <a:r>
+              <a:t>Grant &amp; Longstreet</a:t>
             </a:r>
             <a:br/>
             <a:br/>
@@ -3156,6 +3958,1564 @@
           </a:p>
         </p:txBody>
       </p:sp>
+      <p:cxnSp>
+        <p:nvCxnSpPr>
+          <p:cNvPr id="8" name="Straight Connector 7"/>
+          <p:cNvCxnSpPr/>
+          <p:nvPr/>
+        </p:nvCxnSpPr>
+        <p:spPr>
+          <a:xfrm flipV="1">
+            <a:off x="7814132" y="5264106"/>
+            <a:ext cx="0" cy="914400"/>
+          </a:xfrm>
+          <a:prstGeom prst="line">
+            <a:avLst/>
+          </a:prstGeom>
+          <a:ln w="19050">
+            <a:solidFill>
+              <a:schemeClr val="accent2"/>
+            </a:solidFill>
+          </a:ln>
+        </p:spPr>
+        <p:style>
+          <a:lnRef idx="1">
+            <a:schemeClr val="accent1"/>
+          </a:lnRef>
+          <a:fillRef idx="0">
+            <a:schemeClr val="accent1"/>
+          </a:fillRef>
+          <a:effectRef idx="0">
+            <a:schemeClr val="accent1"/>
+          </a:effectRef>
+          <a:fontRef idx="minor">
+            <a:schemeClr val="tx1"/>
+          </a:fontRef>
+        </p:style>
+      </p:cxnSp>
+    </p:spTree>
+  </p:cSld>
+  <p:clrMapOvr>
+    <a:masterClrMapping/>
+  </p:clrMapOvr>
+</p:sld>
+</file>
+
+<file path=ppt/slides/slide10.xml><?xml version="1.0" encoding="utf-8"?>
+<p:sld xmlns:a="http://schemas.openxmlformats.org/drawingml/2006/main" xmlns:r="http://schemas.openxmlformats.org/officeDocument/2006/relationships" xmlns:p="http://schemas.openxmlformats.org/presentationml/2006/main">
+  <p:cSld>
+    <p:spTree>
+      <p:nvGrpSpPr>
+        <p:cNvPr id="1" name=""/>
+        <p:cNvGrpSpPr/>
+        <p:nvPr/>
+      </p:nvGrpSpPr>
+      <p:grpSpPr>
+        <a:xfrm>
+          <a:off x="0" y="0"/>
+          <a:ext cx="0" cy="0"/>
+          <a:chOff x="0" y="0"/>
+          <a:chExt cx="0" cy="0"/>
+        </a:xfrm>
+      </p:grpSpPr>
+      <p:sp>
+        <p:nvSpPr>
+          <p:cNvPr id="2" name="Title 1"/>
+          <p:cNvSpPr>
+            <a:spLocks noGrp="1"/>
+          </p:cNvSpPr>
+          <p:nvPr>
+            <p:ph type="title"/>
+          </p:nvPr>
+        </p:nvSpPr>
+        <p:spPr/>
+        <p:txBody>
+          <a:bodyPr/>
+          <a:lstStyle/>
+          <a:p>
+            <a:r>
+              <a:t>Title (Slide 8)</a:t>
+            </a:r>
+          </a:p>
+        </p:txBody>
+      </p:sp>
+      <p:sp>
+        <p:nvSpPr>
+          <p:cNvPr id="3" name="Content Placeholder 2"/>
+          <p:cNvSpPr>
+            <a:spLocks noGrp="1"/>
+          </p:cNvSpPr>
+          <p:nvPr>
+            <p:ph idx="1"/>
+          </p:nvPr>
+        </p:nvSpPr>
+        <p:spPr/>
+        <p:txBody>
+          <a:bodyPr/>
+          <a:lstStyle/>
+          <a:p>
+            <a:pPr marL="0" indent="0">
+              <a:buNone/>
+            </a:pPr>
+            <a:r>
+              <a:rPr i="1"/>
+              <a:t>italic</a:t>
+            </a:r>
+            <a:r>
+              <a:t> </a:t>
+            </a:r>
+            <a:r>
+              <a:rPr b="1"/>
+              <a:t>bold</a:t>
+            </a:r>
+            <a:r>
+              <a:t> </a:t>
+            </a:r>
+            <a:r>
+              <a:rPr strike="sngStrike"/>
+              <a:t>strikeout</a:t>
+            </a:r>
+            <a:r>
+              <a:t> </a:t>
+            </a:r>
+            <a:r>
+              <a:rPr baseline="-25000"/>
+              <a:t>subscript</a:t>
+            </a:r>
+            <a:r>
+              <a:t> </a:t>
+            </a:r>
+            <a:r>
+              <a:rPr baseline="30000"/>
+              <a:t>superscript</a:t>
+            </a:r>
+            <a:r>
+              <a:t> </a:t>
+            </a:r>
+            <a:r>
+              <a:rPr cap="small"/>
+              <a:t>small caps</a:t>
+            </a:r>
+            <a:r>
+              <a:t> </a:t>
+            </a:r>
+            <a:r>
+              <a:rPr sz="1800">
+                <a:latin typeface="Courier"/>
+              </a:rPr>
+              <a:t>verbatim</a:t>
+            </a:r>
+          </a:p>
+          <a:p>
+            <a:pPr marL="1270000" indent="0">
+              <a:buNone/>
+            </a:pPr>
+            <a:r>
+              <a:t>Block quote</a:t>
+            </a:r>
+          </a:p>
+        </p:txBody>
+      </p:sp>
+    </p:spTree>
+  </p:cSld>
+  <p:clrMapOvr>
+    <a:masterClrMapping/>
+  </p:clrMapOvr>
+</p:sld>
+</file>
+
+<file path=ppt/slides/slide11.xml><?xml version="1.0" encoding="utf-8"?>
+<p:sld xmlns:a="http://schemas.openxmlformats.org/drawingml/2006/main" xmlns:r="http://schemas.openxmlformats.org/officeDocument/2006/relationships" xmlns:p="http://schemas.openxmlformats.org/presentationml/2006/main">
+  <p:cSld>
+    <p:spTree>
+      <p:nvGrpSpPr>
+        <p:cNvPr id="1" name=""/>
+        <p:cNvGrpSpPr/>
+        <p:nvPr/>
+      </p:nvGrpSpPr>
+      <p:grpSpPr>
+        <a:xfrm>
+          <a:off x="0" y="0"/>
+          <a:ext cx="0" cy="0"/>
+          <a:chOff x="0" y="0"/>
+          <a:chExt cx="0" cy="0"/>
+        </a:xfrm>
+      </p:grpSpPr>
+      <p:sp>
+        <p:nvSpPr>
+          <p:cNvPr id="2" name="Title 1"/>
+          <p:cNvSpPr>
+            <a:spLocks noGrp="1"/>
+          </p:cNvSpPr>
+          <p:nvPr>
+            <p:ph type="title"/>
+          </p:nvPr>
+        </p:nvSpPr>
+        <p:spPr/>
+        <p:txBody>
+          <a:bodyPr/>
+          <a:lstStyle/>
+          <a:p>
+            <a:r>
+              <a:t>Title (Slide 9)</a:t>
+            </a:r>
+          </a:p>
+        </p:txBody>
+      </p:sp>
+      <p:sp>
+        <p:nvSpPr>
+          <p:cNvPr id="4" name="Content Placeholder 3"/>
+          <p:cNvSpPr>
+            <a:spLocks noGrp="1"/>
+          </p:cNvSpPr>
+          <p:nvPr>
+            <p:ph sz="half" idx="1"/>
+          </p:nvPr>
+        </p:nvSpPr>
+        <p:spPr/>
+        <p:txBody>
+          <a:bodyPr/>
+          <a:lstStyle/>
+          <a:p>
+            <a:pPr marL="0" indent="0">
+              <a:spcBef>
+                <a:spcPts val="3000"/>
+              </a:spcBef>
+              <a:buNone/>
+            </a:pPr>
+            <a:r>
+              <a:rPr b="1"/>
+              <a:t>Content Header</a:t>
+            </a:r>
+          </a:p>
+          <a:p>
+            <a:pPr marL="0" indent="0">
+              <a:spcBef>
+                <a:spcPts val="3000"/>
+              </a:spcBef>
+              <a:buNone/>
+            </a:pPr>
+            <a:r>
+              <a:rPr b="1"/>
+              <a:t>Smaller Header</a:t>
+            </a:r>
+          </a:p>
+          <a:p>
+            <a:pPr marL="0" indent="0">
+              <a:spcBef>
+                <a:spcPts val="3000"/>
+              </a:spcBef>
+              <a:buNone/>
+            </a:pPr>
+            <a:r>
+              <a:rPr b="1"/>
+              <a:t>Smallest Header</a:t>
+            </a:r>
+          </a:p>
+          <a:p>
+            <a:pPr marL="0" indent="0">
+              <a:buNone/>
+            </a:pPr>
+            <a:r>
+              <a:t>stuff</a:t>
+            </a:r>
+          </a:p>
+        </p:txBody>
+      </p:sp>
+      <p:pic>
+        <p:nvPicPr>
+          <p:cNvPr id="3" name="Picture 1" descr="learning_team_presentation_files/figure-pptx/unnamed-chunk-1-1.png"/>
+          <p:cNvPicPr>
+            <a:picLocks noGrp="1" noChangeAspect="1"/>
+          </p:cNvPicPr>
+          <p:nvPr/>
+        </p:nvPicPr>
+        <p:blipFill>
+          <a:blip r:embed="rId2"/>
+          <a:stretch>
+            <a:fillRect/>
+          </a:stretch>
+        </p:blipFill>
+        <p:spPr bwMode="auto">
+          <a:xfrm>
+            <a:off x="2603500" y="2286000"/>
+            <a:ext cx="2921000" cy="3505200"/>
+          </a:xfrm>
+          <a:prstGeom prst="rect">
+            <a:avLst/>
+          </a:prstGeom>
+          <a:noFill/>
+          <a:ln w="9525">
+            <a:noFill/>
+            <a:headEnd/>
+            <a:tailEnd/>
+          </a:ln>
+        </p:spPr>
+      </p:pic>
+      <p:sp>
+        <p:nvSpPr>
+          <p:cNvPr id="5" name="TextBox 3"/>
+          <p:cNvSpPr txBox="1"/>
+          <p:nvPr/>
+        </p:nvSpPr>
+        <p:spPr>
+          <a:xfrm>
+            <a:off x="2286000" y="5791200"/>
+            <a:ext cx="3556000" cy="508000"/>
+          </a:xfrm>
+          <a:prstGeom prst="rect">
+            <a:avLst/>
+          </a:prstGeom>
+          <a:noFill/>
+        </p:spPr>
+        <p:txBody>
+          <a:bodyPr/>
+          <a:lstStyle/>
+          <a:p>
+            <a:pPr algn="ctr"/>
+            <a:r>
+              <a:t>a caption!</a:t>
+            </a:r>
+          </a:p>
+        </p:txBody>
+      </p:sp>
+    </p:spTree>
+  </p:cSld>
+  <p:clrMapOvr>
+    <a:masterClrMapping/>
+  </p:clrMapOvr>
+</p:sld>
+</file>
+
+<file path=ppt/slides/slide12.xml><?xml version="1.0" encoding="utf-8"?>
+<p:sld xmlns:a="http://schemas.openxmlformats.org/drawingml/2006/main" xmlns:r="http://schemas.openxmlformats.org/officeDocument/2006/relationships" xmlns:p="http://schemas.openxmlformats.org/presentationml/2006/main">
+  <p:cSld>
+    <p:spTree>
+      <p:nvGrpSpPr>
+        <p:cNvPr id="1" name=""/>
+        <p:cNvGrpSpPr/>
+        <p:nvPr/>
+      </p:nvGrpSpPr>
+      <p:grpSpPr>
+        <a:xfrm>
+          <a:off x="0" y="0"/>
+          <a:ext cx="0" cy="0"/>
+          <a:chOff x="0" y="0"/>
+          <a:chExt cx="0" cy="0"/>
+        </a:xfrm>
+      </p:grpSpPr>
+      <p:sp>
+        <p:nvSpPr>
+          <p:cNvPr id="2" name="Title 1"/>
+          <p:cNvSpPr>
+            <a:spLocks noGrp="1"/>
+          </p:cNvSpPr>
+          <p:nvPr>
+            <p:ph type="title"/>
+          </p:nvPr>
+        </p:nvSpPr>
+        <p:spPr/>
+        <p:txBody>
+          <a:bodyPr/>
+          <a:lstStyle/>
+          <a:p>
+            <a:r>
+              <a:t>Title (Slide 10)</a:t>
+            </a:r>
+          </a:p>
+        </p:txBody>
+      </p:sp>
+      <p:graphicFrame>
+        <p:nvGraphicFramePr>
+          <p:cNvPr id="6" name="Content Placeholder 5"/>
+          <p:cNvGraphicFramePr>
+            <a:graphicFrameLocks noGrp="1"/>
+          </p:cNvGraphicFramePr>
+          <p:nvPr>
+            <p:ph idx="1"/>
+          </p:nvPr>
+        </p:nvGraphicFramePr>
+        <p:xfrm>
+          <a:off x="2286000" y="2286000"/>
+          <a:ext cx="7239000" cy="1097280"/>
+        </p:xfrm>
+        <a:graphic>
+          <a:graphicData uri="http://schemas.openxmlformats.org/drawingml/2006/table">
+            <a:tbl>
+              <a:tblPr firstRow="1" bandRow="1">
+                <a:tableStyleId>{5C22544A-7EE6-4342-B048-85BDC9FD1C3A}</a:tableStyleId>
+              </a:tblPr>
+              <a:tblGrid>
+                <a:gridCol w="1447800">
+                  <a:extLst>
+                    <a:ext uri="{9D8B030D-6E8A-4147-A177-3AD203B41FA5}">
+                      <a16:colId xmlns:a16="http://schemas.microsoft.com/office/drawing/2014/main" val="20000"/>
+                    </a:ext>
+                  </a:extLst>
+                </a:gridCol>
+                <a:gridCol w="1447800">
+                  <a:extLst>
+                    <a:ext uri="{9D8B030D-6E8A-4147-A177-3AD203B41FA5}">
+                      <a16:colId xmlns:a16="http://schemas.microsoft.com/office/drawing/2014/main" val="20001"/>
+                    </a:ext>
+                  </a:extLst>
+                </a:gridCol>
+                <a:gridCol w="1447800">
+                  <a:extLst>
+                    <a:ext uri="{9D8B030D-6E8A-4147-A177-3AD203B41FA5}">
+                      <a16:colId xmlns:a16="http://schemas.microsoft.com/office/drawing/2014/main" val="20002"/>
+                    </a:ext>
+                  </a:extLst>
+                </a:gridCol>
+                <a:gridCol w="1447800">
+                  <a:extLst>
+                    <a:ext uri="{9D8B030D-6E8A-4147-A177-3AD203B41FA5}">
+                      <a16:colId xmlns:a16="http://schemas.microsoft.com/office/drawing/2014/main" val="20003"/>
+                    </a:ext>
+                  </a:extLst>
+                </a:gridCol>
+                <a:gridCol w="1447800">
+                  <a:extLst>
+                    <a:ext uri="{9D8B030D-6E8A-4147-A177-3AD203B41FA5}">
+                      <a16:colId xmlns:a16="http://schemas.microsoft.com/office/drawing/2014/main" val="20004"/>
+                    </a:ext>
+                  </a:extLst>
+                </a:gridCol>
+              </a:tblGrid>
+              <a:tr h="0">
+                <a:tc>
+                  <a:txBody>
+                    <a:bodyPr/>
+                    <a:lstStyle/>
+                    <a:p>
+                      <a:pPr marL="0" lvl="0" indent="0">
+                        <a:buNone/>
+                      </a:pPr>
+                      <a:r>
+                        <a:t>one</a:t>
+                      </a:r>
+                    </a:p>
+                  </a:txBody>
+                  <a:tcPr/>
+                </a:tc>
+                <a:tc>
+                  <a:txBody>
+                    <a:bodyPr/>
+                    <a:lstStyle/>
+                    <a:p>
+                      <a:pPr marL="0" lvl="0" indent="0">
+                        <a:buNone/>
+                      </a:pPr>
+                      <a:r>
+                        <a:t>two</a:t>
+                      </a:r>
+                    </a:p>
+                  </a:txBody>
+                  <a:tcPr/>
+                </a:tc>
+                <a:tc>
+                  <a:txBody>
+                    <a:bodyPr/>
+                    <a:lstStyle/>
+                    <a:p>
+                      <a:pPr marL="0" lvl="0" indent="0">
+                        <a:buNone/>
+                      </a:pPr>
+                      <a:r>
+                        <a:t>three</a:t>
+                      </a:r>
+                    </a:p>
+                  </a:txBody>
+                  <a:tcPr/>
+                </a:tc>
+                <a:tc>
+                  <a:txBody>
+                    <a:bodyPr/>
+                    <a:lstStyle/>
+                    <a:p>
+                      <a:pPr marL="0" lvl="0" indent="0">
+                        <a:buNone/>
+                      </a:pPr>
+                      <a:r>
+                        <a:t>four</a:t>
+                      </a:r>
+                    </a:p>
+                  </a:txBody>
+                  <a:tcPr/>
+                </a:tc>
+                <a:tc>
+                  <a:txBody>
+                    <a:bodyPr/>
+                    <a:lstStyle/>
+                    <a:p>
+                      <a:pPr marL="0" lvl="0" indent="0">
+                        <a:buNone/>
+                      </a:pPr>
+                      <a:r>
+                        <a:t>five</a:t>
+                      </a:r>
+                    </a:p>
+                  </a:txBody>
+                  <a:tcPr/>
+                </a:tc>
+                <a:extLst>
+                  <a:ext uri="{0D108BD9-81ED-4DB2-BD59-A6C34878D82A}">
+                    <a16:rowId xmlns:a16="http://schemas.microsoft.com/office/drawing/2014/main" val="10000"/>
+                  </a:ext>
+                </a:extLst>
+              </a:tr>
+              <a:tr h="0">
+                <a:tc>
+                  <a:txBody>
+                    <a:bodyPr/>
+                    <a:lstStyle/>
+                    <a:p>
+                      <a:pPr marL="0" lvl="0" indent="0">
+                        <a:buNone/>
+                      </a:pPr>
+                      <a:r>
+                        <a:t>a</a:t>
+                      </a:r>
+                    </a:p>
+                  </a:txBody>
+                  <a:tcPr/>
+                </a:tc>
+                <a:tc>
+                  <a:txBody>
+                    <a:bodyPr/>
+                    <a:lstStyle/>
+                    <a:p>
+                      <a:pPr marL="0" lvl="0" indent="0">
+                        <a:buNone/>
+                      </a:pPr>
+                      <a:r>
+                        <a:t>1</a:t>
+                      </a:r>
+                    </a:p>
+                  </a:txBody>
+                  <a:tcPr/>
+                </a:tc>
+                <a:tc>
+                  <a:txBody>
+                    <a:bodyPr/>
+                    <a:lstStyle/>
+                    <a:p>
+                      <a:pPr marL="0" lvl="0" indent="0">
+                        <a:buNone/>
+                      </a:pPr>
+                      <a:r>
+                        <a:t>2</a:t>
+                      </a:r>
+                    </a:p>
+                  </a:txBody>
+                  <a:tcPr/>
+                </a:tc>
+                <a:tc>
+                  <a:txBody>
+                    <a:bodyPr/>
+                    <a:lstStyle/>
+                    <a:p>
+                      <a:pPr marL="0" lvl="0" indent="0">
+                        <a:buNone/>
+                      </a:pPr>
+                      <a:r>
+                        <a:t>3</a:t>
+                      </a:r>
+                    </a:p>
+                  </a:txBody>
+                  <a:tcPr/>
+                </a:tc>
+                <a:tc>
+                  <a:txBody>
+                    <a:bodyPr/>
+                    <a:lstStyle/>
+                    <a:p>
+                      <a:pPr marL="0" lvl="0" indent="0">
+                        <a:buNone/>
+                      </a:pPr>
+                      <a:r>
+                        <a:t>4</a:t>
+                      </a:r>
+                    </a:p>
+                  </a:txBody>
+                  <a:tcPr/>
+                </a:tc>
+                <a:extLst>
+                  <a:ext uri="{0D108BD9-81ED-4DB2-BD59-A6C34878D82A}">
+                    <a16:rowId xmlns:a16="http://schemas.microsoft.com/office/drawing/2014/main" val="10001"/>
+                  </a:ext>
+                </a:extLst>
+              </a:tr>
+              <a:tr h="0">
+                <a:tc>
+                  <a:txBody>
+                    <a:bodyPr/>
+                    <a:lstStyle/>
+                    <a:p>
+                      <a:pPr marL="0" lvl="0" indent="0">
+                        <a:buNone/>
+                      </a:pPr>
+                      <a:r>
+                        <a:t>b</a:t>
+                      </a:r>
+                    </a:p>
+                  </a:txBody>
+                  <a:tcPr/>
+                </a:tc>
+                <a:tc>
+                  <a:txBody>
+                    <a:bodyPr/>
+                    <a:lstStyle/>
+                    <a:p>
+                      <a:pPr marL="0" lvl="0" indent="0">
+                        <a:buNone/>
+                      </a:pPr>
+                      <a:r>
+                        <a:t>1</a:t>
+                      </a:r>
+                    </a:p>
+                  </a:txBody>
+                  <a:tcPr/>
+                </a:tc>
+                <a:tc>
+                  <a:txBody>
+                    <a:bodyPr/>
+                    <a:lstStyle/>
+                    <a:p>
+                      <a:pPr marL="0" lvl="0" indent="0">
+                        <a:buNone/>
+                      </a:pPr>
+                      <a:r>
+                        <a:t>2</a:t>
+                      </a:r>
+                    </a:p>
+                  </a:txBody>
+                  <a:tcPr/>
+                </a:tc>
+                <a:tc>
+                  <a:txBody>
+                    <a:bodyPr/>
+                    <a:lstStyle/>
+                    <a:p>
+                      <a:pPr marL="0" lvl="0" indent="0">
+                        <a:buNone/>
+                      </a:pPr>
+                      <a:r>
+                        <a:t>3</a:t>
+                      </a:r>
+                    </a:p>
+                  </a:txBody>
+                  <a:tcPr/>
+                </a:tc>
+                <a:tc>
+                  <a:txBody>
+                    <a:bodyPr/>
+                    <a:lstStyle/>
+                    <a:p>
+                      <a:pPr marL="0" lvl="0" indent="0">
+                        <a:buNone/>
+                      </a:pPr>
+                      <a:r>
+                        <a:t>4</a:t>
+                      </a:r>
+                    </a:p>
+                  </a:txBody>
+                  <a:tcPr/>
+                </a:tc>
+                <a:extLst>
+                  <a:ext uri="{0D108BD9-81ED-4DB2-BD59-A6C34878D82A}">
+                    <a16:rowId xmlns:a16="http://schemas.microsoft.com/office/drawing/2014/main" val="10002"/>
+                  </a:ext>
+                </a:extLst>
+              </a:tr>
+            </a:tbl>
+          </a:graphicData>
+        </a:graphic>
+      </p:graphicFrame>
+    </p:spTree>
+  </p:cSld>
+  <p:clrMapOvr>
+    <a:masterClrMapping/>
+  </p:clrMapOvr>
+</p:sld>
+</file>
+
+<file path=ppt/slides/slide13.xml><?xml version="1.0" encoding="utf-8"?>
+<p:sld xmlns:a="http://schemas.openxmlformats.org/drawingml/2006/main" xmlns:r="http://schemas.openxmlformats.org/officeDocument/2006/relationships" xmlns:p="http://schemas.openxmlformats.org/presentationml/2006/main">
+  <p:cSld>
+    <p:spTree>
+      <p:nvGrpSpPr>
+        <p:cNvPr id="1" name=""/>
+        <p:cNvGrpSpPr/>
+        <p:nvPr/>
+      </p:nvGrpSpPr>
+      <p:grpSpPr>
+        <a:xfrm>
+          <a:off x="0" y="0"/>
+          <a:ext cx="0" cy="0"/>
+          <a:chOff x="0" y="0"/>
+          <a:chExt cx="0" cy="0"/>
+        </a:xfrm>
+      </p:grpSpPr>
+      <p:sp>
+        <p:nvSpPr>
+          <p:cNvPr id="2" name="Title 1"/>
+          <p:cNvSpPr>
+            <a:spLocks noGrp="1"/>
+          </p:cNvSpPr>
+          <p:nvPr>
+            <p:ph type="title"/>
+          </p:nvPr>
+        </p:nvSpPr>
+        <p:spPr/>
+        <p:txBody>
+          <a:bodyPr/>
+          <a:lstStyle/>
+          <a:p>
+            <a:r>
+              <a:t>Title (Slide 11)</a:t>
+            </a:r>
+          </a:p>
+        </p:txBody>
+      </p:sp>
+      <p:graphicFrame>
+        <p:nvGraphicFramePr>
+          <p:cNvPr id="6" name="Content Placeholder 5"/>
+          <p:cNvGraphicFramePr>
+            <a:graphicFrameLocks noGrp="1"/>
+          </p:cNvGraphicFramePr>
+          <p:nvPr>
+            <p:ph idx="1"/>
+          </p:nvPr>
+        </p:nvGraphicFramePr>
+        <p:xfrm>
+          <a:off x="2286000" y="2286000"/>
+          <a:ext cx="7289800" cy="4013200"/>
+        </p:xfrm>
+        <a:graphic>
+          <a:graphicData uri="http://schemas.openxmlformats.org/drawingml/2006/table">
+            <a:tbl>
+              <a:tblPr firstRow="1" bandRow="1">
+                <a:tableStyleId>{5C22544A-7EE6-4342-B048-85BDC9FD1C3A}</a:tableStyleId>
+              </a:tblPr>
+              <a:tblGrid>
+                <a:gridCol w="1447800">
+                  <a:extLst>
+                    <a:ext uri="{9D8B030D-6E8A-4147-A177-3AD203B41FA5}">
+                      <a16:colId xmlns:a16="http://schemas.microsoft.com/office/drawing/2014/main" val="20000"/>
+                    </a:ext>
+                  </a:extLst>
+                </a:gridCol>
+                <a:gridCol w="1447800">
+                  <a:extLst>
+                    <a:ext uri="{9D8B030D-6E8A-4147-A177-3AD203B41FA5}">
+                      <a16:colId xmlns:a16="http://schemas.microsoft.com/office/drawing/2014/main" val="20001"/>
+                    </a:ext>
+                  </a:extLst>
+                </a:gridCol>
+                <a:gridCol w="1447800">
+                  <a:extLst>
+                    <a:ext uri="{9D8B030D-6E8A-4147-A177-3AD203B41FA5}">
+                      <a16:colId xmlns:a16="http://schemas.microsoft.com/office/drawing/2014/main" val="20002"/>
+                    </a:ext>
+                  </a:extLst>
+                </a:gridCol>
+                <a:gridCol w="1447800">
+                  <a:extLst>
+                    <a:ext uri="{9D8B030D-6E8A-4147-A177-3AD203B41FA5}">
+                      <a16:colId xmlns:a16="http://schemas.microsoft.com/office/drawing/2014/main" val="20003"/>
+                    </a:ext>
+                  </a:extLst>
+                </a:gridCol>
+                <a:gridCol w="1447800">
+                  <a:extLst>
+                    <a:ext uri="{9D8B030D-6E8A-4147-A177-3AD203B41FA5}">
+                      <a16:colId xmlns:a16="http://schemas.microsoft.com/office/drawing/2014/main" val="20004"/>
+                    </a:ext>
+                  </a:extLst>
+                </a:gridCol>
+              </a:tblGrid>
+              <a:tr h="0">
+                <a:tc>
+                  <a:txBody>
+                    <a:bodyPr/>
+                    <a:lstStyle/>
+                    <a:p>
+                      <a:endParaRPr/>
+                    </a:p>
+                  </a:txBody>
+                  <a:tcPr/>
+                </a:tc>
+                <a:tc>
+                  <a:txBody>
+                    <a:bodyPr/>
+                    <a:lstStyle/>
+                    <a:p>
+                      <a:pPr marL="0" lvl="0" indent="0" algn="r">
+                        <a:buNone/>
+                      </a:pPr>
+                      <a:r>
+                        <a:t>cyl</a:t>
+                      </a:r>
+                    </a:p>
+                  </a:txBody>
+                  <a:tcPr/>
+                </a:tc>
+                <a:tc>
+                  <a:txBody>
+                    <a:bodyPr/>
+                    <a:lstStyle/>
+                    <a:p>
+                      <a:pPr marL="0" lvl="0" indent="0" algn="r">
+                        <a:buNone/>
+                      </a:pPr>
+                      <a:r>
+                        <a:t>disp</a:t>
+                      </a:r>
+                    </a:p>
+                  </a:txBody>
+                  <a:tcPr/>
+                </a:tc>
+                <a:tc>
+                  <a:txBody>
+                    <a:bodyPr/>
+                    <a:lstStyle/>
+                    <a:p>
+                      <a:pPr marL="0" lvl="0" indent="0" algn="r">
+                        <a:buNone/>
+                      </a:pPr>
+                      <a:r>
+                        <a:t>hp</a:t>
+                      </a:r>
+                    </a:p>
+                  </a:txBody>
+                  <a:tcPr/>
+                </a:tc>
+                <a:tc>
+                  <a:txBody>
+                    <a:bodyPr/>
+                    <a:lstStyle/>
+                    <a:p>
+                      <a:pPr marL="0" lvl="0" indent="0" algn="r">
+                        <a:buNone/>
+                      </a:pPr>
+                      <a:r>
+                        <a:t>drat</a:t>
+                      </a:r>
+                    </a:p>
+                  </a:txBody>
+                  <a:tcPr/>
+                </a:tc>
+                <a:extLst>
+                  <a:ext uri="{0D108BD9-81ED-4DB2-BD59-A6C34878D82A}">
+                    <a16:rowId xmlns:a16="http://schemas.microsoft.com/office/drawing/2014/main" val="10000"/>
+                  </a:ext>
+                </a:extLst>
+              </a:tr>
+              <a:tr h="0">
+                <a:tc>
+                  <a:txBody>
+                    <a:bodyPr/>
+                    <a:lstStyle/>
+                    <a:p>
+                      <a:pPr marL="0" lvl="0" indent="0">
+                        <a:buNone/>
+                      </a:pPr>
+                      <a:r>
+                        <a:t>Mazda RX4</a:t>
+                      </a:r>
+                    </a:p>
+                  </a:txBody>
+                  <a:tcPr/>
+                </a:tc>
+                <a:tc>
+                  <a:txBody>
+                    <a:bodyPr/>
+                    <a:lstStyle/>
+                    <a:p>
+                      <a:pPr marL="0" lvl="0" indent="0" algn="r">
+                        <a:buNone/>
+                      </a:pPr>
+                      <a:r>
+                        <a:t>6</a:t>
+                      </a:r>
+                    </a:p>
+                  </a:txBody>
+                  <a:tcPr/>
+                </a:tc>
+                <a:tc>
+                  <a:txBody>
+                    <a:bodyPr/>
+                    <a:lstStyle/>
+                    <a:p>
+                      <a:pPr marL="0" lvl="0" indent="0" algn="r">
+                        <a:buNone/>
+                      </a:pPr>
+                      <a:r>
+                        <a:t>160</a:t>
+                      </a:r>
+                    </a:p>
+                  </a:txBody>
+                  <a:tcPr/>
+                </a:tc>
+                <a:tc>
+                  <a:txBody>
+                    <a:bodyPr/>
+                    <a:lstStyle/>
+                    <a:p>
+                      <a:pPr marL="0" lvl="0" indent="0" algn="r">
+                        <a:buNone/>
+                      </a:pPr>
+                      <a:r>
+                        <a:t>110</a:t>
+                      </a:r>
+                    </a:p>
+                  </a:txBody>
+                  <a:tcPr/>
+                </a:tc>
+                <a:tc>
+                  <a:txBody>
+                    <a:bodyPr/>
+                    <a:lstStyle/>
+                    <a:p>
+                      <a:pPr marL="0" lvl="0" indent="0" algn="r">
+                        <a:buNone/>
+                      </a:pPr>
+                      <a:r>
+                        <a:t>3.90</a:t>
+                      </a:r>
+                    </a:p>
+                  </a:txBody>
+                  <a:tcPr/>
+                </a:tc>
+                <a:extLst>
+                  <a:ext uri="{0D108BD9-81ED-4DB2-BD59-A6C34878D82A}">
+                    <a16:rowId xmlns:a16="http://schemas.microsoft.com/office/drawing/2014/main" val="10001"/>
+                  </a:ext>
+                </a:extLst>
+              </a:tr>
+              <a:tr h="0">
+                <a:tc>
+                  <a:txBody>
+                    <a:bodyPr/>
+                    <a:lstStyle/>
+                    <a:p>
+                      <a:pPr marL="0" lvl="0" indent="0">
+                        <a:buNone/>
+                      </a:pPr>
+                      <a:r>
+                        <a:t>Mazda RX4 Wag</a:t>
+                      </a:r>
+                    </a:p>
+                  </a:txBody>
+                  <a:tcPr/>
+                </a:tc>
+                <a:tc>
+                  <a:txBody>
+                    <a:bodyPr/>
+                    <a:lstStyle/>
+                    <a:p>
+                      <a:pPr marL="0" lvl="0" indent="0" algn="r">
+                        <a:buNone/>
+                      </a:pPr>
+                      <a:r>
+                        <a:t>6</a:t>
+                      </a:r>
+                    </a:p>
+                  </a:txBody>
+                  <a:tcPr/>
+                </a:tc>
+                <a:tc>
+                  <a:txBody>
+                    <a:bodyPr/>
+                    <a:lstStyle/>
+                    <a:p>
+                      <a:pPr marL="0" lvl="0" indent="0" algn="r">
+                        <a:buNone/>
+                      </a:pPr>
+                      <a:r>
+                        <a:t>160</a:t>
+                      </a:r>
+                    </a:p>
+                  </a:txBody>
+                  <a:tcPr/>
+                </a:tc>
+                <a:tc>
+                  <a:txBody>
+                    <a:bodyPr/>
+                    <a:lstStyle/>
+                    <a:p>
+                      <a:pPr marL="0" lvl="0" indent="0" algn="r">
+                        <a:buNone/>
+                      </a:pPr>
+                      <a:r>
+                        <a:t>110</a:t>
+                      </a:r>
+                    </a:p>
+                  </a:txBody>
+                  <a:tcPr/>
+                </a:tc>
+                <a:tc>
+                  <a:txBody>
+                    <a:bodyPr/>
+                    <a:lstStyle/>
+                    <a:p>
+                      <a:pPr marL="0" lvl="0" indent="0" algn="r">
+                        <a:buNone/>
+                      </a:pPr>
+                      <a:r>
+                        <a:t>3.90</a:t>
+                      </a:r>
+                    </a:p>
+                  </a:txBody>
+                  <a:tcPr/>
+                </a:tc>
+                <a:extLst>
+                  <a:ext uri="{0D108BD9-81ED-4DB2-BD59-A6C34878D82A}">
+                    <a16:rowId xmlns:a16="http://schemas.microsoft.com/office/drawing/2014/main" val="10002"/>
+                  </a:ext>
+                </a:extLst>
+              </a:tr>
+              <a:tr h="0">
+                <a:tc>
+                  <a:txBody>
+                    <a:bodyPr/>
+                    <a:lstStyle/>
+                    <a:p>
+                      <a:pPr marL="0" lvl="0" indent="0">
+                        <a:buNone/>
+                      </a:pPr>
+                      <a:r>
+                        <a:t>Datsun 710</a:t>
+                      </a:r>
+                    </a:p>
+                  </a:txBody>
+                  <a:tcPr/>
+                </a:tc>
+                <a:tc>
+                  <a:txBody>
+                    <a:bodyPr/>
+                    <a:lstStyle/>
+                    <a:p>
+                      <a:pPr marL="0" lvl="0" indent="0" algn="r">
+                        <a:buNone/>
+                      </a:pPr>
+                      <a:r>
+                        <a:t>4</a:t>
+                      </a:r>
+                    </a:p>
+                  </a:txBody>
+                  <a:tcPr/>
+                </a:tc>
+                <a:tc>
+                  <a:txBody>
+                    <a:bodyPr/>
+                    <a:lstStyle/>
+                    <a:p>
+                      <a:pPr marL="0" lvl="0" indent="0" algn="r">
+                        <a:buNone/>
+                      </a:pPr>
+                      <a:r>
+                        <a:t>108</a:t>
+                      </a:r>
+                    </a:p>
+                  </a:txBody>
+                  <a:tcPr/>
+                </a:tc>
+                <a:tc>
+                  <a:txBody>
+                    <a:bodyPr/>
+                    <a:lstStyle/>
+                    <a:p>
+                      <a:pPr marL="0" lvl="0" indent="0" algn="r">
+                        <a:buNone/>
+                      </a:pPr>
+                      <a:r>
+                        <a:t>93</a:t>
+                      </a:r>
+                    </a:p>
+                  </a:txBody>
+                  <a:tcPr/>
+                </a:tc>
+                <a:tc>
+                  <a:txBody>
+                    <a:bodyPr/>
+                    <a:lstStyle/>
+                    <a:p>
+                      <a:pPr marL="0" lvl="0" indent="0" algn="r">
+                        <a:buNone/>
+                      </a:pPr>
+                      <a:r>
+                        <a:t>3.85</a:t>
+                      </a:r>
+                    </a:p>
+                  </a:txBody>
+                  <a:tcPr/>
+                </a:tc>
+                <a:extLst>
+                  <a:ext uri="{0D108BD9-81ED-4DB2-BD59-A6C34878D82A}">
+                    <a16:rowId xmlns:a16="http://schemas.microsoft.com/office/drawing/2014/main" val="10003"/>
+                  </a:ext>
+                </a:extLst>
+              </a:tr>
+            </a:tbl>
+          </a:graphicData>
+        </a:graphic>
+      </p:graphicFrame>
+    </p:spTree>
+  </p:cSld>
+  <p:clrMapOvr>
+    <a:masterClrMapping/>
+  </p:clrMapOvr>
+</p:sld>
+</file>
+
+<file path=ppt/slides/slide14.xml><?xml version="1.0" encoding="utf-8"?>
+<p:sld xmlns:a="http://schemas.openxmlformats.org/drawingml/2006/main" xmlns:r="http://schemas.openxmlformats.org/officeDocument/2006/relationships" xmlns:p="http://schemas.openxmlformats.org/presentationml/2006/main">
+  <p:cSld>
+    <p:spTree>
+      <p:nvGrpSpPr>
+        <p:cNvPr id="1" name=""/>
+        <p:cNvGrpSpPr/>
+        <p:nvPr/>
+      </p:nvGrpSpPr>
+      <p:grpSpPr>
+        <a:xfrm>
+          <a:off x="0" y="0"/>
+          <a:ext cx="0" cy="0"/>
+          <a:chOff x="0" y="0"/>
+          <a:chExt cx="0" cy="0"/>
+        </a:xfrm>
+      </p:grpSpPr>
+      <p:sp>
+        <p:nvSpPr>
+          <p:cNvPr id="2" name="Title 1"/>
+          <p:cNvSpPr>
+            <a:spLocks noGrp="1"/>
+          </p:cNvSpPr>
+          <p:nvPr>
+            <p:ph type="title"/>
+          </p:nvPr>
+        </p:nvSpPr>
+        <p:spPr/>
+        <p:txBody>
+          <a:bodyPr/>
+          <a:lstStyle/>
+          <a:p>
+            <a:r>
+              <a:t>Title (Slide 12)</a:t>
+            </a:r>
+          </a:p>
+        </p:txBody>
+      </p:sp>
+      <p:sp>
+        <p:nvSpPr>
+          <p:cNvPr id="3" name="Content Placeholder 2"/>
+          <p:cNvSpPr>
+            <a:spLocks noGrp="1"/>
+          </p:cNvSpPr>
+          <p:nvPr>
+            <p:ph sz="half" idx="1"/>
+          </p:nvPr>
+        </p:nvSpPr>
+        <p:spPr/>
+        <p:txBody>
+          <a:bodyPr/>
+          <a:lstStyle/>
+          <a:p>
+            <a:pPr marL="0" indent="0">
+              <a:buNone/>
+            </a:pPr>
+            <a:r>
+              <a:t>Column 1</a:t>
+            </a:r>
+          </a:p>
+        </p:txBody>
+      </p:sp>
+      <p:graphicFrame>
+        <p:nvGraphicFramePr>
+          <p:cNvPr id="6" name="Content Placeholder 5"/>
+          <p:cNvGraphicFramePr>
+            <a:graphicFrameLocks noGrp="1"/>
+          </p:cNvGraphicFramePr>
+          <p:nvPr>
+            <p:ph sz="half" idx="2"/>
+          </p:nvPr>
+        </p:nvGraphicFramePr>
+        <p:xfrm>
+          <a:off x="6007100" y="2286000"/>
+          <a:ext cx="3556000" cy="2560320"/>
+        </p:xfrm>
+        <a:graphic>
+          <a:graphicData uri="http://schemas.openxmlformats.org/drawingml/2006/table">
+            <a:tbl>
+              <a:tblPr firstRow="1" bandRow="1">
+                <a:tableStyleId>{5C22544A-7EE6-4342-B048-85BDC9FD1C3A}</a:tableStyleId>
+              </a:tblPr>
+              <a:tblGrid>
+                <a:gridCol w="711200">
+                  <a:extLst>
+                    <a:ext uri="{9D8B030D-6E8A-4147-A177-3AD203B41FA5}">
+                      <a16:colId xmlns:a16="http://schemas.microsoft.com/office/drawing/2014/main" val="20000"/>
+                    </a:ext>
+                  </a:extLst>
+                </a:gridCol>
+                <a:gridCol w="711200">
+                  <a:extLst>
+                    <a:ext uri="{9D8B030D-6E8A-4147-A177-3AD203B41FA5}">
+                      <a16:colId xmlns:a16="http://schemas.microsoft.com/office/drawing/2014/main" val="20001"/>
+                    </a:ext>
+                  </a:extLst>
+                </a:gridCol>
+                <a:gridCol w="711200">
+                  <a:extLst>
+                    <a:ext uri="{9D8B030D-6E8A-4147-A177-3AD203B41FA5}">
+                      <a16:colId xmlns:a16="http://schemas.microsoft.com/office/drawing/2014/main" val="20002"/>
+                    </a:ext>
+                  </a:extLst>
+                </a:gridCol>
+                <a:gridCol w="711200">
+                  <a:extLst>
+                    <a:ext uri="{9D8B030D-6E8A-4147-A177-3AD203B41FA5}">
+                      <a16:colId xmlns:a16="http://schemas.microsoft.com/office/drawing/2014/main" val="20003"/>
+                    </a:ext>
+                  </a:extLst>
+                </a:gridCol>
+                <a:gridCol w="711200">
+                  <a:extLst>
+                    <a:ext uri="{9D8B030D-6E8A-4147-A177-3AD203B41FA5}">
+                      <a16:colId xmlns:a16="http://schemas.microsoft.com/office/drawing/2014/main" val="20004"/>
+                    </a:ext>
+                  </a:extLst>
+                </a:gridCol>
+              </a:tblGrid>
+              <a:tr h="0">
+                <a:tc>
+                  <a:txBody>
+                    <a:bodyPr/>
+                    <a:lstStyle/>
+                    <a:p>
+                      <a:endParaRPr/>
+                    </a:p>
+                  </a:txBody>
+                  <a:tcPr/>
+                </a:tc>
+                <a:tc>
+                  <a:txBody>
+                    <a:bodyPr/>
+                    <a:lstStyle/>
+                    <a:p>
+                      <a:pPr marL="0" lvl="0" indent="0" algn="r">
+                        <a:buNone/>
+                      </a:pPr>
+                      <a:r>
+                        <a:t>cyl</a:t>
+                      </a:r>
+                    </a:p>
+                  </a:txBody>
+                  <a:tcPr/>
+                </a:tc>
+                <a:tc>
+                  <a:txBody>
+                    <a:bodyPr/>
+                    <a:lstStyle/>
+                    <a:p>
+                      <a:pPr marL="0" lvl="0" indent="0" algn="r">
+                        <a:buNone/>
+                      </a:pPr>
+                      <a:r>
+                        <a:t>disp</a:t>
+                      </a:r>
+                    </a:p>
+                  </a:txBody>
+                  <a:tcPr/>
+                </a:tc>
+                <a:tc>
+                  <a:txBody>
+                    <a:bodyPr/>
+                    <a:lstStyle/>
+                    <a:p>
+                      <a:pPr marL="0" lvl="0" indent="0" algn="r">
+                        <a:buNone/>
+                      </a:pPr>
+                      <a:r>
+                        <a:t>hp</a:t>
+                      </a:r>
+                    </a:p>
+                  </a:txBody>
+                  <a:tcPr/>
+                </a:tc>
+                <a:tc>
+                  <a:txBody>
+                    <a:bodyPr/>
+                    <a:lstStyle/>
+                    <a:p>
+                      <a:pPr marL="0" lvl="0" indent="0" algn="r">
+                        <a:buNone/>
+                      </a:pPr>
+                      <a:r>
+                        <a:t>drat</a:t>
+                      </a:r>
+                    </a:p>
+                  </a:txBody>
+                  <a:tcPr/>
+                </a:tc>
+                <a:extLst>
+                  <a:ext uri="{0D108BD9-81ED-4DB2-BD59-A6C34878D82A}">
+                    <a16:rowId xmlns:a16="http://schemas.microsoft.com/office/drawing/2014/main" val="10000"/>
+                  </a:ext>
+                </a:extLst>
+              </a:tr>
+              <a:tr h="0">
+                <a:tc>
+                  <a:txBody>
+                    <a:bodyPr/>
+                    <a:lstStyle/>
+                    <a:p>
+                      <a:pPr marL="0" lvl="0" indent="0">
+                        <a:buNone/>
+                      </a:pPr>
+                      <a:r>
+                        <a:t>Mazda RX4</a:t>
+                      </a:r>
+                    </a:p>
+                  </a:txBody>
+                  <a:tcPr/>
+                </a:tc>
+                <a:tc>
+                  <a:txBody>
+                    <a:bodyPr/>
+                    <a:lstStyle/>
+                    <a:p>
+                      <a:pPr marL="0" lvl="0" indent="0" algn="r">
+                        <a:buNone/>
+                      </a:pPr>
+                      <a:r>
+                        <a:t>6</a:t>
+                      </a:r>
+                    </a:p>
+                  </a:txBody>
+                  <a:tcPr/>
+                </a:tc>
+                <a:tc>
+                  <a:txBody>
+                    <a:bodyPr/>
+                    <a:lstStyle/>
+                    <a:p>
+                      <a:pPr marL="0" lvl="0" indent="0" algn="r">
+                        <a:buNone/>
+                      </a:pPr>
+                      <a:r>
+                        <a:t>160</a:t>
+                      </a:r>
+                    </a:p>
+                  </a:txBody>
+                  <a:tcPr/>
+                </a:tc>
+                <a:tc>
+                  <a:txBody>
+                    <a:bodyPr/>
+                    <a:lstStyle/>
+                    <a:p>
+                      <a:pPr marL="0" lvl="0" indent="0" algn="r">
+                        <a:buNone/>
+                      </a:pPr>
+                      <a:r>
+                        <a:t>110</a:t>
+                      </a:r>
+                    </a:p>
+                  </a:txBody>
+                  <a:tcPr/>
+                </a:tc>
+                <a:tc>
+                  <a:txBody>
+                    <a:bodyPr/>
+                    <a:lstStyle/>
+                    <a:p>
+                      <a:pPr marL="0" lvl="0" indent="0" algn="r">
+                        <a:buNone/>
+                      </a:pPr>
+                      <a:r>
+                        <a:t>3.90</a:t>
+                      </a:r>
+                    </a:p>
+                  </a:txBody>
+                  <a:tcPr/>
+                </a:tc>
+                <a:extLst>
+                  <a:ext uri="{0D108BD9-81ED-4DB2-BD59-A6C34878D82A}">
+                    <a16:rowId xmlns:a16="http://schemas.microsoft.com/office/drawing/2014/main" val="10001"/>
+                  </a:ext>
+                </a:extLst>
+              </a:tr>
+              <a:tr h="0">
+                <a:tc>
+                  <a:txBody>
+                    <a:bodyPr/>
+                    <a:lstStyle/>
+                    <a:p>
+                      <a:pPr marL="0" lvl="0" indent="0">
+                        <a:buNone/>
+                      </a:pPr>
+                      <a:r>
+                        <a:t>Mazda RX4 Wag</a:t>
+                      </a:r>
+                    </a:p>
+                  </a:txBody>
+                  <a:tcPr/>
+                </a:tc>
+                <a:tc>
+                  <a:txBody>
+                    <a:bodyPr/>
+                    <a:lstStyle/>
+                    <a:p>
+                      <a:pPr marL="0" lvl="0" indent="0" algn="r">
+                        <a:buNone/>
+                      </a:pPr>
+                      <a:r>
+                        <a:t>6</a:t>
+                      </a:r>
+                    </a:p>
+                  </a:txBody>
+                  <a:tcPr/>
+                </a:tc>
+                <a:tc>
+                  <a:txBody>
+                    <a:bodyPr/>
+                    <a:lstStyle/>
+                    <a:p>
+                      <a:pPr marL="0" lvl="0" indent="0" algn="r">
+                        <a:buNone/>
+                      </a:pPr>
+                      <a:r>
+                        <a:t>160</a:t>
+                      </a:r>
+                    </a:p>
+                  </a:txBody>
+                  <a:tcPr/>
+                </a:tc>
+                <a:tc>
+                  <a:txBody>
+                    <a:bodyPr/>
+                    <a:lstStyle/>
+                    <a:p>
+                      <a:pPr marL="0" lvl="0" indent="0" algn="r">
+                        <a:buNone/>
+                      </a:pPr>
+                      <a:r>
+                        <a:t>110</a:t>
+                      </a:r>
+                    </a:p>
+                  </a:txBody>
+                  <a:tcPr/>
+                </a:tc>
+                <a:tc>
+                  <a:txBody>
+                    <a:bodyPr/>
+                    <a:lstStyle/>
+                    <a:p>
+                      <a:pPr marL="0" lvl="0" indent="0" algn="r">
+                        <a:buNone/>
+                      </a:pPr>
+                      <a:r>
+                        <a:t>3.90</a:t>
+                      </a:r>
+                    </a:p>
+                  </a:txBody>
+                  <a:tcPr/>
+                </a:tc>
+                <a:extLst>
+                  <a:ext uri="{0D108BD9-81ED-4DB2-BD59-A6C34878D82A}">
+                    <a16:rowId xmlns:a16="http://schemas.microsoft.com/office/drawing/2014/main" val="10002"/>
+                  </a:ext>
+                </a:extLst>
+              </a:tr>
+              <a:tr h="0">
+                <a:tc>
+                  <a:txBody>
+                    <a:bodyPr/>
+                    <a:lstStyle/>
+                    <a:p>
+                      <a:pPr marL="0" lvl="0" indent="0">
+                        <a:buNone/>
+                      </a:pPr>
+                      <a:r>
+                        <a:t>Datsun 710</a:t>
+                      </a:r>
+                    </a:p>
+                  </a:txBody>
+                  <a:tcPr/>
+                </a:tc>
+                <a:tc>
+                  <a:txBody>
+                    <a:bodyPr/>
+                    <a:lstStyle/>
+                    <a:p>
+                      <a:pPr marL="0" lvl="0" indent="0" algn="r">
+                        <a:buNone/>
+                      </a:pPr>
+                      <a:r>
+                        <a:t>4</a:t>
+                      </a:r>
+                    </a:p>
+                  </a:txBody>
+                  <a:tcPr/>
+                </a:tc>
+                <a:tc>
+                  <a:txBody>
+                    <a:bodyPr/>
+                    <a:lstStyle/>
+                    <a:p>
+                      <a:pPr marL="0" lvl="0" indent="0" algn="r">
+                        <a:buNone/>
+                      </a:pPr>
+                      <a:r>
+                        <a:t>108</a:t>
+                      </a:r>
+                    </a:p>
+                  </a:txBody>
+                  <a:tcPr/>
+                </a:tc>
+                <a:tc>
+                  <a:txBody>
+                    <a:bodyPr/>
+                    <a:lstStyle/>
+                    <a:p>
+                      <a:pPr marL="0" lvl="0" indent="0" algn="r">
+                        <a:buNone/>
+                      </a:pPr>
+                      <a:r>
+                        <a:t>93</a:t>
+                      </a:r>
+                    </a:p>
+                  </a:txBody>
+                  <a:tcPr/>
+                </a:tc>
+                <a:tc>
+                  <a:txBody>
+                    <a:bodyPr/>
+                    <a:lstStyle/>
+                    <a:p>
+                      <a:pPr marL="0" lvl="0" indent="0" algn="r">
+                        <a:buNone/>
+                      </a:pPr>
+                      <a:r>
+                        <a:t>3.85</a:t>
+                      </a:r>
+                    </a:p>
+                  </a:txBody>
+                  <a:tcPr/>
+                </a:tc>
+                <a:extLst>
+                  <a:ext uri="{0D108BD9-81ED-4DB2-BD59-A6C34878D82A}">
+                    <a16:rowId xmlns:a16="http://schemas.microsoft.com/office/drawing/2014/main" val="10003"/>
+                  </a:ext>
+                </a:extLst>
+              </a:tr>
+            </a:tbl>
+          </a:graphicData>
+        </a:graphic>
+      </p:graphicFrame>
     </p:spTree>
   </p:cSld>
   <p:clrMapOvr>
@@ -3183,12 +5543,12 @@
       </p:grpSpPr>
       <p:sp>
         <p:nvSpPr>
-          <p:cNvPr id="3" name="Content Placeholder 2"/>
-          <p:cNvSpPr>
-            <a:spLocks noGrp="1"/>
-          </p:cNvSpPr>
-          <p:nvPr>
-            <p:ph idx="1"/>
+          <p:cNvPr id="2" name="Title 1"/>
+          <p:cNvSpPr>
+            <a:spLocks noGrp="1"/>
+          </p:cNvSpPr>
+          <p:nvPr>
+            <p:ph type="title"/>
           </p:nvPr>
         </p:nvSpPr>
         <p:spPr/>
@@ -3196,15 +5556,47 @@
           <a:bodyPr/>
           <a:lstStyle/>
           <a:p>
-            <a:pPr marL="0" lvl="0" indent="0">
-              <a:buNone/>
-            </a:pPr>
-            <a:r>
-              <a:t>#reference_pptx: “learning_team_presentation_style_reference.pptx”</a:t>
-            </a:r>
-          </a:p>
-        </p:txBody>
-      </p:sp>
+            <a:r>
+              <a:t>Section Header</a:t>
+            </a:r>
+          </a:p>
+        </p:txBody>
+      </p:sp>
+      <p:cxnSp>
+        <p:nvCxnSpPr>
+          <p:cNvPr id="8" name="Straight Connector 7"/>
+          <p:cNvCxnSpPr/>
+          <p:nvPr/>
+        </p:nvCxnSpPr>
+        <p:spPr>
+          <a:xfrm flipV="1">
+            <a:off x="7814132" y="5264106"/>
+            <a:ext cx="0" cy="914400"/>
+          </a:xfrm>
+          <a:prstGeom prst="line">
+            <a:avLst/>
+          </a:prstGeom>
+          <a:ln w="19050">
+            <a:solidFill>
+              <a:schemeClr val="accent3"/>
+            </a:solidFill>
+          </a:ln>
+        </p:spPr>
+        <p:style>
+          <a:lnRef idx="1">
+            <a:schemeClr val="accent1"/>
+          </a:lnRef>
+          <a:fillRef idx="0">
+            <a:schemeClr val="accent1"/>
+          </a:fillRef>
+          <a:effectRef idx="0">
+            <a:schemeClr val="accent1"/>
+          </a:effectRef>
+          <a:fontRef idx="minor">
+            <a:schemeClr val="tx1"/>
+          </a:fontRef>
+        </p:style>
+      </p:cxnSp>
     </p:spTree>
   </p:cSld>
   <p:clrMapOvr>
@@ -3232,12 +5624,12 @@
       </p:grpSpPr>
       <p:sp>
         <p:nvSpPr>
-          <p:cNvPr id="2" name="Title 1"/>
-          <p:cNvSpPr>
-            <a:spLocks noGrp="1"/>
-          </p:cNvSpPr>
-          <p:nvPr>
-            <p:ph type="title"/>
+          <p:cNvPr id="3" name="Content Placeholder 2"/>
+          <p:cNvSpPr>
+            <a:spLocks noGrp="1"/>
+          </p:cNvSpPr>
+          <p:nvPr>
+            <p:ph idx="1"/>
           </p:nvPr>
         </p:nvSpPr>
         <p:spPr/>
@@ -3245,59 +5637,11 @@
           <a:bodyPr/>
           <a:lstStyle/>
           <a:p>
-            <a:pPr marL="0" lvl="0" indent="0">
+            <a:pPr marL="0" indent="0">
               <a:buNone/>
             </a:pPr>
             <a:r>
-              <a:t>R Markdown</a:t>
-            </a:r>
-          </a:p>
-        </p:txBody>
-      </p:sp>
-      <p:sp>
-        <p:nvSpPr>
-          <p:cNvPr id="3" name="Content Placeholder 2"/>
-          <p:cNvSpPr>
-            <a:spLocks noGrp="1"/>
-          </p:cNvSpPr>
-          <p:nvPr>
-            <p:ph idx="1"/>
-          </p:nvPr>
-        </p:nvSpPr>
-        <p:spPr/>
-        <p:txBody>
-          <a:bodyPr/>
-          <a:lstStyle/>
-          <a:p>
-            <a:pPr marL="0" lvl="0" indent="0">
-              <a:buNone/>
-            </a:pPr>
-            <a:r>
-              <a:t>This is an R Markdown presentation. Markdown is a simple formatting syntax for authoring HTML, PDF, and MS Word documents. For more details on using R Markdown see </a:t>
-            </a:r>
-            <a:r>
-              <a:rPr>
-                <a:hlinkClick r:id="rId2"/>
-              </a:rPr>
-              <a:t>http://rmarkdown.rstudio.com</a:t>
-            </a:r>
-            <a:r>
-              <a:t>.</a:t>
-            </a:r>
-          </a:p>
-          <a:p>
-            <a:pPr marL="0" lvl="0" indent="0">
-              <a:buNone/>
-            </a:pPr>
-            <a:r>
-              <a:t>When you click the </a:t>
-            </a:r>
-            <a:r>
-              <a:rPr b="1"/>
-              <a:t>Knit</a:t>
-            </a:r>
-            <a:r>
-              <a:t> button a document will be generated that includes both content as well as the output of any embedded R code chunks within the document.</a:t>
+              <a:t>Stuff other than the section header</a:t>
             </a:r>
           </a:p>
         </p:txBody>
@@ -3342,49 +5686,47 @@
           <a:bodyPr/>
           <a:lstStyle/>
           <a:p>
-            <a:pPr marL="0" lvl="0" indent="0">
-              <a:buNone/>
-            </a:pPr>
-            <a:r>
-              <a:t>Slide with Bullets</a:t>
-            </a:r>
-          </a:p>
-        </p:txBody>
-      </p:sp>
-      <p:sp>
-        <p:nvSpPr>
-          <p:cNvPr id="3" name="Content Placeholder 2"/>
-          <p:cNvSpPr>
-            <a:spLocks noGrp="1"/>
-          </p:cNvSpPr>
-          <p:nvPr>
-            <p:ph idx="1"/>
-          </p:nvPr>
-        </p:nvSpPr>
-        <p:spPr/>
-        <p:txBody>
-          <a:bodyPr/>
-          <a:lstStyle/>
-          <a:p>
-            <a:pPr lvl="1"/>
-            <a:r>
-              <a:t>Bullet 1</a:t>
-            </a:r>
-          </a:p>
-          <a:p>
-            <a:pPr lvl="1"/>
-            <a:r>
-              <a:t>Bullet 2</a:t>
-            </a:r>
-          </a:p>
-          <a:p>
-            <a:pPr lvl="1"/>
-            <a:r>
-              <a:t>Bullet 3</a:t>
-            </a:r>
-          </a:p>
-        </p:txBody>
-      </p:sp>
+            <a:r>
+              <a:t>Section Header (Slide 2)</a:t>
+            </a:r>
+          </a:p>
+        </p:txBody>
+      </p:sp>
+      <p:cxnSp>
+        <p:nvCxnSpPr>
+          <p:cNvPr id="8" name="Straight Connector 7"/>
+          <p:cNvCxnSpPr/>
+          <p:nvPr/>
+        </p:nvCxnSpPr>
+        <p:spPr>
+          <a:xfrm flipV="1">
+            <a:off x="7814132" y="5264106"/>
+            <a:ext cx="0" cy="914400"/>
+          </a:xfrm>
+          <a:prstGeom prst="line">
+            <a:avLst/>
+          </a:prstGeom>
+          <a:ln w="19050">
+            <a:solidFill>
+              <a:schemeClr val="accent3"/>
+            </a:solidFill>
+          </a:ln>
+        </p:spPr>
+        <p:style>
+          <a:lnRef idx="1">
+            <a:schemeClr val="accent1"/>
+          </a:lnRef>
+          <a:fillRef idx="0">
+            <a:schemeClr val="accent1"/>
+          </a:fillRef>
+          <a:effectRef idx="0">
+            <a:schemeClr val="accent1"/>
+          </a:effectRef>
+          <a:fontRef idx="minor">
+            <a:schemeClr val="tx1"/>
+          </a:fontRef>
+        </p:style>
+      </p:cxnSp>
     </p:spTree>
   </p:cSld>
   <p:clrMapOvr>
@@ -3425,64 +5767,32 @@
           <a:bodyPr/>
           <a:lstStyle/>
           <a:p>
-            <a:pPr marL="0" lvl="0" indent="0">
+            <a:r>
+              <a:t>Title (Slide 3)</a:t>
+            </a:r>
+          </a:p>
+        </p:txBody>
+      </p:sp>
+      <p:sp>
+        <p:nvSpPr>
+          <p:cNvPr id="3" name="Content Placeholder 2"/>
+          <p:cNvSpPr>
+            <a:spLocks noGrp="1"/>
+          </p:cNvSpPr>
+          <p:nvPr>
+            <p:ph idx="1"/>
+          </p:nvPr>
+        </p:nvSpPr>
+        <p:spPr/>
+        <p:txBody>
+          <a:bodyPr/>
+          <a:lstStyle/>
+          <a:p>
+            <a:pPr marL="0" indent="0">
               <a:buNone/>
             </a:pPr>
             <a:r>
-              <a:t>Slide with R Output</a:t>
-            </a:r>
-          </a:p>
-        </p:txBody>
-      </p:sp>
-      <p:sp>
-        <p:nvSpPr>
-          <p:cNvPr id="3" name="Content Placeholder 2"/>
-          <p:cNvSpPr>
-            <a:spLocks noGrp="1"/>
-          </p:cNvSpPr>
-          <p:nvPr>
-            <p:ph idx="1"/>
-          </p:nvPr>
-        </p:nvSpPr>
-        <p:spPr/>
-        <p:txBody>
-          <a:bodyPr/>
-          <a:lstStyle/>
-          <a:p>
-            <a:pPr marL="1270000" lvl="0" indent="0">
-              <a:buNone/>
-            </a:pPr>
-            <a:r>
-              <a:rPr sz="1800" b="1">
-                <a:solidFill>
-                  <a:srgbClr val="007020"/>
-                </a:solidFill>
-                <a:latin typeface="Courier"/>
-              </a:rPr>
-              <a:t>summary</a:t>
-            </a:r>
-            <a:r>
-              <a:rPr sz="1800">
-                <a:latin typeface="Courier"/>
-              </a:rPr>
-              <a:t>(cars)</a:t>
-            </a:r>
-          </a:p>
-          <a:p>
-            <a:pPr marL="1270000" lvl="0" indent="0">
-              <a:buNone/>
-            </a:pPr>
-            <a:r>
-              <a:rPr sz="1800">
-                <a:latin typeface="Courier"/>
-              </a:rPr>
-              <a:t>##      speed           dist       
-##  Min.   : 4.0   Min.   :  2.00  
-##  1st Qu.:12.0   1st Qu.: 26.00  
-##  Median :15.0   Median : 36.00  
-##  Mean   :15.4   Mean   : 42.98  
-##  3rd Qu.:19.0   3rd Qu.: 56.00  
-##  Max.   :25.0   Max.   :120.00</a:t>
+              <a:t>Content</a:t>
             </a:r>
           </a:p>
         </p:txBody>
@@ -3527,18 +5837,283 @@
           <a:bodyPr/>
           <a:lstStyle/>
           <a:p>
-            <a:pPr marL="0" lvl="0" indent="0">
+            <a:r>
+              <a:t>Title (Slide 4)</a:t>
+            </a:r>
+          </a:p>
+        </p:txBody>
+      </p:sp>
+      <p:sp>
+        <p:nvSpPr>
+          <p:cNvPr id="3" name="Content Placeholder 2"/>
+          <p:cNvSpPr>
+            <a:spLocks noGrp="1"/>
+          </p:cNvSpPr>
+          <p:nvPr>
+            <p:ph idx="1"/>
+          </p:nvPr>
+        </p:nvSpPr>
+        <p:spPr/>
+        <p:txBody>
+          <a:bodyPr/>
+          <a:lstStyle/>
+          <a:p>
+            <a:pPr lvl="1"/>
+            <a:r>
+              <a:t>a</a:t>
+            </a:r>
+          </a:p>
+          <a:p>
+            <a:pPr lvl="1"/>
+            <a:r>
+              <a:t>nested</a:t>
+            </a:r>
+          </a:p>
+          <a:p>
+            <a:pPr lvl="2"/>
+            <a:r>
+              <a:t>bulleted</a:t>
+            </a:r>
+          </a:p>
+          <a:p>
+            <a:pPr lvl="2"/>
+            <a:r>
+              <a:t>list</a:t>
+            </a:r>
+          </a:p>
+          <a:p>
+            <a:pPr lvl="3"/>
+            <a:r>
+              <a:t>is</a:t>
+            </a:r>
+          </a:p>
+          <a:p>
+            <a:pPr lvl="3"/>
+            <a:r>
+              <a:t>good</a:t>
+            </a:r>
+          </a:p>
+          <a:p>
+            <a:pPr lvl="1"/>
+            <a:r>
+              <a:t>now</a:t>
+            </a:r>
+          </a:p>
+        </p:txBody>
+      </p:sp>
+    </p:spTree>
+  </p:cSld>
+  <p:clrMapOvr>
+    <a:masterClrMapping/>
+  </p:clrMapOvr>
+</p:sld>
+</file>
+
+<file path=ppt/slides/slide7.xml><?xml version="1.0" encoding="utf-8"?>
+<p:sld xmlns:a="http://schemas.openxmlformats.org/drawingml/2006/main" xmlns:r="http://schemas.openxmlformats.org/officeDocument/2006/relationships" xmlns:p="http://schemas.openxmlformats.org/presentationml/2006/main">
+  <p:cSld>
+    <p:spTree>
+      <p:nvGrpSpPr>
+        <p:cNvPr id="1" name=""/>
+        <p:cNvGrpSpPr/>
+        <p:nvPr/>
+      </p:nvGrpSpPr>
+      <p:grpSpPr>
+        <a:xfrm>
+          <a:off x="0" y="0"/>
+          <a:ext cx="0" cy="0"/>
+          <a:chOff x="0" y="0"/>
+          <a:chExt cx="0" cy="0"/>
+        </a:xfrm>
+      </p:grpSpPr>
+      <p:sp>
+        <p:nvSpPr>
+          <p:cNvPr id="2" name="Title 1"/>
+          <p:cNvSpPr>
+            <a:spLocks noGrp="1"/>
+          </p:cNvSpPr>
+          <p:nvPr>
+            <p:ph type="title"/>
+          </p:nvPr>
+        </p:nvSpPr>
+        <p:spPr/>
+        <p:txBody>
+          <a:bodyPr/>
+          <a:lstStyle/>
+          <a:p>
+            <a:r>
+              <a:t>Title (Slide 5)</a:t>
+            </a:r>
+          </a:p>
+        </p:txBody>
+      </p:sp>
+      <p:sp>
+        <p:nvSpPr>
+          <p:cNvPr id="3" name="Content Placeholder 2"/>
+          <p:cNvSpPr>
+            <a:spLocks noGrp="1"/>
+          </p:cNvSpPr>
+          <p:nvPr>
+            <p:ph idx="1"/>
+          </p:nvPr>
+        </p:nvSpPr>
+        <p:spPr/>
+        <p:txBody>
+          <a:bodyPr/>
+          <a:lstStyle/>
+          <a:p>
+            <a:pPr marL="0" indent="0">
               <a:buNone/>
             </a:pPr>
             <a:r>
-              <a:t>Slide with Plot</a:t>
+              <a:t>Content</a:t>
+            </a:r>
+          </a:p>
+        </p:txBody>
+      </p:sp>
+    </p:spTree>
+  </p:cSld>
+  <p:clrMapOvr>
+    <a:masterClrMapping/>
+  </p:clrMapOvr>
+</p:sld>
+</file>
+
+<file path=ppt/slides/slide8.xml><?xml version="1.0" encoding="utf-8"?>
+<p:sld xmlns:a="http://schemas.openxmlformats.org/drawingml/2006/main" xmlns:r="http://schemas.openxmlformats.org/officeDocument/2006/relationships" xmlns:p="http://schemas.openxmlformats.org/presentationml/2006/main">
+  <p:cSld>
+    <p:spTree>
+      <p:nvGrpSpPr>
+        <p:cNvPr id="1" name=""/>
+        <p:cNvGrpSpPr/>
+        <p:nvPr/>
+      </p:nvGrpSpPr>
+      <p:grpSpPr>
+        <a:xfrm>
+          <a:off x="0" y="0"/>
+          <a:ext cx="0" cy="0"/>
+          <a:chOff x="0" y="0"/>
+          <a:chExt cx="0" cy="0"/>
+        </a:xfrm>
+      </p:grpSpPr>
+      <p:sp>
+        <p:nvSpPr>
+          <p:cNvPr id="2" name="Title 1"/>
+          <p:cNvSpPr>
+            <a:spLocks noGrp="1"/>
+          </p:cNvSpPr>
+          <p:nvPr>
+            <p:ph type="title"/>
+          </p:nvPr>
+        </p:nvSpPr>
+        <p:spPr/>
+        <p:txBody>
+          <a:bodyPr/>
+          <a:lstStyle/>
+          <a:p>
+            <a:r>
+              <a:t>Title (Slide 6)</a:t>
+            </a:r>
+          </a:p>
+        </p:txBody>
+      </p:sp>
+      <p:sp>
+        <p:nvSpPr>
+          <p:cNvPr id="3" name="Content Placeholder 2"/>
+          <p:cNvSpPr>
+            <a:spLocks noGrp="1"/>
+          </p:cNvSpPr>
+          <p:nvPr>
+            <p:ph sz="half" idx="1"/>
+          </p:nvPr>
+        </p:nvSpPr>
+        <p:spPr/>
+        <p:txBody>
+          <a:bodyPr/>
+          <a:lstStyle/>
+          <a:p>
+            <a:pPr marL="0" indent="0">
+              <a:buNone/>
+            </a:pPr>
+            <a:r>
+              <a:t>Column 1</a:t>
+            </a:r>
+          </a:p>
+        </p:txBody>
+      </p:sp>
+      <p:sp>
+        <p:nvSpPr>
+          <p:cNvPr id="4" name="Content Placeholder 3"/>
+          <p:cNvSpPr>
+            <a:spLocks noGrp="1"/>
+          </p:cNvSpPr>
+          <p:nvPr>
+            <p:ph sz="half" idx="2"/>
+          </p:nvPr>
+        </p:nvSpPr>
+        <p:spPr/>
+        <p:txBody>
+          <a:bodyPr/>
+          <a:lstStyle/>
+          <a:p>
+            <a:pPr marL="0" indent="0">
+              <a:buNone/>
+            </a:pPr>
+            <a:r>
+              <a:t>Column 2</a:t>
+            </a:r>
+          </a:p>
+        </p:txBody>
+      </p:sp>
+    </p:spTree>
+  </p:cSld>
+  <p:clrMapOvr>
+    <a:masterClrMapping/>
+  </p:clrMapOvr>
+</p:sld>
+</file>
+
+<file path=ppt/slides/slide9.xml><?xml version="1.0" encoding="utf-8"?>
+<p:sld xmlns:a="http://schemas.openxmlformats.org/drawingml/2006/main" xmlns:r="http://schemas.openxmlformats.org/officeDocument/2006/relationships" xmlns:p="http://schemas.openxmlformats.org/presentationml/2006/main">
+  <p:cSld>
+    <p:spTree>
+      <p:nvGrpSpPr>
+        <p:cNvPr id="1" name=""/>
+        <p:cNvGrpSpPr/>
+        <p:nvPr/>
+      </p:nvGrpSpPr>
+      <p:grpSpPr>
+        <a:xfrm>
+          <a:off x="0" y="0"/>
+          <a:ext cx="0" cy="0"/>
+          <a:chOff x="0" y="0"/>
+          <a:chExt cx="0" cy="0"/>
+        </a:xfrm>
+      </p:grpSpPr>
+      <p:sp>
+        <p:nvSpPr>
+          <p:cNvPr id="2" name="Title 1"/>
+          <p:cNvSpPr>
+            <a:spLocks noGrp="1"/>
+          </p:cNvSpPr>
+          <p:nvPr>
+            <p:ph type="title"/>
+          </p:nvPr>
+        </p:nvSpPr>
+        <p:spPr/>
+        <p:txBody>
+          <a:bodyPr/>
+          <a:lstStyle/>
+          <a:p>
+            <a:r>
+              <a:t>Title (Slide 7)</a:t>
             </a:r>
           </a:p>
         </p:txBody>
       </p:sp>
       <p:pic>
         <p:nvPicPr>
-          <p:cNvPr id="3" name="Picture 1" descr="learning_team_presentation_files/figure-pptx/pressure-1.png"/>
+          <p:cNvPr id="3" name="Picture 1" descr="learning_team_presentation_files/figure-pptx/example-1.png"/>
           <p:cNvPicPr>
             <a:picLocks noGrp="1" noChangeAspect="1"/>
           </p:cNvPicPr>
@@ -3552,8 +6127,8 @@
         </p:blipFill>
         <p:spPr bwMode="auto">
           <a:xfrm>
-            <a:off x="1752600" y="1600200"/>
-            <a:ext cx="5651500" cy="4521200"/>
+            <a:off x="2425700" y="2286000"/>
+            <a:ext cx="7010400" cy="3505200"/>
           </a:xfrm>
           <a:prstGeom prst="rect">
             <a:avLst/>
@@ -3566,6 +6141,33 @@
           </a:ln>
         </p:spPr>
       </p:pic>
+      <p:sp>
+        <p:nvSpPr>
+          <p:cNvPr id="4" name="TextBox 3"/>
+          <p:cNvSpPr txBox="1"/>
+          <p:nvPr/>
+        </p:nvSpPr>
+        <p:spPr>
+          <a:xfrm>
+            <a:off x="2286000" y="5791200"/>
+            <a:ext cx="7289800" cy="508000"/>
+          </a:xfrm>
+          <a:prstGeom prst="rect">
+            <a:avLst/>
+          </a:prstGeom>
+          <a:noFill/>
+        </p:spPr>
+        <p:txBody>
+          <a:bodyPr/>
+          <a:lstStyle/>
+          <a:p>
+            <a:pPr algn="ctr"/>
+            <a:r>
+              <a:t>a caption!</a:t>
+            </a:r>
+          </a:p>
+        </p:txBody>
+      </p:sp>
     </p:spTree>
   </p:cSld>
   <p:clrMapOvr>
@@ -3575,6 +6177,213 @@
 </file>
 
 <file path=ppt/theme/theme1.xml><?xml version="1.0" encoding="utf-8"?>
+<a:theme xmlns:a="http://schemas.openxmlformats.org/drawingml/2006/main" name="Integral">
+  <a:themeElements>
+    <a:clrScheme name="Green">
+      <a:dk1>
+        <a:sysClr val="windowText" lastClr="000000"/>
+      </a:dk1>
+      <a:lt1>
+        <a:sysClr val="window" lastClr="FFFFFF"/>
+      </a:lt1>
+      <a:dk2>
+        <a:srgbClr val="455F51"/>
+      </a:dk2>
+      <a:lt2>
+        <a:srgbClr val="E3DED1"/>
+      </a:lt2>
+      <a:accent1>
+        <a:srgbClr val="549E39"/>
+      </a:accent1>
+      <a:accent2>
+        <a:srgbClr val="8AB833"/>
+      </a:accent2>
+      <a:accent3>
+        <a:srgbClr val="C0CF3A"/>
+      </a:accent3>
+      <a:accent4>
+        <a:srgbClr val="029676"/>
+      </a:accent4>
+      <a:accent5>
+        <a:srgbClr val="4AB5C4"/>
+      </a:accent5>
+      <a:accent6>
+        <a:srgbClr val="0989B1"/>
+      </a:accent6>
+      <a:hlink>
+        <a:srgbClr val="6B9F25"/>
+      </a:hlink>
+      <a:folHlink>
+        <a:srgbClr val="BA6906"/>
+      </a:folHlink>
+    </a:clrScheme>
+    <a:fontScheme name="Franklin Gothic Cond">
+      <a:majorFont>
+        <a:latin typeface="Franklin Gothic Demi Cond"/>
+        <a:ea typeface=""/>
+        <a:cs typeface=""/>
+      </a:majorFont>
+      <a:minorFont>
+        <a:latin typeface="Franklin Gothic Medium Cond"/>
+        <a:ea typeface=""/>
+        <a:cs typeface=""/>
+      </a:minorFont>
+    </a:fontScheme>
+    <a:fmtScheme name="Integral">
+      <a:fillStyleLst>
+        <a:solidFill>
+          <a:schemeClr val="phClr"/>
+        </a:solidFill>
+        <a:gradFill rotWithShape="1">
+          <a:gsLst>
+            <a:gs pos="0">
+              <a:schemeClr val="phClr">
+                <a:tint val="83000"/>
+                <a:satMod val="100000"/>
+                <a:lumMod val="100000"/>
+              </a:schemeClr>
+            </a:gs>
+            <a:gs pos="100000">
+              <a:schemeClr val="phClr">
+                <a:tint val="61000"/>
+                <a:satMod val="150000"/>
+                <a:lumMod val="100000"/>
+              </a:schemeClr>
+            </a:gs>
+          </a:gsLst>
+          <a:path path="circle">
+            <a:fillToRect l="100000" t="100000" r="100000" b="100000"/>
+          </a:path>
+        </a:gradFill>
+        <a:gradFill rotWithShape="1">
+          <a:gsLst>
+            <a:gs pos="0">
+              <a:schemeClr val="phClr">
+                <a:tint val="100000"/>
+                <a:shade val="85000"/>
+                <a:satMod val="100000"/>
+                <a:lumMod val="100000"/>
+              </a:schemeClr>
+            </a:gs>
+            <a:gs pos="100000">
+              <a:schemeClr val="phClr">
+                <a:tint val="90000"/>
+                <a:shade val="100000"/>
+                <a:satMod val="150000"/>
+                <a:lumMod val="100000"/>
+              </a:schemeClr>
+            </a:gs>
+          </a:gsLst>
+          <a:path path="circle">
+            <a:fillToRect l="100000" t="100000" r="100000" b="100000"/>
+          </a:path>
+        </a:gradFill>
+      </a:fillStyleLst>
+      <a:lnStyleLst>
+        <a:ln w="9525" cap="flat" cmpd="sng" algn="ctr">
+          <a:solidFill>
+            <a:schemeClr val="phClr"/>
+          </a:solidFill>
+          <a:prstDash val="solid"/>
+        </a:ln>
+        <a:ln w="15875" cap="flat" cmpd="sng" algn="ctr">
+          <a:solidFill>
+            <a:schemeClr val="phClr"/>
+          </a:solidFill>
+          <a:prstDash val="solid"/>
+        </a:ln>
+        <a:ln w="19050" cap="flat" cmpd="sng" algn="ctr">
+          <a:solidFill>
+            <a:schemeClr val="phClr"/>
+          </a:solidFill>
+          <a:prstDash val="solid"/>
+        </a:ln>
+      </a:lnStyleLst>
+      <a:effectStyleLst>
+        <a:effectStyle>
+          <a:effectLst/>
+        </a:effectStyle>
+        <a:effectStyle>
+          <a:effectLst>
+            <a:outerShdw blurRad="50800" dist="12700" dir="5400000" algn="ctr" rotWithShape="0">
+              <a:srgbClr val="000000">
+                <a:alpha val="50000"/>
+              </a:srgbClr>
+            </a:outerShdw>
+          </a:effectLst>
+        </a:effectStyle>
+        <a:effectStyle>
+          <a:effectLst>
+            <a:outerShdw blurRad="76200" dist="25400" dir="5400000" algn="ctr" rotWithShape="0">
+              <a:srgbClr val="000000">
+                <a:alpha val="60000"/>
+              </a:srgbClr>
+            </a:outerShdw>
+          </a:effectLst>
+          <a:scene3d>
+            <a:camera prst="orthographicFront">
+              <a:rot lat="0" lon="0" rev="0"/>
+            </a:camera>
+            <a:lightRig rig="flat" dir="t">
+              <a:rot lat="0" lon="0" rev="3600000"/>
+            </a:lightRig>
+          </a:scene3d>
+          <a:sp3d contourW="12700" prstMaterial="flat">
+            <a:bevelT w="38100" h="44450" prst="angle"/>
+            <a:contourClr>
+              <a:schemeClr val="phClr">
+                <a:shade val="35000"/>
+                <a:satMod val="160000"/>
+              </a:schemeClr>
+            </a:contourClr>
+          </a:sp3d>
+        </a:effectStyle>
+      </a:effectStyleLst>
+      <a:bgFillStyleLst>
+        <a:solidFill>
+          <a:schemeClr val="phClr"/>
+        </a:solidFill>
+        <a:blipFill rotWithShape="1">
+          <a:blip xmlns:r="http://schemas.openxmlformats.org/officeDocument/2006/relationships" r:embed="rId1">
+            <a:duotone>
+              <a:schemeClr val="phClr">
+                <a:tint val="98000"/>
+              </a:schemeClr>
+              <a:schemeClr val="phClr">
+                <a:shade val="89000"/>
+                <a:satMod val="145000"/>
+              </a:schemeClr>
+            </a:duotone>
+          </a:blip>
+          <a:tile tx="0" ty="0" sx="32000" sy="32000" flip="none" algn="tl"/>
+        </a:blipFill>
+        <a:blipFill rotWithShape="1">
+          <a:blip xmlns:r="http://schemas.openxmlformats.org/officeDocument/2006/relationships" r:embed="rId2">
+            <a:duotone>
+              <a:schemeClr val="phClr">
+                <a:tint val="98000"/>
+              </a:schemeClr>
+              <a:schemeClr val="phClr">
+                <a:shade val="95000"/>
+              </a:schemeClr>
+            </a:duotone>
+          </a:blip>
+          <a:tile tx="0" ty="0" sx="32000" sy="32000" flip="none" algn="tl"/>
+        </a:blipFill>
+      </a:bgFillStyleLst>
+    </a:fmtScheme>
+  </a:themeElements>
+  <a:objectDefaults/>
+  <a:extraClrSchemeLst/>
+  <a:extLst>
+    <a:ext uri="{05A4C25C-085E-4340-85A3-A5531E510DB2}">
+      <thm15:themeFamily xmlns:thm15="http://schemas.microsoft.com/office/thememl/2012/main" name="Integral" id="{3577F8C9-A904-41D8-97D2-FD898F53F20E}" vid="{090DCB5F-146D-478A-852A-34B16FE9F3A8}"/>
+    </a:ext>
+  </a:extLst>
+</a:theme>
+</file>
+
+<file path=ppt/theme/theme2.xml><?xml version="1.0" encoding="utf-8"?>
 <a:theme xmlns:a="http://schemas.openxmlformats.org/drawingml/2006/main" name="Office Theme">
   <a:themeElements>
     <a:clrScheme name="Office">
@@ -3585,39 +6394,39 @@
         <a:sysClr val="window" lastClr="FFFFFF"/>
       </a:lt1>
       <a:dk2>
-        <a:srgbClr val="1F497D"/>
+        <a:srgbClr val="44546A"/>
       </a:dk2>
       <a:lt2>
-        <a:srgbClr val="EEECE1"/>
+        <a:srgbClr val="E7E6E6"/>
       </a:lt2>
       <a:accent1>
-        <a:srgbClr val="4F81BD"/>
+        <a:srgbClr val="5B9BD5"/>
       </a:accent1>
       <a:accent2>
-        <a:srgbClr val="C0504D"/>
+        <a:srgbClr val="ED7D31"/>
       </a:accent2>
       <a:accent3>
-        <a:srgbClr val="9BBB59"/>
+        <a:srgbClr val="A5A5A5"/>
       </a:accent3>
       <a:accent4>
-        <a:srgbClr val="8064A2"/>
+        <a:srgbClr val="FFC000"/>
       </a:accent4>
       <a:accent5>
-        <a:srgbClr val="4BACC6"/>
+        <a:srgbClr val="4472C4"/>
       </a:accent5>
       <a:accent6>
-        <a:srgbClr val="F79646"/>
+        <a:srgbClr val="70AD47"/>
       </a:accent6>
       <a:hlink>
-        <a:srgbClr val="0000FF"/>
+        <a:srgbClr val="0563C1"/>
       </a:hlink>
       <a:folHlink>
-        <a:srgbClr val="800080"/>
+        <a:srgbClr val="954F72"/>
       </a:folHlink>
     </a:clrScheme>
     <a:fontScheme name="Office">
       <a:majorFont>
-        <a:latin typeface="Calibri"/>
+        <a:latin typeface="Calibri Light" panose="020F0302020204030204"/>
         <a:ea typeface=""/>
         <a:cs typeface=""/>
         <a:font script="Jpan" typeface="ＭＳ Ｐゴシック"/>
@@ -3652,7 +6461,7 @@
         <a:font script="Geor" typeface="Sylfaen"/>
       </a:majorFont>
       <a:minorFont>
-        <a:latin typeface="Calibri"/>
+        <a:latin typeface="Calibri" panose="020F0502020204030204"/>
         <a:ea typeface=""/>
         <a:cs typeface=""/>
         <a:font script="Jpan" typeface="ＭＳ Ｐゴシック"/>
@@ -3696,200 +6505,141 @@
           <a:gsLst>
             <a:gs pos="0">
               <a:schemeClr val="phClr">
-                <a:tint val="50000"/>
-                <a:satMod val="300000"/>
+                <a:lumMod val="110000"/>
+                <a:satMod val="105000"/>
+                <a:tint val="67000"/>
               </a:schemeClr>
             </a:gs>
-            <a:gs pos="35000">
+            <a:gs pos="50000">
               <a:schemeClr val="phClr">
-                <a:tint val="37000"/>
-                <a:satMod val="300000"/>
+                <a:lumMod val="105000"/>
+                <a:satMod val="103000"/>
+                <a:tint val="73000"/>
               </a:schemeClr>
             </a:gs>
             <a:gs pos="100000">
               <a:schemeClr val="phClr">
-                <a:tint val="15000"/>
-                <a:satMod val="350000"/>
+                <a:lumMod val="105000"/>
+                <a:satMod val="109000"/>
+                <a:tint val="81000"/>
               </a:schemeClr>
             </a:gs>
           </a:gsLst>
-          <a:lin ang="16200000" scaled="1"/>
+          <a:lin ang="5400000" scaled="0"/>
         </a:gradFill>
         <a:gradFill rotWithShape="1">
           <a:gsLst>
             <a:gs pos="0">
               <a:schemeClr val="phClr">
-                <a:tint val="100000"/>
+                <a:satMod val="103000"/>
+                <a:lumMod val="102000"/>
+                <a:tint val="94000"/>
+              </a:schemeClr>
+            </a:gs>
+            <a:gs pos="50000">
+              <a:schemeClr val="phClr">
+                <a:satMod val="110000"/>
+                <a:lumMod val="100000"/>
                 <a:shade val="100000"/>
-                <a:satMod val="130000"/>
               </a:schemeClr>
             </a:gs>
             <a:gs pos="100000">
               <a:schemeClr val="phClr">
-                <a:tint val="50000"/>
-                <a:shade val="100000"/>
-                <a:satMod val="350000"/>
+                <a:lumMod val="99000"/>
+                <a:satMod val="120000"/>
+                <a:shade val="78000"/>
               </a:schemeClr>
             </a:gs>
           </a:gsLst>
-          <a:lin ang="16200000" scaled="0"/>
+          <a:lin ang="5400000" scaled="0"/>
         </a:gradFill>
       </a:fillStyleLst>
       <a:lnStyleLst>
-        <a:ln w="9525" cap="flat" cmpd="sng" algn="ctr">
-          <a:solidFill>
-            <a:schemeClr val="phClr">
-              <a:shade val="95000"/>
-              <a:satMod val="105000"/>
-            </a:schemeClr>
-          </a:solidFill>
-          <a:prstDash val="solid"/>
-        </a:ln>
-        <a:ln w="25400" cap="flat" cmpd="sng" algn="ctr">
+        <a:ln w="6350" cap="flat" cmpd="sng" algn="ctr">
           <a:solidFill>
             <a:schemeClr val="phClr"/>
           </a:solidFill>
           <a:prstDash val="solid"/>
+          <a:miter lim="800000"/>
         </a:ln>
-        <a:ln w="38100" cap="flat" cmpd="sng" algn="ctr">
+        <a:ln w="12700" cap="flat" cmpd="sng" algn="ctr">
           <a:solidFill>
             <a:schemeClr val="phClr"/>
           </a:solidFill>
           <a:prstDash val="solid"/>
+          <a:miter lim="800000"/>
+        </a:ln>
+        <a:ln w="19050" cap="flat" cmpd="sng" algn="ctr">
+          <a:solidFill>
+            <a:schemeClr val="phClr"/>
+          </a:solidFill>
+          <a:prstDash val="solid"/>
+          <a:miter lim="800000"/>
         </a:ln>
       </a:lnStyleLst>
       <a:effectStyleLst>
         <a:effectStyle>
+          <a:effectLst/>
+        </a:effectStyle>
+        <a:effectStyle>
+          <a:effectLst/>
+        </a:effectStyle>
+        <a:effectStyle>
           <a:effectLst>
-            <a:outerShdw blurRad="40000" dist="20000" dir="5400000" rotWithShape="0">
+            <a:outerShdw blurRad="57150" dist="19050" dir="5400000" algn="ctr" rotWithShape="0">
               <a:srgbClr val="000000">
-                <a:alpha val="38000"/>
+                <a:alpha val="63000"/>
               </a:srgbClr>
             </a:outerShdw>
           </a:effectLst>
-        </a:effectStyle>
-        <a:effectStyle>
-          <a:effectLst>
-            <a:outerShdw blurRad="40000" dist="23000" dir="5400000" rotWithShape="0">
-              <a:srgbClr val="000000">
-                <a:alpha val="35000"/>
-              </a:srgbClr>
-            </a:outerShdw>
-          </a:effectLst>
-        </a:effectStyle>
-        <a:effectStyle>
-          <a:effectLst>
-            <a:outerShdw blurRad="40000" dist="23000" dir="5400000" rotWithShape="0">
-              <a:srgbClr val="000000">
-                <a:alpha val="35000"/>
-              </a:srgbClr>
-            </a:outerShdw>
-          </a:effectLst>
-          <a:scene3d>
-            <a:camera prst="orthographicFront">
-              <a:rot lat="0" lon="0" rev="0"/>
-            </a:camera>
-            <a:lightRig rig="threePt" dir="t">
-              <a:rot lat="0" lon="0" rev="1200000"/>
-            </a:lightRig>
-          </a:scene3d>
-          <a:sp3d>
-            <a:bevelT w="63500" h="25400"/>
-          </a:sp3d>
         </a:effectStyle>
       </a:effectStyleLst>
       <a:bgFillStyleLst>
         <a:solidFill>
           <a:schemeClr val="phClr"/>
         </a:solidFill>
+        <a:solidFill>
+          <a:schemeClr val="phClr">
+            <a:tint val="95000"/>
+            <a:satMod val="170000"/>
+          </a:schemeClr>
+        </a:solidFill>
         <a:gradFill rotWithShape="1">
           <a:gsLst>
             <a:gs pos="0">
               <a:schemeClr val="phClr">
-                <a:tint val="40000"/>
-                <a:satMod val="350000"/>
+                <a:tint val="93000"/>
+                <a:satMod val="150000"/>
+                <a:shade val="98000"/>
+                <a:lumMod val="102000"/>
               </a:schemeClr>
             </a:gs>
-            <a:gs pos="40000">
+            <a:gs pos="50000">
               <a:schemeClr val="phClr">
-                <a:tint val="45000"/>
-                <a:shade val="99000"/>
-                <a:satMod val="350000"/>
+                <a:tint val="98000"/>
+                <a:satMod val="130000"/>
+                <a:shade val="90000"/>
+                <a:lumMod val="103000"/>
               </a:schemeClr>
             </a:gs>
             <a:gs pos="100000">
               <a:schemeClr val="phClr">
-                <a:shade val="20000"/>
-                <a:satMod val="255000"/>
+                <a:shade val="63000"/>
+                <a:satMod val="120000"/>
               </a:schemeClr>
             </a:gs>
           </a:gsLst>
-          <a:path path="circle">
-            <a:fillToRect l="50000" t="-80000" r="50000" b="180000"/>
-          </a:path>
-        </a:gradFill>
-        <a:gradFill rotWithShape="1">
-          <a:gsLst>
-            <a:gs pos="0">
-              <a:schemeClr val="phClr">
-                <a:tint val="80000"/>
-                <a:satMod val="300000"/>
-              </a:schemeClr>
-            </a:gs>
-            <a:gs pos="100000">
-              <a:schemeClr val="phClr">
-                <a:shade val="30000"/>
-                <a:satMod val="200000"/>
-              </a:schemeClr>
-            </a:gs>
-          </a:gsLst>
-          <a:path path="circle">
-            <a:fillToRect l="50000" t="50000" r="50000" b="50000"/>
-          </a:path>
+          <a:lin ang="5400000" scaled="0"/>
         </a:gradFill>
       </a:bgFillStyleLst>
     </a:fmtScheme>
   </a:themeElements>
-  <a:objectDefaults>
-    <a:spDef>
-      <a:spPr/>
-      <a:bodyPr/>
-      <a:lstStyle/>
-      <a:style>
-        <a:lnRef idx="1">
-          <a:schemeClr val="accent1"/>
-        </a:lnRef>
-        <a:fillRef idx="3">
-          <a:schemeClr val="accent1"/>
-        </a:fillRef>
-        <a:effectRef idx="2">
-          <a:schemeClr val="accent1"/>
-        </a:effectRef>
-        <a:fontRef idx="minor">
-          <a:schemeClr val="lt1"/>
-        </a:fontRef>
-      </a:style>
-    </a:spDef>
-    <a:lnDef>
-      <a:spPr/>
-      <a:bodyPr/>
-      <a:lstStyle/>
-      <a:style>
-        <a:lnRef idx="2">
-          <a:schemeClr val="accent1"/>
-        </a:lnRef>
-        <a:fillRef idx="0">
-          <a:schemeClr val="accent1"/>
-        </a:fillRef>
-        <a:effectRef idx="1">
-          <a:schemeClr val="accent1"/>
-        </a:effectRef>
-        <a:fontRef idx="minor">
-          <a:schemeClr val="tx1"/>
-        </a:fontRef>
-      </a:style>
-    </a:lnDef>
-  </a:objectDefaults>
+  <a:objectDefaults/>
   <a:extraClrSchemeLst/>
+  <a:extLst>
+    <a:ext uri="{05A4C25C-085E-4340-85A3-A5531E510DB2}">
+      <thm15:themeFamily xmlns:thm15="http://schemas.microsoft.com/office/thememl/2012/main" name="Office Theme" id="{62F939B6-93AF-4DB8-9C6B-D6C7DFDC589F}" vid="{4A3C46E8-61CC-4603-A589-7422A47A8E4A}"/>
+    </a:ext>
+  </a:extLst>
 </a:theme>
 </file>
--- a/learning_team_presentation_style_reference.pptx
+++ b/learning_team_presentation_style_reference.pptx
@@ -2,7 +2,7 @@
 <file path=ppt/presentation.xml><?xml version="1.0" encoding="utf-8"?>
 <p:presentation xmlns:a="http://schemas.openxmlformats.org/drawingml/2006/main" xmlns:r="http://schemas.openxmlformats.org/officeDocument/2006/relationships" xmlns:p="http://schemas.openxmlformats.org/presentationml/2006/main" saveSubsetFonts="1" autoCompressPictures="0">
   <p:sldMasterIdLst>
-    <p:sldMasterId id="2147483971" r:id="rId1"/>
+    <p:sldMasterId id="2147483983" r:id="rId1"/>
   </p:sldMasterIdLst>
   <p:notesMasterIdLst>
     <p:notesMasterId r:id="rId16"/>
@@ -23,7 +23,7 @@
     <p:sldId id="268" r:id="rId14"/>
     <p:sldId id="269" r:id="rId15"/>
   </p:sldIdLst>
-  <p:sldSz cx="12192000" cy="6858000"/>
+  <p:sldSz cx="9144000" cy="6858000" type="screen4x3"/>
   <p:notesSz cx="6858000" cy="9144000"/>
   <p:defaultTextStyle>
     <a:defPPr>
@@ -128,7 +128,7 @@
             <a:srgbClr val="A4A3A4"/>
           </p15:clr>
         </p15:guide>
-        <p15:guide id="2" pos="3840" userDrawn="1">
+        <p15:guide id="2" pos="2880" userDrawn="1">
           <p15:clr>
             <a:srgbClr val="A4A3A4"/>
           </p15:clr>
@@ -221,7 +221,7 @@
           <a:p>
             <a:fld id="{0F9C1CCF-B725-44A7-AA57-5E433BD85C9F}" type="datetimeFigureOut">
               <a:rPr lang="en-US" smtClean="0"/>
-              <a:t>10/16/2018</a:t>
+              <a:t>10/19/2018</a:t>
             </a:fld>
             <a:endParaRPr lang="en-US"/>
           </a:p>
@@ -239,8 +239,8 @@
         </p:nvSpPr>
         <p:spPr>
           <a:xfrm>
-            <a:off x="685800" y="1143000"/>
-            <a:ext cx="5486400" cy="3086100"/>
+            <a:off x="1371600" y="1143000"/>
+            <a:ext cx="4114800" cy="3086100"/>
           </a:xfrm>
           <a:prstGeom prst="rect">
             <a:avLst/>
@@ -517,8 +517,8 @@
         </p:nvSpPr>
         <p:spPr>
           <a:xfrm>
-            <a:off x="685800" y="1143000"/>
-            <a:ext cx="5486400" cy="3086100"/>
+            <a:off x="1371600" y="1143000"/>
+            <a:ext cx="4114800" cy="3086100"/>
           </a:xfrm>
         </p:spPr>
       </p:sp>
@@ -603,7 +603,7 @@
         <p:spPr>
           <a:xfrm>
             <a:off x="0" y="-1"/>
-            <a:ext cx="12192000" cy="4572001"/>
+            <a:ext cx="9144000" cy="4572001"/>
           </a:xfrm>
           <a:prstGeom prst="rect">
             <a:avLst/>
@@ -644,8 +644,8 @@
         </p:nvSpPr>
         <p:spPr>
           <a:xfrm>
-            <a:off x="457200" y="4960137"/>
-            <a:ext cx="7772400" cy="1463040"/>
+            <a:off x="342900" y="4960137"/>
+            <a:ext cx="5829300" cy="1463040"/>
           </a:xfrm>
         </p:spPr>
         <p:txBody>
@@ -654,7 +654,7 @@
           </a:bodyPr>
           <a:lstStyle>
             <a:lvl1pPr algn="r">
-              <a:defRPr sz="5000" spc="200" baseline="0"/>
+              <a:defRPr sz="4400" spc="200" baseline="0"/>
             </a:lvl1pPr>
           </a:lstStyle>
           <a:p>
@@ -678,8 +678,8 @@
         </p:nvSpPr>
         <p:spPr>
           <a:xfrm>
-            <a:off x="8610600" y="4960137"/>
-            <a:ext cx="3200400" cy="1463040"/>
+            <a:off x="6457950" y="4960137"/>
+            <a:ext cx="2400300" cy="1463040"/>
           </a:xfrm>
         </p:spPr>
         <p:txBody>
@@ -695,7 +695,7 @@
                 <a:spcPts val="0"/>
               </a:spcBef>
               <a:buNone/>
-              <a:defRPr sz="1800">
+              <a:defRPr sz="1600">
                 <a:solidFill>
                   <a:schemeClr val="tx1">
                     <a:lumMod val="90000"/>
@@ -704,37 +704,37 @@
                 </a:solidFill>
               </a:defRPr>
             </a:lvl1pPr>
-            <a:lvl2pPr marL="457200" indent="0" algn="ctr">
-              <a:buNone/>
-              <a:defRPr sz="1800"/>
+            <a:lvl2pPr marL="457189" indent="0" algn="ctr">
+              <a:buNone/>
+              <a:defRPr sz="1600"/>
             </a:lvl2pPr>
-            <a:lvl3pPr marL="914400" indent="0" algn="ctr">
-              <a:buNone/>
-              <a:defRPr sz="1800"/>
+            <a:lvl3pPr marL="914377" indent="0" algn="ctr">
+              <a:buNone/>
+              <a:defRPr sz="1600"/>
             </a:lvl3pPr>
-            <a:lvl4pPr marL="1371600" indent="0" algn="ctr">
-              <a:buNone/>
-              <a:defRPr sz="1800"/>
+            <a:lvl4pPr marL="1371566" indent="0" algn="ctr">
+              <a:buNone/>
+              <a:defRPr sz="1600"/>
             </a:lvl4pPr>
-            <a:lvl5pPr marL="1828800" indent="0" algn="ctr">
-              <a:buNone/>
-              <a:defRPr sz="1800"/>
+            <a:lvl5pPr marL="1828754" indent="0" algn="ctr">
+              <a:buNone/>
+              <a:defRPr sz="1600"/>
             </a:lvl5pPr>
-            <a:lvl6pPr marL="2286000" indent="0" algn="ctr">
-              <a:buNone/>
-              <a:defRPr sz="1800"/>
+            <a:lvl6pPr marL="2285943" indent="0" algn="ctr">
+              <a:buNone/>
+              <a:defRPr sz="1600"/>
             </a:lvl6pPr>
-            <a:lvl7pPr marL="2743200" indent="0" algn="ctr">
-              <a:buNone/>
-              <a:defRPr sz="1800"/>
+            <a:lvl7pPr marL="2743131" indent="0" algn="ctr">
+              <a:buNone/>
+              <a:defRPr sz="1600"/>
             </a:lvl7pPr>
-            <a:lvl8pPr marL="3200400" indent="0" algn="ctr">
-              <a:buNone/>
-              <a:defRPr sz="1800"/>
+            <a:lvl8pPr marL="3200320" indent="0" algn="ctr">
+              <a:buNone/>
+              <a:defRPr sz="1600"/>
             </a:lvl8pPr>
-            <a:lvl9pPr marL="3657600" indent="0" algn="ctr">
-              <a:buNone/>
-              <a:defRPr sz="1800"/>
+            <a:lvl9pPr marL="3657509" indent="0" algn="ctr">
+              <a:buNone/>
+              <a:defRPr sz="1600"/>
             </a:lvl9pPr>
           </a:lstStyle>
           <a:p>
@@ -825,7 +825,7 @@
         </p:nvCxnSpPr>
         <p:spPr>
           <a:xfrm flipV="1">
-            <a:off x="8386842" y="5264106"/>
+            <a:off x="6290132" y="5264106"/>
             <a:ext cx="0" cy="914400"/>
           </a:xfrm>
           <a:prstGeom prst="line">
@@ -855,7 +855,7 @@
     </p:spTree>
     <p:extLst>
       <p:ext uri="{BB962C8B-B14F-4D97-AF65-F5344CB8AC3E}">
-        <p14:creationId xmlns:p14="http://schemas.microsoft.com/office/powerpoint/2010/main" val="3648229995"/>
+        <p14:creationId xmlns:p14="http://schemas.microsoft.com/office/powerpoint/2010/main" val="1586358960"/>
       </p:ext>
     </p:extLst>
   </p:cSld>
@@ -1032,7 +1032,7 @@
     </p:spTree>
     <p:extLst>
       <p:ext uri="{BB962C8B-B14F-4D97-AF65-F5344CB8AC3E}">
-        <p14:creationId xmlns:p14="http://schemas.microsoft.com/office/powerpoint/2010/main" val="3578743371"/>
+        <p14:creationId xmlns:p14="http://schemas.microsoft.com/office/powerpoint/2010/main" val="465357609"/>
       </p:ext>
     </p:extLst>
   </p:cSld>
@@ -1071,8 +1071,8 @@
         </p:nvSpPr>
         <p:spPr>
           <a:xfrm>
-            <a:off x="8724900" y="762000"/>
-            <a:ext cx="2628900" cy="5410200"/>
+            <a:off x="6543676" y="762000"/>
+            <a:ext cx="1971675" cy="5410200"/>
           </a:xfrm>
         </p:spPr>
         <p:txBody>
@@ -1099,8 +1099,8 @@
         </p:nvSpPr>
         <p:spPr>
           <a:xfrm>
-            <a:off x="990600" y="762000"/>
-            <a:ext cx="7581900" cy="5410200"/>
+            <a:off x="742951" y="762000"/>
+            <a:ext cx="5686425" cy="5410200"/>
           </a:xfrm>
         </p:spPr>
         <p:txBody>
@@ -1219,8 +1219,8 @@
         </p:nvCxnSpPr>
         <p:spPr>
           <a:xfrm rot="5400000" flipV="1">
-            <a:off x="10058400" y="59263"/>
-            <a:ext cx="0" cy="914400"/>
+            <a:off x="7543800" y="173563"/>
+            <a:ext cx="0" cy="685800"/>
           </a:xfrm>
           <a:prstGeom prst="line">
             <a:avLst/>
@@ -1249,7 +1249,7 @@
     </p:spTree>
     <p:extLst>
       <p:ext uri="{BB962C8B-B14F-4D97-AF65-F5344CB8AC3E}">
-        <p14:creationId xmlns:p14="http://schemas.microsoft.com/office/powerpoint/2010/main" val="1173537619"/>
+        <p14:creationId xmlns:p14="http://schemas.microsoft.com/office/powerpoint/2010/main" val="543144874"/>
       </p:ext>
     </p:extLst>
   </p:cSld>
@@ -1426,7 +1426,7 @@
     </p:spTree>
     <p:extLst>
       <p:ext uri="{BB962C8B-B14F-4D97-AF65-F5344CB8AC3E}">
-        <p14:creationId xmlns:p14="http://schemas.microsoft.com/office/powerpoint/2010/main" val="551461110"/>
+        <p14:creationId xmlns:p14="http://schemas.microsoft.com/office/powerpoint/2010/main" val="3915726857"/>
       </p:ext>
     </p:extLst>
   </p:cSld>
@@ -1462,7 +1462,7 @@
         <p:spPr>
           <a:xfrm>
             <a:off x="0" y="-1"/>
-            <a:ext cx="12192000" cy="4572000"/>
+            <a:ext cx="9144000" cy="4572000"/>
           </a:xfrm>
           <a:prstGeom prst="rect">
             <a:avLst/>
@@ -1503,8 +1503,8 @@
         </p:nvSpPr>
         <p:spPr>
           <a:xfrm>
-            <a:off x="457200" y="4960137"/>
-            <a:ext cx="7772400" cy="1463040"/>
+            <a:off x="342900" y="4960137"/>
+            <a:ext cx="5829300" cy="1463040"/>
           </a:xfrm>
         </p:spPr>
         <p:txBody>
@@ -1513,7 +1513,7 @@
           </a:bodyPr>
           <a:lstStyle>
             <a:lvl1pPr algn="r">
-              <a:defRPr sz="5000" b="0" spc="200" baseline="0"/>
+              <a:defRPr sz="4400" b="0" spc="200" baseline="0"/>
             </a:lvl1pPr>
           </a:lstStyle>
           <a:p>
@@ -1537,8 +1537,8 @@
         </p:nvSpPr>
         <p:spPr>
           <a:xfrm>
-            <a:off x="8610600" y="4960137"/>
-            <a:ext cx="3200400" cy="1463040"/>
+            <a:off x="6457950" y="4960137"/>
+            <a:ext cx="2400300" cy="1463040"/>
           </a:xfrm>
         </p:spPr>
         <p:txBody>
@@ -1554,7 +1554,7 @@
                 <a:spcPts val="0"/>
               </a:spcBef>
               <a:buNone/>
-              <a:defRPr sz="1800">
+              <a:defRPr sz="1600">
                 <a:solidFill>
                   <a:schemeClr val="tx1">
                     <a:lumMod val="90000"/>
@@ -1563,9 +1563,9 @@
                 </a:solidFill>
               </a:defRPr>
             </a:lvl1pPr>
-            <a:lvl2pPr marL="457200" indent="0">
-              <a:buNone/>
-              <a:defRPr sz="1800">
+            <a:lvl2pPr marL="457189" indent="0">
+              <a:buNone/>
+              <a:defRPr sz="1600">
                 <a:solidFill>
                   <a:schemeClr val="tx1">
                     <a:tint val="75000"/>
@@ -1573,7 +1573,7 @@
                 </a:solidFill>
               </a:defRPr>
             </a:lvl2pPr>
-            <a:lvl3pPr marL="914400" indent="0">
+            <a:lvl3pPr marL="914377" indent="0">
               <a:buNone/>
               <a:defRPr sz="1600">
                 <a:solidFill>
@@ -1583,7 +1583,7 @@
                 </a:solidFill>
               </a:defRPr>
             </a:lvl3pPr>
-            <a:lvl4pPr marL="1371600" indent="0">
+            <a:lvl4pPr marL="1371566" indent="0">
               <a:buNone/>
               <a:defRPr sz="1400">
                 <a:solidFill>
@@ -1593,7 +1593,7 @@
                 </a:solidFill>
               </a:defRPr>
             </a:lvl4pPr>
-            <a:lvl5pPr marL="1828800" indent="0">
+            <a:lvl5pPr marL="1828754" indent="0">
               <a:buNone/>
               <a:defRPr sz="1400">
                 <a:solidFill>
@@ -1603,7 +1603,7 @@
                 </a:solidFill>
               </a:defRPr>
             </a:lvl5pPr>
-            <a:lvl6pPr marL="2286000" indent="0">
+            <a:lvl6pPr marL="2285943" indent="0">
               <a:buNone/>
               <a:defRPr sz="1400">
                 <a:solidFill>
@@ -1613,7 +1613,7 @@
                 </a:solidFill>
               </a:defRPr>
             </a:lvl6pPr>
-            <a:lvl7pPr marL="2743200" indent="0">
+            <a:lvl7pPr marL="2743131" indent="0">
               <a:buNone/>
               <a:defRPr sz="1400">
                 <a:solidFill>
@@ -1623,7 +1623,7 @@
                 </a:solidFill>
               </a:defRPr>
             </a:lvl7pPr>
-            <a:lvl8pPr marL="3200400" indent="0">
+            <a:lvl8pPr marL="3200320" indent="0">
               <a:buNone/>
               <a:defRPr sz="1400">
                 <a:solidFill>
@@ -1633,7 +1633,7 @@
                 </a:solidFill>
               </a:defRPr>
             </a:lvl8pPr>
-            <a:lvl9pPr marL="3657600" indent="0">
+            <a:lvl9pPr marL="3657509" indent="0">
               <a:buNone/>
               <a:defRPr sz="1400">
                 <a:solidFill>
@@ -1728,7 +1728,7 @@
         </p:nvCxnSpPr>
         <p:spPr>
           <a:xfrm flipV="1">
-            <a:off x="8386842" y="5264106"/>
+            <a:off x="6290132" y="5264106"/>
             <a:ext cx="0" cy="914400"/>
           </a:xfrm>
           <a:prstGeom prst="line">
@@ -1758,7 +1758,7 @@
     </p:spTree>
     <p:extLst>
       <p:ext uri="{BB962C8B-B14F-4D97-AF65-F5344CB8AC3E}">
-        <p14:creationId xmlns:p14="http://schemas.microsoft.com/office/powerpoint/2010/main" val="510308942"/>
+        <p14:creationId xmlns:p14="http://schemas.microsoft.com/office/powerpoint/2010/main" val="741605609"/>
       </p:ext>
     </p:extLst>
   </p:cSld>
@@ -1802,8 +1802,8 @@
         </p:nvSpPr>
         <p:spPr>
           <a:xfrm>
-            <a:off x="1024128" y="585216"/>
-            <a:ext cx="9720072" cy="1499616"/>
+            <a:off x="768096" y="585216"/>
+            <a:ext cx="7290054" cy="1499616"/>
           </a:xfrm>
         </p:spPr>
         <p:txBody>
@@ -1830,8 +1830,8 @@
         </p:nvSpPr>
         <p:spPr>
           <a:xfrm>
-            <a:off x="1024128" y="2286000"/>
-            <a:ext cx="4754880" cy="4023360"/>
+            <a:off x="768096" y="2286000"/>
+            <a:ext cx="3566160" cy="4023360"/>
           </a:xfrm>
         </p:spPr>
         <p:txBody>
@@ -1887,8 +1887,8 @@
         </p:nvSpPr>
         <p:spPr>
           <a:xfrm>
-            <a:off x="5989320" y="2286000"/>
-            <a:ext cx="4754880" cy="4023360"/>
+            <a:off x="4491990" y="2286000"/>
+            <a:ext cx="3566160" cy="4023360"/>
           </a:xfrm>
         </p:spPr>
         <p:txBody>
@@ -2002,7 +2002,7 @@
     </p:spTree>
     <p:extLst>
       <p:ext uri="{BB962C8B-B14F-4D97-AF65-F5344CB8AC3E}">
-        <p14:creationId xmlns:p14="http://schemas.microsoft.com/office/powerpoint/2010/main" val="985310591"/>
+        <p14:creationId xmlns:p14="http://schemas.microsoft.com/office/powerpoint/2010/main" val="2928038452"/>
       </p:ext>
     </p:extLst>
   </p:cSld>
@@ -2041,8 +2041,8 @@
         </p:nvSpPr>
         <p:spPr>
           <a:xfrm>
-            <a:off x="1024128" y="585216"/>
-            <a:ext cx="9720072" cy="1499616"/>
+            <a:off x="768096" y="585216"/>
+            <a:ext cx="7290054" cy="1499616"/>
           </a:xfrm>
         </p:spPr>
         <p:txBody>
@@ -2069,8 +2069,8 @@
         </p:nvSpPr>
         <p:spPr>
           <a:xfrm>
-            <a:off x="1024128" y="2179636"/>
-            <a:ext cx="4754880" cy="822960"/>
+            <a:off x="768096" y="2179636"/>
+            <a:ext cx="3566160" cy="822960"/>
           </a:xfrm>
         </p:spPr>
         <p:txBody>
@@ -2086,7 +2086,7 @@
                 <a:spcPts val="0"/>
               </a:spcAft>
               <a:buNone/>
-              <a:defRPr sz="2300" b="0" cap="none" baseline="0">
+              <a:defRPr sz="2200" b="0" cap="none" baseline="0">
                 <a:solidFill>
                   <a:schemeClr val="accent2">
                     <a:lumMod val="75000"/>
@@ -2095,35 +2095,35 @@
                 <a:latin typeface="+mn-lt"/>
               </a:defRPr>
             </a:lvl1pPr>
-            <a:lvl2pPr marL="457200" indent="0">
+            <a:lvl2pPr marL="457189" indent="0">
               <a:buNone/>
               <a:defRPr sz="2000" b="1"/>
             </a:lvl2pPr>
-            <a:lvl3pPr marL="914400" indent="0">
+            <a:lvl3pPr marL="914377" indent="0">
               <a:buNone/>
               <a:defRPr sz="1800" b="1"/>
             </a:lvl3pPr>
-            <a:lvl4pPr marL="1371600" indent="0">
+            <a:lvl4pPr marL="1371566" indent="0">
               <a:buNone/>
               <a:defRPr sz="1600" b="1"/>
             </a:lvl4pPr>
-            <a:lvl5pPr marL="1828800" indent="0">
+            <a:lvl5pPr marL="1828754" indent="0">
               <a:buNone/>
               <a:defRPr sz="1600" b="1"/>
             </a:lvl5pPr>
-            <a:lvl6pPr marL="2286000" indent="0">
+            <a:lvl6pPr marL="2285943" indent="0">
               <a:buNone/>
               <a:defRPr sz="1600" b="1"/>
             </a:lvl6pPr>
-            <a:lvl7pPr marL="2743200" indent="0">
+            <a:lvl7pPr marL="2743131" indent="0">
               <a:buNone/>
               <a:defRPr sz="1600" b="1"/>
             </a:lvl7pPr>
-            <a:lvl8pPr marL="3200400" indent="0">
+            <a:lvl8pPr marL="3200320" indent="0">
               <a:buNone/>
               <a:defRPr sz="1600" b="1"/>
             </a:lvl8pPr>
-            <a:lvl9pPr marL="3657600" indent="0">
+            <a:lvl9pPr marL="3657509" indent="0">
               <a:buNone/>
               <a:defRPr sz="1600" b="1"/>
             </a:lvl9pPr>
@@ -2149,12 +2149,12 @@
         </p:nvSpPr>
         <p:spPr>
           <a:xfrm>
-            <a:off x="1024128" y="2967788"/>
-            <a:ext cx="4754880" cy="3341572"/>
+            <a:off x="768096" y="2967788"/>
+            <a:ext cx="3566160" cy="3341572"/>
           </a:xfrm>
         </p:spPr>
         <p:txBody>
-          <a:bodyPr lIns="45720" rIns="45720"/>
+          <a:bodyPr/>
           <a:lstStyle/>
           <a:p>
             <a:pPr lvl="0"/>
@@ -2206,8 +2206,8 @@
         </p:nvSpPr>
         <p:spPr>
           <a:xfrm>
-            <a:off x="5989320" y="2179636"/>
-            <a:ext cx="4754880" cy="822960"/>
+            <a:off x="4491990" y="2179636"/>
+            <a:ext cx="3566160" cy="822960"/>
           </a:xfrm>
         </p:spPr>
         <p:txBody>
@@ -2223,7 +2223,7 @@
                 <a:spcPts val="0"/>
               </a:spcAft>
               <a:buNone/>
-              <a:defRPr lang="en-US" sz="2300" b="0" kern="1200" cap="none" baseline="0" dirty="0">
+              <a:defRPr lang="en-US" sz="2200" b="0" kern="1200" cap="none" baseline="0" dirty="0">
                 <a:solidFill>
                   <a:schemeClr val="accent2">
                     <a:lumMod val="75000"/>
@@ -2234,41 +2234,41 @@
                 <a:cs typeface="+mn-cs"/>
               </a:defRPr>
             </a:lvl1pPr>
-            <a:lvl2pPr marL="457200" indent="0">
+            <a:lvl2pPr marL="457189" indent="0">
               <a:buNone/>
               <a:defRPr sz="2000" b="1"/>
             </a:lvl2pPr>
-            <a:lvl3pPr marL="914400" indent="0">
+            <a:lvl3pPr marL="914377" indent="0">
               <a:buNone/>
               <a:defRPr sz="1800" b="1"/>
             </a:lvl3pPr>
-            <a:lvl4pPr marL="1371600" indent="0">
+            <a:lvl4pPr marL="1371566" indent="0">
               <a:buNone/>
               <a:defRPr sz="1600" b="1"/>
             </a:lvl4pPr>
-            <a:lvl5pPr marL="1828800" indent="0">
+            <a:lvl5pPr marL="1828754" indent="0">
               <a:buNone/>
               <a:defRPr sz="1600" b="1"/>
             </a:lvl5pPr>
-            <a:lvl6pPr marL="2286000" indent="0">
+            <a:lvl6pPr marL="2285943" indent="0">
               <a:buNone/>
               <a:defRPr sz="1600" b="1"/>
             </a:lvl6pPr>
-            <a:lvl7pPr marL="2743200" indent="0">
+            <a:lvl7pPr marL="2743131" indent="0">
               <a:buNone/>
               <a:defRPr sz="1600" b="1"/>
             </a:lvl7pPr>
-            <a:lvl8pPr marL="3200400" indent="0">
+            <a:lvl8pPr marL="3200320" indent="0">
               <a:buNone/>
               <a:defRPr sz="1600" b="1"/>
             </a:lvl8pPr>
-            <a:lvl9pPr marL="3657600" indent="0">
+            <a:lvl9pPr marL="3657509" indent="0">
               <a:buNone/>
               <a:defRPr sz="1600" b="1"/>
             </a:lvl9pPr>
           </a:lstStyle>
           <a:p>
-            <a:pPr marL="0" lvl="0" indent="0" algn="l" defTabSz="914400" rtl="0" eaLnBrk="1" latinLnBrk="0" hangingPunct="1">
+            <a:pPr marL="0" lvl="0" indent="0" algn="l" defTabSz="914377" rtl="0" eaLnBrk="1" latinLnBrk="0" hangingPunct="1">
               <a:lnSpc>
                 <a:spcPct val="90000"/>
               </a:lnSpc>
@@ -2296,12 +2296,12 @@
         </p:nvSpPr>
         <p:spPr>
           <a:xfrm>
-            <a:off x="5989320" y="2967788"/>
-            <a:ext cx="4754880" cy="3341572"/>
+            <a:off x="4491990" y="2967788"/>
+            <a:ext cx="3566160" cy="3341572"/>
           </a:xfrm>
         </p:spPr>
         <p:txBody>
-          <a:bodyPr lIns="45720" rIns="45720"/>
+          <a:bodyPr/>
           <a:lstStyle/>
           <a:p>
             <a:pPr lvl="0"/>
@@ -2411,7 +2411,7 @@
     </p:spTree>
     <p:extLst>
       <p:ext uri="{BB962C8B-B14F-4D97-AF65-F5344CB8AC3E}">
-        <p14:creationId xmlns:p14="http://schemas.microsoft.com/office/powerpoint/2010/main" val="4187444490"/>
+        <p14:creationId xmlns:p14="http://schemas.microsoft.com/office/powerpoint/2010/main" val="3368195970"/>
       </p:ext>
     </p:extLst>
   </p:cSld>
@@ -2531,7 +2531,7 @@
     </p:spTree>
     <p:extLst>
       <p:ext uri="{BB962C8B-B14F-4D97-AF65-F5344CB8AC3E}">
-        <p14:creationId xmlns:p14="http://schemas.microsoft.com/office/powerpoint/2010/main" val="495768895"/>
+        <p14:creationId xmlns:p14="http://schemas.microsoft.com/office/powerpoint/2010/main" val="194760306"/>
       </p:ext>
     </p:extLst>
   </p:cSld>
@@ -2628,7 +2628,7 @@
     </p:spTree>
     <p:extLst>
       <p:ext uri="{BB962C8B-B14F-4D97-AF65-F5344CB8AC3E}">
-        <p14:creationId xmlns:p14="http://schemas.microsoft.com/office/powerpoint/2010/main" val="4253166763"/>
+        <p14:creationId xmlns:p14="http://schemas.microsoft.com/office/powerpoint/2010/main" val="2832912444"/>
       </p:ext>
     </p:extLst>
   </p:cSld>
@@ -2667,8 +2667,8 @@
         </p:nvSpPr>
         <p:spPr>
           <a:xfrm>
-            <a:off x="1024128" y="471509"/>
-            <a:ext cx="4389120" cy="1737360"/>
+            <a:off x="768096" y="471509"/>
+            <a:ext cx="3291840" cy="1737360"/>
           </a:xfrm>
         </p:spPr>
         <p:txBody>
@@ -2680,7 +2680,7 @@
               <a:lnSpc>
                 <a:spcPct val="80000"/>
               </a:lnSpc>
-              <a:defRPr sz="4000"/>
+              <a:defRPr sz="3600"/>
             </a:lvl1pPr>
           </a:lstStyle>
           <a:p>
@@ -2704,39 +2704,41 @@
         </p:nvSpPr>
         <p:spPr>
           <a:xfrm>
-            <a:off x="5715000" y="822960"/>
-            <a:ext cx="5678424" cy="5184648"/>
+            <a:off x="4286250" y="822960"/>
+            <a:ext cx="4258818" cy="5184648"/>
           </a:xfrm>
         </p:spPr>
         <p:txBody>
-          <a:bodyPr/>
+          <a:bodyPr>
+            <a:normAutofit/>
+          </a:bodyPr>
           <a:lstStyle>
             <a:lvl1pPr>
-              <a:defRPr sz="2400"/>
+              <a:defRPr sz="2000"/>
             </a:lvl1pPr>
             <a:lvl2pPr>
-              <a:defRPr sz="2000"/>
+              <a:defRPr sz="1600"/>
             </a:lvl2pPr>
             <a:lvl3pPr>
-              <a:defRPr sz="1600"/>
+              <a:defRPr sz="1200"/>
             </a:lvl3pPr>
             <a:lvl4pPr>
-              <a:defRPr sz="1600"/>
+              <a:defRPr sz="1200"/>
             </a:lvl4pPr>
             <a:lvl5pPr>
-              <a:defRPr sz="1600"/>
+              <a:defRPr sz="1200"/>
             </a:lvl5pPr>
             <a:lvl6pPr>
-              <a:defRPr sz="1600"/>
+              <a:defRPr sz="1200"/>
             </a:lvl6pPr>
             <a:lvl7pPr>
-              <a:defRPr sz="1600"/>
+              <a:defRPr sz="1200"/>
             </a:lvl7pPr>
             <a:lvl8pPr>
-              <a:defRPr sz="1600"/>
+              <a:defRPr sz="1200"/>
             </a:lvl8pPr>
             <a:lvl9pPr>
-              <a:defRPr sz="1600"/>
+              <a:defRPr sz="1200"/>
             </a:lvl9pPr>
           </a:lstStyle>
           <a:p>
@@ -2789,8 +2791,8 @@
         </p:nvSpPr>
         <p:spPr>
           <a:xfrm>
-            <a:off x="1024128" y="2257506"/>
-            <a:ext cx="4389120" cy="3762294"/>
+            <a:off x="768096" y="2257506"/>
+            <a:ext cx="3291840" cy="3762294"/>
           </a:xfrm>
         </p:spPr>
         <p:txBody>
@@ -2808,35 +2810,35 @@
               <a:buNone/>
               <a:defRPr sz="1600"/>
             </a:lvl1pPr>
-            <a:lvl2pPr marL="457200" indent="0">
+            <a:lvl2pPr marL="457189" indent="0">
               <a:buNone/>
               <a:defRPr sz="1200"/>
             </a:lvl2pPr>
-            <a:lvl3pPr marL="914400" indent="0">
+            <a:lvl3pPr marL="914377" indent="0">
               <a:buNone/>
               <a:defRPr sz="1000"/>
             </a:lvl3pPr>
-            <a:lvl4pPr marL="1371600" indent="0">
+            <a:lvl4pPr marL="1371566" indent="0">
               <a:buNone/>
               <a:defRPr sz="900"/>
             </a:lvl4pPr>
-            <a:lvl5pPr marL="1828800" indent="0">
+            <a:lvl5pPr marL="1828754" indent="0">
               <a:buNone/>
               <a:defRPr sz="900"/>
             </a:lvl5pPr>
-            <a:lvl6pPr marL="2286000" indent="0">
+            <a:lvl6pPr marL="2285943" indent="0">
               <a:buNone/>
               <a:defRPr sz="900"/>
             </a:lvl6pPr>
-            <a:lvl7pPr marL="2743200" indent="0">
+            <a:lvl7pPr marL="2743131" indent="0">
               <a:buNone/>
               <a:defRPr sz="900"/>
             </a:lvl7pPr>
-            <a:lvl8pPr marL="3200400" indent="0">
+            <a:lvl8pPr marL="3200320" indent="0">
               <a:buNone/>
               <a:defRPr sz="900"/>
             </a:lvl8pPr>
-            <a:lvl9pPr marL="3657600" indent="0">
+            <a:lvl9pPr marL="3657509" indent="0">
               <a:buNone/>
               <a:defRPr sz="900"/>
             </a:lvl9pPr>
@@ -2920,7 +2922,7 @@
     </p:spTree>
     <p:extLst>
       <p:ext uri="{BB962C8B-B14F-4D97-AF65-F5344CB8AC3E}">
-        <p14:creationId xmlns:p14="http://schemas.microsoft.com/office/powerpoint/2010/main" val="1608598343"/>
+        <p14:creationId xmlns:p14="http://schemas.microsoft.com/office/powerpoint/2010/main" val="2801848834"/>
       </p:ext>
     </p:extLst>
   </p:cSld>
@@ -2959,8 +2961,8 @@
         </p:nvSpPr>
         <p:spPr>
           <a:xfrm>
-            <a:off x="457200" y="4960138"/>
-            <a:ext cx="7772400" cy="1463040"/>
+            <a:off x="342900" y="4960138"/>
+            <a:ext cx="5829300" cy="1463040"/>
           </a:xfrm>
         </p:spPr>
         <p:txBody>
@@ -2969,7 +2971,7 @@
           </a:bodyPr>
           <a:lstStyle>
             <a:lvl1pPr algn="r">
-              <a:defRPr sz="5000" spc="200" baseline="0"/>
+              <a:defRPr sz="4400" spc="200" baseline="0"/>
             </a:lvl1pPr>
           </a:lstStyle>
           <a:p>
@@ -2994,7 +2996,7 @@
         <p:spPr>
           <a:xfrm>
             <a:off x="0" y="-1"/>
-            <a:ext cx="12188952" cy="4572000"/>
+            <a:ext cx="9141714" cy="4572000"/>
           </a:xfrm>
           <a:solidFill>
             <a:schemeClr val="accent2">
@@ -3004,43 +3006,43 @@
           </a:solidFill>
         </p:spPr>
         <p:txBody>
-          <a:bodyPr lIns="457200" tIns="365760" rIns="45720" bIns="45720" anchor="t"/>
+          <a:bodyPr lIns="457200" tIns="365760" anchor="t"/>
           <a:lstStyle>
             <a:lvl1pPr marL="0" indent="0">
               <a:buNone/>
-              <a:defRPr sz="3200"/>
+              <a:defRPr sz="2400"/>
             </a:lvl1pPr>
-            <a:lvl2pPr marL="457200" indent="0">
-              <a:buNone/>
-              <a:defRPr sz="2800"/>
+            <a:lvl2pPr marL="342900" indent="0">
+              <a:buNone/>
+              <a:defRPr sz="2100"/>
             </a:lvl2pPr>
-            <a:lvl3pPr marL="914400" indent="0">
-              <a:buNone/>
-              <a:defRPr sz="2400"/>
+            <a:lvl3pPr marL="685800" indent="0">
+              <a:buNone/>
+              <a:defRPr sz="1800"/>
             </a:lvl3pPr>
-            <a:lvl4pPr marL="1371600" indent="0">
-              <a:buNone/>
-              <a:defRPr sz="2000"/>
+            <a:lvl4pPr marL="1028700" indent="0">
+              <a:buNone/>
+              <a:defRPr sz="1500"/>
             </a:lvl4pPr>
-            <a:lvl5pPr marL="1828800" indent="0">
-              <a:buNone/>
-              <a:defRPr sz="2000"/>
+            <a:lvl5pPr marL="1371600" indent="0">
+              <a:buNone/>
+              <a:defRPr sz="1500"/>
             </a:lvl5pPr>
-            <a:lvl6pPr marL="2286000" indent="0">
-              <a:buNone/>
-              <a:defRPr sz="2000"/>
+            <a:lvl6pPr marL="1714500" indent="0">
+              <a:buNone/>
+              <a:defRPr sz="1500"/>
             </a:lvl6pPr>
-            <a:lvl7pPr marL="2743200" indent="0">
-              <a:buNone/>
-              <a:defRPr sz="2000"/>
+            <a:lvl7pPr marL="2057400" indent="0">
+              <a:buNone/>
+              <a:defRPr sz="1500"/>
             </a:lvl7pPr>
-            <a:lvl8pPr marL="3200400" indent="0">
-              <a:buNone/>
-              <a:defRPr sz="2000"/>
+            <a:lvl8pPr marL="2400300" indent="0">
+              <a:buNone/>
+              <a:defRPr sz="1500"/>
             </a:lvl8pPr>
-            <a:lvl9pPr marL="3657600" indent="0">
-              <a:buNone/>
-              <a:defRPr sz="2000"/>
+            <a:lvl9pPr marL="2743200" indent="0">
+              <a:buNone/>
+              <a:defRPr sz="1500"/>
             </a:lvl9pPr>
           </a:lstStyle>
           <a:p>
@@ -3064,8 +3066,8 @@
         </p:nvSpPr>
         <p:spPr>
           <a:xfrm>
-            <a:off x="8610600" y="4960138"/>
-            <a:ext cx="3200400" cy="1463040"/>
+            <a:off x="6457950" y="4960138"/>
+            <a:ext cx="2400300" cy="1463040"/>
           </a:xfrm>
         </p:spPr>
         <p:txBody>
@@ -3081,7 +3083,7 @@
                 <a:spcPts val="0"/>
               </a:spcBef>
               <a:buNone/>
-              <a:defRPr sz="1800">
+              <a:defRPr sz="1600">
                 <a:solidFill>
                   <a:schemeClr val="tx1">
                     <a:lumMod val="90000"/>
@@ -3090,37 +3092,37 @@
                 </a:solidFill>
               </a:defRPr>
             </a:lvl1pPr>
-            <a:lvl2pPr marL="457200" indent="0">
-              <a:buNone/>
-              <a:defRPr sz="1400"/>
+            <a:lvl2pPr marL="342900" indent="0">
+              <a:buNone/>
+              <a:defRPr sz="1050"/>
             </a:lvl2pPr>
-            <a:lvl3pPr marL="914400" indent="0">
-              <a:buNone/>
-              <a:defRPr sz="1200"/>
+            <a:lvl3pPr marL="685800" indent="0">
+              <a:buNone/>
+              <a:defRPr sz="900"/>
             </a:lvl3pPr>
-            <a:lvl4pPr marL="1371600" indent="0">
-              <a:buNone/>
-              <a:defRPr sz="1000"/>
+            <a:lvl4pPr marL="1028700" indent="0">
+              <a:buNone/>
+              <a:defRPr sz="750"/>
             </a:lvl4pPr>
-            <a:lvl5pPr marL="1828800" indent="0">
-              <a:buNone/>
-              <a:defRPr sz="1000"/>
+            <a:lvl5pPr marL="1371600" indent="0">
+              <a:buNone/>
+              <a:defRPr sz="750"/>
             </a:lvl5pPr>
-            <a:lvl6pPr marL="2286000" indent="0">
-              <a:buNone/>
-              <a:defRPr sz="1000"/>
+            <a:lvl6pPr marL="1714500" indent="0">
+              <a:buNone/>
+              <a:defRPr sz="750"/>
             </a:lvl6pPr>
-            <a:lvl7pPr marL="2743200" indent="0">
-              <a:buNone/>
-              <a:defRPr sz="1000"/>
+            <a:lvl7pPr marL="2057400" indent="0">
+              <a:buNone/>
+              <a:defRPr sz="750"/>
             </a:lvl7pPr>
-            <a:lvl8pPr marL="3200400" indent="0">
-              <a:buNone/>
-              <a:defRPr sz="1000"/>
+            <a:lvl8pPr marL="2400300" indent="0">
+              <a:buNone/>
+              <a:defRPr sz="750"/>
             </a:lvl8pPr>
-            <a:lvl9pPr marL="3657600" indent="0">
-              <a:buNone/>
-              <a:defRPr sz="1000"/>
+            <a:lvl9pPr marL="2743200" indent="0">
+              <a:buNone/>
+              <a:defRPr sz="750"/>
             </a:lvl9pPr>
           </a:lstStyle>
           <a:p>
@@ -3207,7 +3209,7 @@
         </p:nvCxnSpPr>
         <p:spPr>
           <a:xfrm flipV="1">
-            <a:off x="8386842" y="5264106"/>
+            <a:off x="6290132" y="5264106"/>
             <a:ext cx="0" cy="914400"/>
           </a:xfrm>
           <a:prstGeom prst="line">
@@ -3237,7 +3239,7 @@
     </p:spTree>
     <p:extLst>
       <p:ext uri="{BB962C8B-B14F-4D97-AF65-F5344CB8AC3E}">
-        <p14:creationId xmlns:p14="http://schemas.microsoft.com/office/powerpoint/2010/main" val="1183667713"/>
+        <p14:creationId xmlns:p14="http://schemas.microsoft.com/office/powerpoint/2010/main" val="469055033"/>
       </p:ext>
     </p:extLst>
   </p:cSld>
@@ -3281,8 +3283,8 @@
         </p:nvSpPr>
         <p:spPr>
           <a:xfrm>
-            <a:off x="1024128" y="585216"/>
-            <a:ext cx="9720072" cy="1499616"/>
+            <a:off x="768096" y="585216"/>
+            <a:ext cx="7290054" cy="1499616"/>
           </a:xfrm>
           <a:prstGeom prst="rect">
             <a:avLst/>
@@ -3314,8 +3316,8 @@
         </p:nvSpPr>
         <p:spPr>
           <a:xfrm>
-            <a:off x="1024128" y="2286000"/>
-            <a:ext cx="9720071" cy="4023360"/>
+            <a:off x="768096" y="2286000"/>
+            <a:ext cx="7290055" cy="4023360"/>
           </a:xfrm>
           <a:prstGeom prst="rect">
             <a:avLst/>
@@ -3376,8 +3378,8 @@
         </p:nvSpPr>
         <p:spPr>
           <a:xfrm>
-            <a:off x="1024128" y="6470704"/>
-            <a:ext cx="2154142" cy="274320"/>
+            <a:off x="768097" y="6470704"/>
+            <a:ext cx="1615607" cy="274320"/>
           </a:xfrm>
           <a:prstGeom prst="rect">
             <a:avLst/>
@@ -3418,8 +3420,8 @@
         </p:nvSpPr>
         <p:spPr>
           <a:xfrm>
-            <a:off x="4842932" y="6470704"/>
-            <a:ext cx="5901458" cy="274320"/>
+            <a:off x="3632200" y="6470704"/>
+            <a:ext cx="4426094" cy="274320"/>
           </a:xfrm>
           <a:prstGeom prst="rect">
             <a:avLst/>
@@ -3460,8 +3462,8 @@
         </p:nvSpPr>
         <p:spPr>
           <a:xfrm>
-            <a:off x="10837334" y="6470704"/>
-            <a:ext cx="973666" cy="274320"/>
+            <a:off x="8128000" y="6470704"/>
+            <a:ext cx="730250" cy="274320"/>
           </a:xfrm>
           <a:prstGeom prst="rect">
             <a:avLst/>
@@ -3499,7 +3501,7 @@
         </p:nvCxnSpPr>
         <p:spPr>
           <a:xfrm flipV="1">
-            <a:off x="762000" y="826324"/>
+            <a:off x="571500" y="826324"/>
             <a:ext cx="0" cy="914400"/>
           </a:xfrm>
           <a:prstGeom prst="line">
@@ -3529,28 +3531,28 @@
     </p:spTree>
     <p:extLst>
       <p:ext uri="{BB962C8B-B14F-4D97-AF65-F5344CB8AC3E}">
-        <p14:creationId xmlns:p14="http://schemas.microsoft.com/office/powerpoint/2010/main" val="4061863538"/>
+        <p14:creationId xmlns:p14="http://schemas.microsoft.com/office/powerpoint/2010/main" val="4077977506"/>
       </p:ext>
     </p:extLst>
   </p:cSld>
   <p:clrMap bg1="lt1" tx1="dk1" bg2="lt2" tx2="dk2" accent1="accent1" accent2="accent2" accent3="accent3" accent4="accent4" accent5="accent5" accent6="accent6" hlink="hlink" folHlink="folHlink"/>
   <p:sldLayoutIdLst>
-    <p:sldLayoutId id="2147483972" r:id="rId1"/>
-    <p:sldLayoutId id="2147483973" r:id="rId2"/>
-    <p:sldLayoutId id="2147483974" r:id="rId3"/>
-    <p:sldLayoutId id="2147483975" r:id="rId4"/>
-    <p:sldLayoutId id="2147483976" r:id="rId5"/>
-    <p:sldLayoutId id="2147483977" r:id="rId6"/>
-    <p:sldLayoutId id="2147483978" r:id="rId7"/>
-    <p:sldLayoutId id="2147483979" r:id="rId8"/>
-    <p:sldLayoutId id="2147483980" r:id="rId9"/>
-    <p:sldLayoutId id="2147483981" r:id="rId10"/>
-    <p:sldLayoutId id="2147483982" r:id="rId11"/>
+    <p:sldLayoutId id="2147483984" r:id="rId1"/>
+    <p:sldLayoutId id="2147483985" r:id="rId2"/>
+    <p:sldLayoutId id="2147483986" r:id="rId3"/>
+    <p:sldLayoutId id="2147483987" r:id="rId4"/>
+    <p:sldLayoutId id="2147483988" r:id="rId5"/>
+    <p:sldLayoutId id="2147483989" r:id="rId6"/>
+    <p:sldLayoutId id="2147483990" r:id="rId7"/>
+    <p:sldLayoutId id="2147483991" r:id="rId8"/>
+    <p:sldLayoutId id="2147483992" r:id="rId9"/>
+    <p:sldLayoutId id="2147483993" r:id="rId10"/>
+    <p:sldLayoutId id="2147483994" r:id="rId11"/>
   </p:sldLayoutIdLst>
   <p:hf hdr="0"/>
   <p:txStyles>
     <p:titleStyle>
-      <a:lvl1pPr algn="l" defTabSz="914400" rtl="0" eaLnBrk="1" latinLnBrk="0" hangingPunct="1">
+      <a:lvl1pPr algn="l" defTabSz="914377" rtl="0" eaLnBrk="1" latinLnBrk="0" hangingPunct="1">
         <a:lnSpc>
           <a:spcPct val="80000"/>
         </a:lnSpc>
@@ -3558,7 +3560,7 @@
           <a:spcPct val="0"/>
         </a:spcBef>
         <a:buNone/>
-        <a:defRPr sz="5000" kern="1200" cap="all" spc="100" baseline="0">
+        <a:defRPr sz="4400" kern="1200" cap="all" spc="100" baseline="0">
           <a:solidFill>
             <a:schemeClr val="tx1">
               <a:lumMod val="90000"/>
@@ -3572,7 +3574,7 @@
       </a:lvl1pPr>
     </p:titleStyle>
     <p:bodyStyle>
-      <a:lvl1pPr marL="91440" indent="-91440" algn="l" defTabSz="914400" rtl="0" eaLnBrk="1" latinLnBrk="0" hangingPunct="1">
+      <a:lvl1pPr marL="91440" indent="-91440" algn="l" defTabSz="914377" rtl="0" eaLnBrk="1" latinLnBrk="0" hangingPunct="1">
         <a:lnSpc>
           <a:spcPct val="90000"/>
         </a:lnSpc>
@@ -3588,7 +3590,7 @@
         <a:buSzPct val="100000"/>
         <a:buFont typeface="Tw Cen MT" panose="020B0602020104020603" pitchFamily="34" charset="0"/>
         <a:buChar char=" "/>
-        <a:defRPr sz="2200" kern="1200">
+        <a:defRPr sz="2000" kern="1200">
           <a:solidFill>
             <a:schemeClr val="tx1"/>
           </a:solidFill>
@@ -3597,7 +3599,7 @@
           <a:cs typeface="+mn-cs"/>
         </a:defRPr>
       </a:lvl1pPr>
-      <a:lvl2pPr marL="265176" indent="-137160" algn="l" defTabSz="914400" rtl="0" eaLnBrk="1" latinLnBrk="0" hangingPunct="1">
+      <a:lvl2pPr marL="265176" indent="-137157" algn="l" defTabSz="914377" rtl="0" eaLnBrk="1" latinLnBrk="0" hangingPunct="1">
         <a:lnSpc>
           <a:spcPct val="90000"/>
         </a:lnSpc>
@@ -3612,7 +3614,7 @@
         </a:buClr>
         <a:buFont typeface="Wingdings 3" pitchFamily="18" charset="2"/>
         <a:buChar char=""/>
-        <a:defRPr sz="1800" kern="1200">
+        <a:defRPr sz="1600" kern="1200">
           <a:solidFill>
             <a:schemeClr val="tx1"/>
           </a:solidFill>
@@ -3621,7 +3623,7 @@
           <a:cs typeface="+mn-cs"/>
         </a:defRPr>
       </a:lvl2pPr>
-      <a:lvl3pPr marL="448056" indent="-137160" algn="l" defTabSz="914400" rtl="0" eaLnBrk="1" latinLnBrk="0" hangingPunct="1">
+      <a:lvl3pPr marL="448056" indent="-137157" algn="l" defTabSz="914377" rtl="0" eaLnBrk="1" latinLnBrk="0" hangingPunct="1">
         <a:lnSpc>
           <a:spcPct val="90000"/>
         </a:lnSpc>
@@ -3636,7 +3638,7 @@
         </a:buClr>
         <a:buFont typeface="Wingdings 3" pitchFamily="18" charset="2"/>
         <a:buChar char=""/>
-        <a:defRPr sz="1400" kern="1200">
+        <a:defRPr sz="1200" kern="1200">
           <a:solidFill>
             <a:schemeClr val="tx1"/>
           </a:solidFill>
@@ -3645,7 +3647,7 @@
           <a:cs typeface="+mn-cs"/>
         </a:defRPr>
       </a:lvl3pPr>
-      <a:lvl4pPr marL="594360" indent="-137160" algn="l" defTabSz="914400" rtl="0" eaLnBrk="1" latinLnBrk="0" hangingPunct="1">
+      <a:lvl4pPr marL="594360" indent="-137157" algn="l" defTabSz="914377" rtl="0" eaLnBrk="1" latinLnBrk="0" hangingPunct="1">
         <a:lnSpc>
           <a:spcPct val="90000"/>
         </a:lnSpc>
@@ -3660,7 +3662,7 @@
         </a:buClr>
         <a:buFont typeface="Wingdings 3" pitchFamily="18" charset="2"/>
         <a:buChar char=""/>
-        <a:defRPr sz="1400" kern="1200">
+        <a:defRPr sz="1200" kern="1200">
           <a:solidFill>
             <a:schemeClr val="tx1"/>
           </a:solidFill>
@@ -3669,7 +3671,7 @@
           <a:cs typeface="+mn-cs"/>
         </a:defRPr>
       </a:lvl4pPr>
-      <a:lvl5pPr marL="777240" indent="-137160" algn="l" defTabSz="914400" rtl="0" eaLnBrk="1" latinLnBrk="0" hangingPunct="1">
+      <a:lvl5pPr marL="777240" indent="-137157" algn="l" defTabSz="914377" rtl="0" eaLnBrk="1" latinLnBrk="0" hangingPunct="1">
         <a:lnSpc>
           <a:spcPct val="90000"/>
         </a:lnSpc>
@@ -3684,7 +3686,7 @@
         </a:buClr>
         <a:buFont typeface="Wingdings 3" pitchFamily="18" charset="2"/>
         <a:buChar char=""/>
-        <a:defRPr sz="1400" kern="1200">
+        <a:defRPr sz="1200" kern="1200">
           <a:solidFill>
             <a:schemeClr val="tx1"/>
           </a:solidFill>
@@ -3693,7 +3695,7 @@
           <a:cs typeface="+mn-cs"/>
         </a:defRPr>
       </a:lvl5pPr>
-      <a:lvl6pPr marL="914400" indent="-137160" algn="l" defTabSz="914400" rtl="0" eaLnBrk="1" latinLnBrk="0" hangingPunct="1">
+      <a:lvl6pPr marL="914400" indent="-137157" algn="l" defTabSz="914377" rtl="0" eaLnBrk="1" latinLnBrk="0" hangingPunct="1">
         <a:lnSpc>
           <a:spcPct val="90000"/>
         </a:lnSpc>
@@ -3708,7 +3710,7 @@
         </a:buClr>
         <a:buFont typeface="Wingdings 3" pitchFamily="18" charset="2"/>
         <a:buChar char=""/>
-        <a:defRPr sz="1400" kern="1200">
+        <a:defRPr sz="1200" kern="1200">
           <a:solidFill>
             <a:schemeClr val="tx1"/>
           </a:solidFill>
@@ -3717,7 +3719,7 @@
           <a:cs typeface="+mn-cs"/>
         </a:defRPr>
       </a:lvl6pPr>
-      <a:lvl7pPr marL="1060704" indent="-137160" algn="l" defTabSz="914400" rtl="0" eaLnBrk="1" latinLnBrk="0" hangingPunct="1">
+      <a:lvl7pPr marL="1060704" indent="-137157" algn="l" defTabSz="914377" rtl="0" eaLnBrk="1" latinLnBrk="0" hangingPunct="1">
         <a:lnSpc>
           <a:spcPct val="90000"/>
         </a:lnSpc>
@@ -3732,7 +3734,7 @@
         </a:buClr>
         <a:buFont typeface="Wingdings 3" pitchFamily="18" charset="2"/>
         <a:buChar char=""/>
-        <a:defRPr sz="1400" kern="1200">
+        <a:defRPr sz="1200" kern="1200">
           <a:solidFill>
             <a:schemeClr val="tx1"/>
           </a:solidFill>
@@ -3741,7 +3743,7 @@
           <a:cs typeface="+mn-cs"/>
         </a:defRPr>
       </a:lvl7pPr>
-      <a:lvl8pPr marL="1216152" indent="-137160" algn="l" defTabSz="914400" rtl="0" eaLnBrk="1" latinLnBrk="0" hangingPunct="1">
+      <a:lvl8pPr marL="1216152" indent="-137157" algn="l" defTabSz="914377" rtl="0" eaLnBrk="1" latinLnBrk="0" hangingPunct="1">
         <a:lnSpc>
           <a:spcPct val="90000"/>
         </a:lnSpc>
@@ -3756,7 +3758,7 @@
         </a:buClr>
         <a:buFont typeface="Wingdings 3" pitchFamily="18" charset="2"/>
         <a:buChar char=""/>
-        <a:defRPr sz="1400" kern="1200">
+        <a:defRPr sz="1200" kern="1200">
           <a:solidFill>
             <a:schemeClr val="tx1"/>
           </a:solidFill>
@@ -3765,7 +3767,7 @@
           <a:cs typeface="+mn-cs"/>
         </a:defRPr>
       </a:lvl8pPr>
-      <a:lvl9pPr marL="1362456" indent="-137160" algn="l" defTabSz="914400" rtl="0" eaLnBrk="1" latinLnBrk="0" hangingPunct="1">
+      <a:lvl9pPr marL="1362456" indent="-137157" algn="l" defTabSz="914377" rtl="0" eaLnBrk="1" latinLnBrk="0" hangingPunct="1">
         <a:lnSpc>
           <a:spcPct val="90000"/>
         </a:lnSpc>
@@ -3780,7 +3782,7 @@
         </a:buClr>
         <a:buFont typeface="Wingdings 3" pitchFamily="18" charset="2"/>
         <a:buChar char=""/>
-        <a:defRPr sz="1400" kern="1200">
+        <a:defRPr sz="1200" kern="1200">
           <a:solidFill>
             <a:schemeClr val="tx1"/>
           </a:solidFill>
@@ -3794,7 +3796,7 @@
       <a:defPPr>
         <a:defRPr lang="en-US"/>
       </a:defPPr>
-      <a:lvl1pPr marL="0" algn="l" defTabSz="914400" rtl="0" eaLnBrk="1" latinLnBrk="0" hangingPunct="1">
+      <a:lvl1pPr marL="0" algn="l" defTabSz="914377" rtl="0" eaLnBrk="1" latinLnBrk="0" hangingPunct="1">
         <a:defRPr sz="1800" kern="1200">
           <a:solidFill>
             <a:schemeClr val="tx1"/>
@@ -3804,7 +3806,7 @@
           <a:cs typeface="+mn-cs"/>
         </a:defRPr>
       </a:lvl1pPr>
-      <a:lvl2pPr marL="457200" algn="l" defTabSz="914400" rtl="0" eaLnBrk="1" latinLnBrk="0" hangingPunct="1">
+      <a:lvl2pPr marL="457189" algn="l" defTabSz="914377" rtl="0" eaLnBrk="1" latinLnBrk="0" hangingPunct="1">
         <a:defRPr sz="1800" kern="1200">
           <a:solidFill>
             <a:schemeClr val="tx1"/>
@@ -3814,7 +3816,7 @@
           <a:cs typeface="+mn-cs"/>
         </a:defRPr>
       </a:lvl2pPr>
-      <a:lvl3pPr marL="914400" algn="l" defTabSz="914400" rtl="0" eaLnBrk="1" latinLnBrk="0" hangingPunct="1">
+      <a:lvl3pPr marL="914377" algn="l" defTabSz="914377" rtl="0" eaLnBrk="1" latinLnBrk="0" hangingPunct="1">
         <a:defRPr sz="1800" kern="1200">
           <a:solidFill>
             <a:schemeClr val="tx1"/>
@@ -3824,7 +3826,7 @@
           <a:cs typeface="+mn-cs"/>
         </a:defRPr>
       </a:lvl3pPr>
-      <a:lvl4pPr marL="1371600" algn="l" defTabSz="914400" rtl="0" eaLnBrk="1" latinLnBrk="0" hangingPunct="1">
+      <a:lvl4pPr marL="1371566" algn="l" defTabSz="914377" rtl="0" eaLnBrk="1" latinLnBrk="0" hangingPunct="1">
         <a:defRPr sz="1800" kern="1200">
           <a:solidFill>
             <a:schemeClr val="tx1"/>
@@ -3834,7 +3836,7 @@
           <a:cs typeface="+mn-cs"/>
         </a:defRPr>
       </a:lvl4pPr>
-      <a:lvl5pPr marL="1828800" algn="l" defTabSz="914400" rtl="0" eaLnBrk="1" latinLnBrk="0" hangingPunct="1">
+      <a:lvl5pPr marL="1828754" algn="l" defTabSz="914377" rtl="0" eaLnBrk="1" latinLnBrk="0" hangingPunct="1">
         <a:defRPr sz="1800" kern="1200">
           <a:solidFill>
             <a:schemeClr val="tx1"/>
@@ -3844,7 +3846,7 @@
           <a:cs typeface="+mn-cs"/>
         </a:defRPr>
       </a:lvl5pPr>
-      <a:lvl6pPr marL="2286000" algn="l" defTabSz="914400" rtl="0" eaLnBrk="1" latinLnBrk="0" hangingPunct="1">
+      <a:lvl6pPr marL="2285943" algn="l" defTabSz="914377" rtl="0" eaLnBrk="1" latinLnBrk="0" hangingPunct="1">
         <a:defRPr sz="1800" kern="1200">
           <a:solidFill>
             <a:schemeClr val="tx1"/>
@@ -3854,7 +3856,7 @@
           <a:cs typeface="+mn-cs"/>
         </a:defRPr>
       </a:lvl6pPr>
-      <a:lvl7pPr marL="2743200" algn="l" defTabSz="914400" rtl="0" eaLnBrk="1" latinLnBrk="0" hangingPunct="1">
+      <a:lvl7pPr marL="2743131" algn="l" defTabSz="914377" rtl="0" eaLnBrk="1" latinLnBrk="0" hangingPunct="1">
         <a:defRPr sz="1800" kern="1200">
           <a:solidFill>
             <a:schemeClr val="tx1"/>
@@ -3864,7 +3866,7 @@
           <a:cs typeface="+mn-cs"/>
         </a:defRPr>
       </a:lvl7pPr>
-      <a:lvl8pPr marL="3200400" algn="l" defTabSz="914400" rtl="0" eaLnBrk="1" latinLnBrk="0" hangingPunct="1">
+      <a:lvl8pPr marL="3200320" algn="l" defTabSz="914377" rtl="0" eaLnBrk="1" latinLnBrk="0" hangingPunct="1">
         <a:defRPr sz="1800" kern="1200">
           <a:solidFill>
             <a:schemeClr val="tx1"/>
@@ -3874,7 +3876,7 @@
           <a:cs typeface="+mn-cs"/>
         </a:defRPr>
       </a:lvl8pPr>
-      <a:lvl9pPr marL="3657600" algn="l" defTabSz="914400" rtl="0" eaLnBrk="1" latinLnBrk="0" hangingPunct="1">
+      <a:lvl9pPr marL="3657509" algn="l" defTabSz="914377" rtl="0" eaLnBrk="1" latinLnBrk="0" hangingPunct="1">
         <a:defRPr sz="1800" kern="1200">
           <a:solidFill>
             <a:schemeClr val="tx1"/>
@@ -3966,8 +3968,8 @@
         </p:nvCxnSpPr>
         <p:spPr>
           <a:xfrm flipV="1">
-            <a:off x="7814132" y="5264106"/>
-            <a:ext cx="0" cy="914400"/>
+            <a:off x="5860599" y="4805330"/>
+            <a:ext cx="0" cy="685800"/>
           </a:xfrm>
           <a:prstGeom prst="line">
             <a:avLst/>
@@ -4100,14 +4102,14 @@
               <a:t> </a:t>
             </a:r>
             <a:r>
-              <a:rPr sz="1800">
+              <a:rPr sz="1350">
                 <a:latin typeface="Courier"/>
               </a:rPr>
               <a:t>verbatim</a:t>
             </a:r>
           </a:p>
           <a:p>
-            <a:pPr marL="1270000" indent="0">
+            <a:pPr marL="952500" indent="0">
               <a:buNone/>
             </a:pPr>
             <a:r>
@@ -4179,7 +4181,7 @@
           <a:p>
             <a:pPr marL="0" indent="0">
               <a:spcBef>
-                <a:spcPts val="3000"/>
+                <a:spcPts val="2250"/>
               </a:spcBef>
               <a:buNone/>
             </a:pPr>
@@ -4191,7 +4193,7 @@
           <a:p>
             <a:pPr marL="0" indent="0">
               <a:spcBef>
-                <a:spcPts val="3000"/>
+                <a:spcPts val="2250"/>
               </a:spcBef>
               <a:buNone/>
             </a:pPr>
@@ -4203,7 +4205,7 @@
           <a:p>
             <a:pPr marL="0" indent="0">
               <a:spcBef>
-                <a:spcPts val="3000"/>
+                <a:spcPts val="2250"/>
               </a:spcBef>
               <a:buNone/>
             </a:pPr>
@@ -4238,8 +4240,8 @@
         </p:blipFill>
         <p:spPr bwMode="auto">
           <a:xfrm>
-            <a:off x="2603500" y="2286000"/>
-            <a:ext cx="2921000" cy="3505200"/>
+            <a:off x="1952625" y="2571750"/>
+            <a:ext cx="2190750" cy="2628900"/>
           </a:xfrm>
           <a:prstGeom prst="rect">
             <a:avLst/>
@@ -4260,8 +4262,8 @@
         </p:nvSpPr>
         <p:spPr>
           <a:xfrm>
-            <a:off x="2286000" y="5791200"/>
-            <a:ext cx="3556000" cy="508000"/>
+            <a:off x="1714500" y="5200650"/>
+            <a:ext cx="2667000" cy="381000"/>
           </a:xfrm>
           <a:prstGeom prst="rect">
             <a:avLst/>
@@ -4274,6 +4276,7 @@
           <a:p>
             <a:pPr algn="ctr"/>
             <a:r>
+              <a:rPr sz="1350"/>
               <a:t>a caption!</a:t>
             </a:r>
           </a:p>
@@ -4336,8 +4339,8 @@
           </p:nvPr>
         </p:nvGraphicFramePr>
         <p:xfrm>
-          <a:off x="2286000" y="2286000"/>
-          <a:ext cx="7239000" cy="1097280"/>
+          <a:off x="1714500" y="2571750"/>
+          <a:ext cx="5429250" cy="822960"/>
         </p:xfrm>
         <a:graphic>
           <a:graphicData uri="http://schemas.openxmlformats.org/drawingml/2006/table">
@@ -4346,35 +4349,35 @@
                 <a:tableStyleId>{5C22544A-7EE6-4342-B048-85BDC9FD1C3A}</a:tableStyleId>
               </a:tblPr>
               <a:tblGrid>
-                <a:gridCol w="1447800">
+                <a:gridCol w="1085850">
                   <a:extLst>
                     <a:ext uri="{9D8B030D-6E8A-4147-A177-3AD203B41FA5}">
                       <a16:colId xmlns:a16="http://schemas.microsoft.com/office/drawing/2014/main" val="20000"/>
                     </a:ext>
                   </a:extLst>
                 </a:gridCol>
-                <a:gridCol w="1447800">
+                <a:gridCol w="1085850">
                   <a:extLst>
                     <a:ext uri="{9D8B030D-6E8A-4147-A177-3AD203B41FA5}">
                       <a16:colId xmlns:a16="http://schemas.microsoft.com/office/drawing/2014/main" val="20001"/>
                     </a:ext>
                   </a:extLst>
                 </a:gridCol>
-                <a:gridCol w="1447800">
+                <a:gridCol w="1085850">
                   <a:extLst>
                     <a:ext uri="{9D8B030D-6E8A-4147-A177-3AD203B41FA5}">
                       <a16:colId xmlns:a16="http://schemas.microsoft.com/office/drawing/2014/main" val="20002"/>
                     </a:ext>
                   </a:extLst>
                 </a:gridCol>
-                <a:gridCol w="1447800">
+                <a:gridCol w="1085850">
                   <a:extLst>
                     <a:ext uri="{9D8B030D-6E8A-4147-A177-3AD203B41FA5}">
                       <a16:colId xmlns:a16="http://schemas.microsoft.com/office/drawing/2014/main" val="20003"/>
                     </a:ext>
                   </a:extLst>
                 </a:gridCol>
-                <a:gridCol w="1447800">
+                <a:gridCol w="1085850">
                   <a:extLst>
                     <a:ext uri="{9D8B030D-6E8A-4147-A177-3AD203B41FA5}">
                       <a16:colId xmlns:a16="http://schemas.microsoft.com/office/drawing/2014/main" val="20004"/>
@@ -4382,7 +4385,7 @@
                   </a:extLst>
                 </a:gridCol>
               </a:tblGrid>
-              <a:tr h="0">
+              <a:tr h="222885">
                 <a:tc>
                   <a:txBody>
                     <a:bodyPr/>
@@ -4392,11 +4395,12 @@
                         <a:buNone/>
                       </a:pPr>
                       <a:r>
+                        <a:rPr sz="1000"/>
                         <a:t>one</a:t>
                       </a:r>
                     </a:p>
                   </a:txBody>
-                  <a:tcPr/>
+                  <a:tcPr marL="68580" marR="68580" marT="34290" marB="34290"/>
                 </a:tc>
                 <a:tc>
                   <a:txBody>
@@ -4407,11 +4411,12 @@
                         <a:buNone/>
                       </a:pPr>
                       <a:r>
+                        <a:rPr sz="1000"/>
                         <a:t>two</a:t>
                       </a:r>
                     </a:p>
                   </a:txBody>
-                  <a:tcPr/>
+                  <a:tcPr marL="68580" marR="68580" marT="34290" marB="34290"/>
                 </a:tc>
                 <a:tc>
                   <a:txBody>
@@ -4422,11 +4427,12 @@
                         <a:buNone/>
                       </a:pPr>
                       <a:r>
+                        <a:rPr sz="1000"/>
                         <a:t>three</a:t>
                       </a:r>
                     </a:p>
                   </a:txBody>
-                  <a:tcPr/>
+                  <a:tcPr marL="68580" marR="68580" marT="34290" marB="34290"/>
                 </a:tc>
                 <a:tc>
                   <a:txBody>
@@ -4437,11 +4443,12 @@
                         <a:buNone/>
                       </a:pPr>
                       <a:r>
+                        <a:rPr sz="1000"/>
                         <a:t>four</a:t>
                       </a:r>
                     </a:p>
                   </a:txBody>
-                  <a:tcPr/>
+                  <a:tcPr marL="68580" marR="68580" marT="34290" marB="34290"/>
                 </a:tc>
                 <a:tc>
                   <a:txBody>
@@ -4452,11 +4459,12 @@
                         <a:buNone/>
                       </a:pPr>
                       <a:r>
+                        <a:rPr sz="1000"/>
                         <a:t>five</a:t>
                       </a:r>
                     </a:p>
                   </a:txBody>
-                  <a:tcPr/>
+                  <a:tcPr marL="68580" marR="68580" marT="34290" marB="34290"/>
                 </a:tc>
                 <a:extLst>
                   <a:ext uri="{0D108BD9-81ED-4DB2-BD59-A6C34878D82A}">
@@ -4464,7 +4472,7 @@
                   </a:ext>
                 </a:extLst>
               </a:tr>
-              <a:tr h="0">
+              <a:tr h="222885">
                 <a:tc>
                   <a:txBody>
                     <a:bodyPr/>
@@ -4474,11 +4482,12 @@
                         <a:buNone/>
                       </a:pPr>
                       <a:r>
+                        <a:rPr sz="1000"/>
                         <a:t>a</a:t>
                       </a:r>
                     </a:p>
                   </a:txBody>
-                  <a:tcPr/>
+                  <a:tcPr marL="68580" marR="68580" marT="34290" marB="34290"/>
                 </a:tc>
                 <a:tc>
                   <a:txBody>
@@ -4489,11 +4498,12 @@
                         <a:buNone/>
                       </a:pPr>
                       <a:r>
+                        <a:rPr sz="1000"/>
                         <a:t>1</a:t>
                       </a:r>
                     </a:p>
                   </a:txBody>
-                  <a:tcPr/>
+                  <a:tcPr marL="68580" marR="68580" marT="34290" marB="34290"/>
                 </a:tc>
                 <a:tc>
                   <a:txBody>
@@ -4504,11 +4514,12 @@
                         <a:buNone/>
                       </a:pPr>
                       <a:r>
+                        <a:rPr sz="1000"/>
                         <a:t>2</a:t>
                       </a:r>
                     </a:p>
                   </a:txBody>
-                  <a:tcPr/>
+                  <a:tcPr marL="68580" marR="68580" marT="34290" marB="34290"/>
                 </a:tc>
                 <a:tc>
                   <a:txBody>
@@ -4519,11 +4530,12 @@
                         <a:buNone/>
                       </a:pPr>
                       <a:r>
+                        <a:rPr sz="1000"/>
                         <a:t>3</a:t>
                       </a:r>
                     </a:p>
                   </a:txBody>
-                  <a:tcPr/>
+                  <a:tcPr marL="68580" marR="68580" marT="34290" marB="34290"/>
                 </a:tc>
                 <a:tc>
                   <a:txBody>
@@ -4534,11 +4546,12 @@
                         <a:buNone/>
                       </a:pPr>
                       <a:r>
+                        <a:rPr sz="1000"/>
                         <a:t>4</a:t>
                       </a:r>
                     </a:p>
                   </a:txBody>
-                  <a:tcPr/>
+                  <a:tcPr marL="68580" marR="68580" marT="34290" marB="34290"/>
                 </a:tc>
                 <a:extLst>
                   <a:ext uri="{0D108BD9-81ED-4DB2-BD59-A6C34878D82A}">
@@ -4546,7 +4559,7 @@
                   </a:ext>
                 </a:extLst>
               </a:tr>
-              <a:tr h="0">
+              <a:tr h="222885">
                 <a:tc>
                   <a:txBody>
                     <a:bodyPr/>
@@ -4556,11 +4569,12 @@
                         <a:buNone/>
                       </a:pPr>
                       <a:r>
+                        <a:rPr sz="1000"/>
                         <a:t>b</a:t>
                       </a:r>
                     </a:p>
                   </a:txBody>
-                  <a:tcPr/>
+                  <a:tcPr marL="68580" marR="68580" marT="34290" marB="34290"/>
                 </a:tc>
                 <a:tc>
                   <a:txBody>
@@ -4571,11 +4585,12 @@
                         <a:buNone/>
                       </a:pPr>
                       <a:r>
+                        <a:rPr sz="1000"/>
                         <a:t>1</a:t>
                       </a:r>
                     </a:p>
                   </a:txBody>
-                  <a:tcPr/>
+                  <a:tcPr marL="68580" marR="68580" marT="34290" marB="34290"/>
                 </a:tc>
                 <a:tc>
                   <a:txBody>
@@ -4586,11 +4601,12 @@
                         <a:buNone/>
                       </a:pPr>
                       <a:r>
+                        <a:rPr sz="1000"/>
                         <a:t>2</a:t>
                       </a:r>
                     </a:p>
                   </a:txBody>
-                  <a:tcPr/>
+                  <a:tcPr marL="68580" marR="68580" marT="34290" marB="34290"/>
                 </a:tc>
                 <a:tc>
                   <a:txBody>
@@ -4601,11 +4617,12 @@
                         <a:buNone/>
                       </a:pPr>
                       <a:r>
+                        <a:rPr sz="1000"/>
                         <a:t>3</a:t>
                       </a:r>
                     </a:p>
                   </a:txBody>
-                  <a:tcPr/>
+                  <a:tcPr marL="68580" marR="68580" marT="34290" marB="34290"/>
                 </a:tc>
                 <a:tc>
                   <a:txBody>
@@ -4616,11 +4633,12 @@
                         <a:buNone/>
                       </a:pPr>
                       <a:r>
+                        <a:rPr sz="1000"/>
                         <a:t>4</a:t>
                       </a:r>
                     </a:p>
                   </a:txBody>
-                  <a:tcPr/>
+                  <a:tcPr marL="68580" marR="68580" marT="34290" marB="34290"/>
                 </a:tc>
                 <a:extLst>
                   <a:ext uri="{0D108BD9-81ED-4DB2-BD59-A6C34878D82A}">
@@ -4689,8 +4707,8 @@
           </p:nvPr>
         </p:nvGraphicFramePr>
         <p:xfrm>
-          <a:off x="2286000" y="2286000"/>
-          <a:ext cx="7289800" cy="4013200"/>
+          <a:off x="1714500" y="2571750"/>
+          <a:ext cx="5467350" cy="3009900"/>
         </p:xfrm>
         <a:graphic>
           <a:graphicData uri="http://schemas.openxmlformats.org/drawingml/2006/table">
@@ -4699,35 +4717,35 @@
                 <a:tableStyleId>{5C22544A-7EE6-4342-B048-85BDC9FD1C3A}</a:tableStyleId>
               </a:tblPr>
               <a:tblGrid>
-                <a:gridCol w="1447800">
+                <a:gridCol w="1085850">
                   <a:extLst>
                     <a:ext uri="{9D8B030D-6E8A-4147-A177-3AD203B41FA5}">
                       <a16:colId xmlns:a16="http://schemas.microsoft.com/office/drawing/2014/main" val="20000"/>
                     </a:ext>
                   </a:extLst>
                 </a:gridCol>
-                <a:gridCol w="1447800">
+                <a:gridCol w="1085850">
                   <a:extLst>
                     <a:ext uri="{9D8B030D-6E8A-4147-A177-3AD203B41FA5}">
                       <a16:colId xmlns:a16="http://schemas.microsoft.com/office/drawing/2014/main" val="20001"/>
                     </a:ext>
                   </a:extLst>
                 </a:gridCol>
-                <a:gridCol w="1447800">
+                <a:gridCol w="1085850">
                   <a:extLst>
                     <a:ext uri="{9D8B030D-6E8A-4147-A177-3AD203B41FA5}">
                       <a16:colId xmlns:a16="http://schemas.microsoft.com/office/drawing/2014/main" val="20002"/>
                     </a:ext>
                   </a:extLst>
                 </a:gridCol>
-                <a:gridCol w="1447800">
+                <a:gridCol w="1085850">
                   <a:extLst>
                     <a:ext uri="{9D8B030D-6E8A-4147-A177-3AD203B41FA5}">
                       <a16:colId xmlns:a16="http://schemas.microsoft.com/office/drawing/2014/main" val="20003"/>
                     </a:ext>
                   </a:extLst>
                 </a:gridCol>
-                <a:gridCol w="1447800">
+                <a:gridCol w="1085850">
                   <a:extLst>
                     <a:ext uri="{9D8B030D-6E8A-4147-A177-3AD203B41FA5}">
                       <a16:colId xmlns:a16="http://schemas.microsoft.com/office/drawing/2014/main" val="20004"/>
@@ -4735,16 +4753,16 @@
                   </a:extLst>
                 </a:gridCol>
               </a:tblGrid>
-              <a:tr h="0">
+              <a:tr h="222885">
                 <a:tc>
                   <a:txBody>
                     <a:bodyPr/>
                     <a:lstStyle/>
                     <a:p>
-                      <a:endParaRPr/>
+                      <a:endParaRPr sz="1000"/>
                     </a:p>
                   </a:txBody>
-                  <a:tcPr/>
+                  <a:tcPr marL="68580" marR="68580" marT="34290" marB="34290"/>
                 </a:tc>
                 <a:tc>
                   <a:txBody>
@@ -4755,11 +4773,12 @@
                         <a:buNone/>
                       </a:pPr>
                       <a:r>
+                        <a:rPr sz="1000"/>
                         <a:t>cyl</a:t>
                       </a:r>
                     </a:p>
                   </a:txBody>
-                  <a:tcPr/>
+                  <a:tcPr marL="68580" marR="68580" marT="34290" marB="34290"/>
                 </a:tc>
                 <a:tc>
                   <a:txBody>
@@ -4770,11 +4789,12 @@
                         <a:buNone/>
                       </a:pPr>
                       <a:r>
+                        <a:rPr sz="1000"/>
                         <a:t>disp</a:t>
                       </a:r>
                     </a:p>
                   </a:txBody>
-                  <a:tcPr/>
+                  <a:tcPr marL="68580" marR="68580" marT="34290" marB="34290"/>
                 </a:tc>
                 <a:tc>
                   <a:txBody>
@@ -4785,11 +4805,12 @@
                         <a:buNone/>
                       </a:pPr>
                       <a:r>
+                        <a:rPr sz="1000"/>
                         <a:t>hp</a:t>
                       </a:r>
                     </a:p>
                   </a:txBody>
-                  <a:tcPr/>
+                  <a:tcPr marL="68580" marR="68580" marT="34290" marB="34290"/>
                 </a:tc>
                 <a:tc>
                   <a:txBody>
@@ -4800,11 +4821,12 @@
                         <a:buNone/>
                       </a:pPr>
                       <a:r>
+                        <a:rPr sz="1000"/>
                         <a:t>drat</a:t>
                       </a:r>
                     </a:p>
                   </a:txBody>
-                  <a:tcPr/>
+                  <a:tcPr marL="68580" marR="68580" marT="34290" marB="34290"/>
                 </a:tc>
                 <a:extLst>
                   <a:ext uri="{0D108BD9-81ED-4DB2-BD59-A6C34878D82A}">
@@ -4812,7 +4834,7 @@
                   </a:ext>
                 </a:extLst>
               </a:tr>
-              <a:tr h="0">
+              <a:tr h="222885">
                 <a:tc>
                   <a:txBody>
                     <a:bodyPr/>
@@ -4822,11 +4844,12 @@
                         <a:buNone/>
                       </a:pPr>
                       <a:r>
+                        <a:rPr sz="1000"/>
                         <a:t>Mazda RX4</a:t>
                       </a:r>
                     </a:p>
                   </a:txBody>
-                  <a:tcPr/>
+                  <a:tcPr marL="68580" marR="68580" marT="34290" marB="34290"/>
                 </a:tc>
                 <a:tc>
                   <a:txBody>
@@ -4837,11 +4860,12 @@
                         <a:buNone/>
                       </a:pPr>
                       <a:r>
+                        <a:rPr sz="1000"/>
                         <a:t>6</a:t>
                       </a:r>
                     </a:p>
                   </a:txBody>
-                  <a:tcPr/>
+                  <a:tcPr marL="68580" marR="68580" marT="34290" marB="34290"/>
                 </a:tc>
                 <a:tc>
                   <a:txBody>
@@ -4852,11 +4876,12 @@
                         <a:buNone/>
                       </a:pPr>
                       <a:r>
+                        <a:rPr sz="1000"/>
                         <a:t>160</a:t>
                       </a:r>
                     </a:p>
                   </a:txBody>
-                  <a:tcPr/>
+                  <a:tcPr marL="68580" marR="68580" marT="34290" marB="34290"/>
                 </a:tc>
                 <a:tc>
                   <a:txBody>
@@ -4867,11 +4892,12 @@
                         <a:buNone/>
                       </a:pPr>
                       <a:r>
+                        <a:rPr sz="1000"/>
                         <a:t>110</a:t>
                       </a:r>
                     </a:p>
                   </a:txBody>
-                  <a:tcPr/>
+                  <a:tcPr marL="68580" marR="68580" marT="34290" marB="34290"/>
                 </a:tc>
                 <a:tc>
                   <a:txBody>
@@ -4882,11 +4908,12 @@
                         <a:buNone/>
                       </a:pPr>
                       <a:r>
+                        <a:rPr sz="1000"/>
                         <a:t>3.90</a:t>
                       </a:r>
                     </a:p>
                   </a:txBody>
-                  <a:tcPr/>
+                  <a:tcPr marL="68580" marR="68580" marT="34290" marB="34290"/>
                 </a:tc>
                 <a:extLst>
                   <a:ext uri="{0D108BD9-81ED-4DB2-BD59-A6C34878D82A}">
@@ -4894,7 +4921,7 @@
                   </a:ext>
                 </a:extLst>
               </a:tr>
-              <a:tr h="0">
+              <a:tr h="222885">
                 <a:tc>
                   <a:txBody>
                     <a:bodyPr/>
@@ -4904,11 +4931,12 @@
                         <a:buNone/>
                       </a:pPr>
                       <a:r>
+                        <a:rPr sz="1000"/>
                         <a:t>Mazda RX4 Wag</a:t>
                       </a:r>
                     </a:p>
                   </a:txBody>
-                  <a:tcPr/>
+                  <a:tcPr marL="68580" marR="68580" marT="34290" marB="34290"/>
                 </a:tc>
                 <a:tc>
                   <a:txBody>
@@ -4919,11 +4947,12 @@
                         <a:buNone/>
                       </a:pPr>
                       <a:r>
+                        <a:rPr sz="1000"/>
                         <a:t>6</a:t>
                       </a:r>
                     </a:p>
                   </a:txBody>
-                  <a:tcPr/>
+                  <a:tcPr marL="68580" marR="68580" marT="34290" marB="34290"/>
                 </a:tc>
                 <a:tc>
                   <a:txBody>
@@ -4934,11 +4963,12 @@
                         <a:buNone/>
                       </a:pPr>
                       <a:r>
+                        <a:rPr sz="1000"/>
                         <a:t>160</a:t>
                       </a:r>
                     </a:p>
                   </a:txBody>
-                  <a:tcPr/>
+                  <a:tcPr marL="68580" marR="68580" marT="34290" marB="34290"/>
                 </a:tc>
                 <a:tc>
                   <a:txBody>
@@ -4949,11 +4979,12 @@
                         <a:buNone/>
                       </a:pPr>
                       <a:r>
+                        <a:rPr sz="1000"/>
                         <a:t>110</a:t>
                       </a:r>
                     </a:p>
                   </a:txBody>
-                  <a:tcPr/>
+                  <a:tcPr marL="68580" marR="68580" marT="34290" marB="34290"/>
                 </a:tc>
                 <a:tc>
                   <a:txBody>
@@ -4964,11 +4995,12 @@
                         <a:buNone/>
                       </a:pPr>
                       <a:r>
+                        <a:rPr sz="1000"/>
                         <a:t>3.90</a:t>
                       </a:r>
                     </a:p>
                   </a:txBody>
-                  <a:tcPr/>
+                  <a:tcPr marL="68580" marR="68580" marT="34290" marB="34290"/>
                 </a:tc>
                 <a:extLst>
                   <a:ext uri="{0D108BD9-81ED-4DB2-BD59-A6C34878D82A}">
@@ -4976,7 +5008,7 @@
                   </a:ext>
                 </a:extLst>
               </a:tr>
-              <a:tr h="0">
+              <a:tr h="222885">
                 <a:tc>
                   <a:txBody>
                     <a:bodyPr/>
@@ -4986,11 +5018,12 @@
                         <a:buNone/>
                       </a:pPr>
                       <a:r>
+                        <a:rPr sz="1000"/>
                         <a:t>Datsun 710</a:t>
                       </a:r>
                     </a:p>
                   </a:txBody>
-                  <a:tcPr/>
+                  <a:tcPr marL="68580" marR="68580" marT="34290" marB="34290"/>
                 </a:tc>
                 <a:tc>
                   <a:txBody>
@@ -5001,11 +5034,12 @@
                         <a:buNone/>
                       </a:pPr>
                       <a:r>
+                        <a:rPr sz="1000"/>
                         <a:t>4</a:t>
                       </a:r>
                     </a:p>
                   </a:txBody>
-                  <a:tcPr/>
+                  <a:tcPr marL="68580" marR="68580" marT="34290" marB="34290"/>
                 </a:tc>
                 <a:tc>
                   <a:txBody>
@@ -5016,11 +5050,12 @@
                         <a:buNone/>
                       </a:pPr>
                       <a:r>
+                        <a:rPr sz="1000"/>
                         <a:t>108</a:t>
                       </a:r>
                     </a:p>
                   </a:txBody>
-                  <a:tcPr/>
+                  <a:tcPr marL="68580" marR="68580" marT="34290" marB="34290"/>
                 </a:tc>
                 <a:tc>
                   <a:txBody>
@@ -5031,11 +5066,12 @@
                         <a:buNone/>
                       </a:pPr>
                       <a:r>
+                        <a:rPr sz="1000"/>
                         <a:t>93</a:t>
                       </a:r>
                     </a:p>
                   </a:txBody>
-                  <a:tcPr/>
+                  <a:tcPr marL="68580" marR="68580" marT="34290" marB="34290"/>
                 </a:tc>
                 <a:tc>
                   <a:txBody>
@@ -5046,11 +5082,12 @@
                         <a:buNone/>
                       </a:pPr>
                       <a:r>
+                        <a:rPr sz="1000"/>
                         <a:t>3.85</a:t>
                       </a:r>
                     </a:p>
                   </a:txBody>
-                  <a:tcPr/>
+                  <a:tcPr marL="68580" marR="68580" marT="34290" marB="34290"/>
                 </a:tc>
                 <a:extLst>
                   <a:ext uri="{0D108BD9-81ED-4DB2-BD59-A6C34878D82A}">
@@ -5143,8 +5180,8 @@
           </p:nvPr>
         </p:nvGraphicFramePr>
         <p:xfrm>
-          <a:off x="6007100" y="2286000"/>
-          <a:ext cx="3556000" cy="2560320"/>
+          <a:off x="4505325" y="2571750"/>
+          <a:ext cx="2667000" cy="1920240"/>
         </p:xfrm>
         <a:graphic>
           <a:graphicData uri="http://schemas.openxmlformats.org/drawingml/2006/table">
@@ -5153,35 +5190,35 @@
                 <a:tableStyleId>{5C22544A-7EE6-4342-B048-85BDC9FD1C3A}</a:tableStyleId>
               </a:tblPr>
               <a:tblGrid>
-                <a:gridCol w="711200">
+                <a:gridCol w="533400">
                   <a:extLst>
                     <a:ext uri="{9D8B030D-6E8A-4147-A177-3AD203B41FA5}">
                       <a16:colId xmlns:a16="http://schemas.microsoft.com/office/drawing/2014/main" val="20000"/>
                     </a:ext>
                   </a:extLst>
                 </a:gridCol>
-                <a:gridCol w="711200">
+                <a:gridCol w="533400">
                   <a:extLst>
                     <a:ext uri="{9D8B030D-6E8A-4147-A177-3AD203B41FA5}">
                       <a16:colId xmlns:a16="http://schemas.microsoft.com/office/drawing/2014/main" val="20001"/>
                     </a:ext>
                   </a:extLst>
                 </a:gridCol>
-                <a:gridCol w="711200">
+                <a:gridCol w="533400">
                   <a:extLst>
                     <a:ext uri="{9D8B030D-6E8A-4147-A177-3AD203B41FA5}">
                       <a16:colId xmlns:a16="http://schemas.microsoft.com/office/drawing/2014/main" val="20002"/>
                     </a:ext>
                   </a:extLst>
                 </a:gridCol>
-                <a:gridCol w="711200">
+                <a:gridCol w="533400">
                   <a:extLst>
                     <a:ext uri="{9D8B030D-6E8A-4147-A177-3AD203B41FA5}">
                       <a16:colId xmlns:a16="http://schemas.microsoft.com/office/drawing/2014/main" val="20003"/>
                     </a:ext>
                   </a:extLst>
                 </a:gridCol>
-                <a:gridCol w="711200">
+                <a:gridCol w="533400">
                   <a:extLst>
                     <a:ext uri="{9D8B030D-6E8A-4147-A177-3AD203B41FA5}">
                       <a16:colId xmlns:a16="http://schemas.microsoft.com/office/drawing/2014/main" val="20004"/>
@@ -5189,16 +5226,16 @@
                   </a:extLst>
                 </a:gridCol>
               </a:tblGrid>
-              <a:tr h="0">
+              <a:tr h="222885">
                 <a:tc>
                   <a:txBody>
                     <a:bodyPr/>
                     <a:lstStyle/>
                     <a:p>
-                      <a:endParaRPr/>
+                      <a:endParaRPr sz="1000"/>
                     </a:p>
                   </a:txBody>
-                  <a:tcPr/>
+                  <a:tcPr marL="68580" marR="68580" marT="34290" marB="34290"/>
                 </a:tc>
                 <a:tc>
                   <a:txBody>
@@ -5209,11 +5246,12 @@
                         <a:buNone/>
                       </a:pPr>
                       <a:r>
+                        <a:rPr sz="1000"/>
                         <a:t>cyl</a:t>
                       </a:r>
                     </a:p>
                   </a:txBody>
-                  <a:tcPr/>
+                  <a:tcPr marL="68580" marR="68580" marT="34290" marB="34290"/>
                 </a:tc>
                 <a:tc>
                   <a:txBody>
@@ -5224,11 +5262,12 @@
                         <a:buNone/>
                       </a:pPr>
                       <a:r>
+                        <a:rPr sz="1000"/>
                         <a:t>disp</a:t>
                       </a:r>
                     </a:p>
                   </a:txBody>
-                  <a:tcPr/>
+                  <a:tcPr marL="68580" marR="68580" marT="34290" marB="34290"/>
                 </a:tc>
                 <a:tc>
                   <a:txBody>
@@ -5239,11 +5278,12 @@
                         <a:buNone/>
                       </a:pPr>
                       <a:r>
+                        <a:rPr sz="1000"/>
                         <a:t>hp</a:t>
                       </a:r>
                     </a:p>
                   </a:txBody>
-                  <a:tcPr/>
+                  <a:tcPr marL="68580" marR="68580" marT="34290" marB="34290"/>
                 </a:tc>
                 <a:tc>
                   <a:txBody>
@@ -5254,11 +5294,12 @@
                         <a:buNone/>
                       </a:pPr>
                       <a:r>
+                        <a:rPr sz="1000"/>
                         <a:t>drat</a:t>
                       </a:r>
                     </a:p>
                   </a:txBody>
-                  <a:tcPr/>
+                  <a:tcPr marL="68580" marR="68580" marT="34290" marB="34290"/>
                 </a:tc>
                 <a:extLst>
                   <a:ext uri="{0D108BD9-81ED-4DB2-BD59-A6C34878D82A}">
@@ -5266,7 +5307,7 @@
                   </a:ext>
                 </a:extLst>
               </a:tr>
-              <a:tr h="0">
+              <a:tr h="377190">
                 <a:tc>
                   <a:txBody>
                     <a:bodyPr/>
@@ -5276,11 +5317,12 @@
                         <a:buNone/>
                       </a:pPr>
                       <a:r>
+                        <a:rPr sz="1000"/>
                         <a:t>Mazda RX4</a:t>
                       </a:r>
                     </a:p>
                   </a:txBody>
-                  <a:tcPr/>
+                  <a:tcPr marL="68580" marR="68580" marT="34290" marB="34290"/>
                 </a:tc>
                 <a:tc>
                   <a:txBody>
@@ -5291,11 +5333,12 @@
                         <a:buNone/>
                       </a:pPr>
                       <a:r>
+                        <a:rPr sz="1000"/>
                         <a:t>6</a:t>
                       </a:r>
                     </a:p>
                   </a:txBody>
-                  <a:tcPr/>
+                  <a:tcPr marL="68580" marR="68580" marT="34290" marB="34290"/>
                 </a:tc>
                 <a:tc>
                   <a:txBody>
@@ -5306,11 +5349,12 @@
                         <a:buNone/>
                       </a:pPr>
                       <a:r>
+                        <a:rPr sz="1000"/>
                         <a:t>160</a:t>
                       </a:r>
                     </a:p>
                   </a:txBody>
-                  <a:tcPr/>
+                  <a:tcPr marL="68580" marR="68580" marT="34290" marB="34290"/>
                 </a:tc>
                 <a:tc>
                   <a:txBody>
@@ -5321,11 +5365,12 @@
                         <a:buNone/>
                       </a:pPr>
                       <a:r>
+                        <a:rPr sz="1000"/>
                         <a:t>110</a:t>
                       </a:r>
                     </a:p>
                   </a:txBody>
-                  <a:tcPr/>
+                  <a:tcPr marL="68580" marR="68580" marT="34290" marB="34290"/>
                 </a:tc>
                 <a:tc>
                   <a:txBody>
@@ -5336,11 +5381,12 @@
                         <a:buNone/>
                       </a:pPr>
                       <a:r>
+                        <a:rPr sz="1000"/>
                         <a:t>3.90</a:t>
                       </a:r>
                     </a:p>
                   </a:txBody>
-                  <a:tcPr/>
+                  <a:tcPr marL="68580" marR="68580" marT="34290" marB="34290"/>
                 </a:tc>
                 <a:extLst>
                   <a:ext uri="{0D108BD9-81ED-4DB2-BD59-A6C34878D82A}">
@@ -5348,7 +5394,7 @@
                   </a:ext>
                 </a:extLst>
               </a:tr>
-              <a:tr h="0">
+              <a:tr h="531495">
                 <a:tc>
                   <a:txBody>
                     <a:bodyPr/>
@@ -5358,11 +5404,12 @@
                         <a:buNone/>
                       </a:pPr>
                       <a:r>
+                        <a:rPr sz="1000"/>
                         <a:t>Mazda RX4 Wag</a:t>
                       </a:r>
                     </a:p>
                   </a:txBody>
-                  <a:tcPr/>
+                  <a:tcPr marL="68580" marR="68580" marT="34290" marB="34290"/>
                 </a:tc>
                 <a:tc>
                   <a:txBody>
@@ -5373,11 +5420,12 @@
                         <a:buNone/>
                       </a:pPr>
                       <a:r>
+                        <a:rPr sz="1000"/>
                         <a:t>6</a:t>
                       </a:r>
                     </a:p>
                   </a:txBody>
-                  <a:tcPr/>
+                  <a:tcPr marL="68580" marR="68580" marT="34290" marB="34290"/>
                 </a:tc>
                 <a:tc>
                   <a:txBody>
@@ -5388,11 +5436,12 @@
                         <a:buNone/>
                       </a:pPr>
                       <a:r>
+                        <a:rPr sz="1000"/>
                         <a:t>160</a:t>
                       </a:r>
                     </a:p>
                   </a:txBody>
-                  <a:tcPr/>
+                  <a:tcPr marL="68580" marR="68580" marT="34290" marB="34290"/>
                 </a:tc>
                 <a:tc>
                   <a:txBody>
@@ -5403,11 +5452,12 @@
                         <a:buNone/>
                       </a:pPr>
                       <a:r>
+                        <a:rPr sz="1000"/>
                         <a:t>110</a:t>
                       </a:r>
                     </a:p>
                   </a:txBody>
-                  <a:tcPr/>
+                  <a:tcPr marL="68580" marR="68580" marT="34290" marB="34290"/>
                 </a:tc>
                 <a:tc>
                   <a:txBody>
@@ -5418,11 +5468,12 @@
                         <a:buNone/>
                       </a:pPr>
                       <a:r>
+                        <a:rPr sz="1000"/>
                         <a:t>3.90</a:t>
                       </a:r>
                     </a:p>
                   </a:txBody>
-                  <a:tcPr/>
+                  <a:tcPr marL="68580" marR="68580" marT="34290" marB="34290"/>
                 </a:tc>
                 <a:extLst>
                   <a:ext uri="{0D108BD9-81ED-4DB2-BD59-A6C34878D82A}">
@@ -5430,7 +5481,7 @@
                   </a:ext>
                 </a:extLst>
               </a:tr>
-              <a:tr h="0">
+              <a:tr h="377190">
                 <a:tc>
                   <a:txBody>
                     <a:bodyPr/>
@@ -5440,11 +5491,12 @@
                         <a:buNone/>
                       </a:pPr>
                       <a:r>
+                        <a:rPr sz="1000"/>
                         <a:t>Datsun 710</a:t>
                       </a:r>
                     </a:p>
                   </a:txBody>
-                  <a:tcPr/>
+                  <a:tcPr marL="68580" marR="68580" marT="34290" marB="34290"/>
                 </a:tc>
                 <a:tc>
                   <a:txBody>
@@ -5455,11 +5507,12 @@
                         <a:buNone/>
                       </a:pPr>
                       <a:r>
+                        <a:rPr sz="1000"/>
                         <a:t>4</a:t>
                       </a:r>
                     </a:p>
                   </a:txBody>
-                  <a:tcPr/>
+                  <a:tcPr marL="68580" marR="68580" marT="34290" marB="34290"/>
                 </a:tc>
                 <a:tc>
                   <a:txBody>
@@ -5470,11 +5523,12 @@
                         <a:buNone/>
                       </a:pPr>
                       <a:r>
+                        <a:rPr sz="1000"/>
                         <a:t>108</a:t>
                       </a:r>
                     </a:p>
                   </a:txBody>
-                  <a:tcPr/>
+                  <a:tcPr marL="68580" marR="68580" marT="34290" marB="34290"/>
                 </a:tc>
                 <a:tc>
                   <a:txBody>
@@ -5485,11 +5539,12 @@
                         <a:buNone/>
                       </a:pPr>
                       <a:r>
+                        <a:rPr sz="1000"/>
                         <a:t>93</a:t>
                       </a:r>
                     </a:p>
                   </a:txBody>
-                  <a:tcPr/>
+                  <a:tcPr marL="68580" marR="68580" marT="34290" marB="34290"/>
                 </a:tc>
                 <a:tc>
                   <a:txBody>
@@ -5500,11 +5555,12 @@
                         <a:buNone/>
                       </a:pPr>
                       <a:r>
+                        <a:rPr sz="1000"/>
                         <a:t>3.85</a:t>
                       </a:r>
                     </a:p>
                   </a:txBody>
-                  <a:tcPr/>
+                  <a:tcPr marL="68580" marR="68580" marT="34290" marB="34290"/>
                 </a:tc>
                 <a:extLst>
                   <a:ext uri="{0D108BD9-81ED-4DB2-BD59-A6C34878D82A}">
@@ -5570,8 +5626,8 @@
         </p:nvCxnSpPr>
         <p:spPr>
           <a:xfrm flipV="1">
-            <a:off x="7814132" y="5264106"/>
-            <a:ext cx="0" cy="914400"/>
+            <a:off x="5860599" y="4805330"/>
+            <a:ext cx="0" cy="685800"/>
           </a:xfrm>
           <a:prstGeom prst="line">
             <a:avLst/>
@@ -5700,8 +5756,8 @@
         </p:nvCxnSpPr>
         <p:spPr>
           <a:xfrm flipV="1">
-            <a:off x="7814132" y="5264106"/>
-            <a:ext cx="0" cy="914400"/>
+            <a:off x="5860599" y="4805330"/>
+            <a:ext cx="0" cy="685800"/>
           </a:xfrm>
           <a:prstGeom prst="line">
             <a:avLst/>
@@ -6127,8 +6183,8 @@
         </p:blipFill>
         <p:spPr bwMode="auto">
           <a:xfrm>
-            <a:off x="2425700" y="2286000"/>
-            <a:ext cx="7010400" cy="3505200"/>
+            <a:off x="1819275" y="2571750"/>
+            <a:ext cx="5257800" cy="2628900"/>
           </a:xfrm>
           <a:prstGeom prst="rect">
             <a:avLst/>
@@ -6149,8 +6205,8 @@
         </p:nvSpPr>
         <p:spPr>
           <a:xfrm>
-            <a:off x="2286000" y="5791200"/>
-            <a:ext cx="7289800" cy="508000"/>
+            <a:off x="1714500" y="5200650"/>
+            <a:ext cx="5467350" cy="381000"/>
           </a:xfrm>
           <a:prstGeom prst="rect">
             <a:avLst/>
@@ -6163,6 +6219,7 @@
           <a:p>
             <a:pPr algn="ctr"/>
             <a:r>
+              <a:rPr sz="1350"/>
               <a:t>a caption!</a:t>
             </a:r>
           </a:p>
